--- a/Documents/Presentation.pptx
+++ b/Documents/Presentation.pptx
@@ -5,7 +5,7 @@
     <p:sldMasterId id="2147483659" r:id="rId1"/>
   </p:sldMasterIdLst>
   <p:notesMasterIdLst>
-    <p:notesMasterId r:id="rId17"/>
+    <p:notesMasterId r:id="rId16"/>
   </p:notesMasterIdLst>
   <p:sldIdLst>
     <p:sldId id="256" r:id="rId2"/>
@@ -17,12 +17,11 @@
     <p:sldId id="264" r:id="rId8"/>
     <p:sldId id="263" r:id="rId9"/>
     <p:sldId id="262" r:id="rId10"/>
-    <p:sldId id="268" r:id="rId11"/>
-    <p:sldId id="269" r:id="rId12"/>
-    <p:sldId id="270" r:id="rId13"/>
-    <p:sldId id="272" r:id="rId14"/>
-    <p:sldId id="271" r:id="rId15"/>
-    <p:sldId id="267" r:id="rId16"/>
+    <p:sldId id="269" r:id="rId11"/>
+    <p:sldId id="270" r:id="rId12"/>
+    <p:sldId id="272" r:id="rId13"/>
+    <p:sldId id="271" r:id="rId14"/>
+    <p:sldId id="267" r:id="rId15"/>
   </p:sldIdLst>
   <p:sldSz cx="9144000" cy="5143500" type="screen16x9"/>
   <p:notesSz cx="6858000" cy="9144000"/>
@@ -916,7 +915,7 @@
     </p:spTree>
     <p:extLst>
       <p:ext uri="{BB962C8B-B14F-4D97-AF65-F5344CB8AC3E}">
-        <p14:creationId xmlns:p14="http://schemas.microsoft.com/office/powerpoint/2010/main" val="4196504058"/>
+        <p14:creationId xmlns:p14="http://schemas.microsoft.com/office/powerpoint/2010/main" val="4024751892"/>
       </p:ext>
     </p:extLst>
   </p:cSld>
@@ -1025,7 +1024,7 @@
     </p:spTree>
     <p:extLst>
       <p:ext uri="{BB962C8B-B14F-4D97-AF65-F5344CB8AC3E}">
-        <p14:creationId xmlns:p14="http://schemas.microsoft.com/office/powerpoint/2010/main" val="4024751892"/>
+        <p14:creationId xmlns:p14="http://schemas.microsoft.com/office/powerpoint/2010/main" val="300104304"/>
       </p:ext>
     </p:extLst>
   </p:cSld>
@@ -1134,7 +1133,7 @@
     </p:spTree>
     <p:extLst>
       <p:ext uri="{BB962C8B-B14F-4D97-AF65-F5344CB8AC3E}">
-        <p14:creationId xmlns:p14="http://schemas.microsoft.com/office/powerpoint/2010/main" val="300104304"/>
+        <p14:creationId xmlns:p14="http://schemas.microsoft.com/office/powerpoint/2010/main" val="3333073162"/>
       </p:ext>
     </p:extLst>
   </p:cSld>
@@ -1243,7 +1242,7 @@
     </p:spTree>
     <p:extLst>
       <p:ext uri="{BB962C8B-B14F-4D97-AF65-F5344CB8AC3E}">
-        <p14:creationId xmlns:p14="http://schemas.microsoft.com/office/powerpoint/2010/main" val="3333073162"/>
+        <p14:creationId xmlns:p14="http://schemas.microsoft.com/office/powerpoint/2010/main" val="628872943"/>
       </p:ext>
     </p:extLst>
   </p:cSld>
@@ -1254,115 +1253,6 @@
 </file>
 
 <file path=ppt/notesSlides/notesSlide14.xml><?xml version="1.0" encoding="utf-8"?>
-<p:notes xmlns:a="http://schemas.openxmlformats.org/drawingml/2006/main" xmlns:r="http://schemas.openxmlformats.org/officeDocument/2006/relationships" xmlns:p="http://schemas.openxmlformats.org/presentationml/2006/main" showMasterSp="0" showMasterPhAnim="0">
-  <p:cSld>
-    <p:spTree>
-      <p:nvGrpSpPr>
-        <p:cNvPr id="1" name="Shape 132"/>
-        <p:cNvGrpSpPr/>
-        <p:nvPr/>
-      </p:nvGrpSpPr>
-      <p:grpSpPr>
-        <a:xfrm>
-          <a:off x="0" y="0"/>
-          <a:ext cx="0" cy="0"/>
-          <a:chOff x="0" y="0"/>
-          <a:chExt cx="0" cy="0"/>
-        </a:xfrm>
-      </p:grpSpPr>
-      <p:sp>
-        <p:nvSpPr>
-          <p:cNvPr id="133" name="Google Shape;133;g587fd0cd4f_0_31:notes"/>
-          <p:cNvSpPr>
-            <a:spLocks noGrp="1" noRot="1" noChangeAspect="1"/>
-          </p:cNvSpPr>
-          <p:nvPr>
-            <p:ph type="sldImg" idx="2"/>
-          </p:nvPr>
-        </p:nvSpPr>
-        <p:spPr>
-          <a:xfrm>
-            <a:off x="381000" y="685800"/>
-            <a:ext cx="6096000" cy="3429000"/>
-          </a:xfrm>
-          <a:custGeom>
-            <a:avLst/>
-            <a:gdLst/>
-            <a:ahLst/>
-            <a:cxnLst/>
-            <a:rect l="l" t="t" r="r" b="b"/>
-            <a:pathLst>
-              <a:path w="120000" h="120000" extrusionOk="0">
-                <a:moveTo>
-                  <a:pt x="0" y="0"/>
-                </a:moveTo>
-                <a:lnTo>
-                  <a:pt x="120000" y="0"/>
-                </a:lnTo>
-                <a:lnTo>
-                  <a:pt x="120000" y="120000"/>
-                </a:lnTo>
-                <a:lnTo>
-                  <a:pt x="0" y="120000"/>
-                </a:lnTo>
-                <a:close/>
-              </a:path>
-            </a:pathLst>
-          </a:custGeom>
-        </p:spPr>
-      </p:sp>
-      <p:sp>
-        <p:nvSpPr>
-          <p:cNvPr id="134" name="Google Shape;134;g587fd0cd4f_0_31:notes"/>
-          <p:cNvSpPr txBox="1">
-            <a:spLocks noGrp="1"/>
-          </p:cNvSpPr>
-          <p:nvPr>
-            <p:ph type="body" idx="1"/>
-          </p:nvPr>
-        </p:nvSpPr>
-        <p:spPr>
-          <a:xfrm>
-            <a:off x="685800" y="4343400"/>
-            <a:ext cx="5486400" cy="4114800"/>
-          </a:xfrm>
-          <a:prstGeom prst="rect">
-            <a:avLst/>
-          </a:prstGeom>
-        </p:spPr>
-        <p:txBody>
-          <a:bodyPr spcFirstLastPara="1" wrap="square" lIns="91425" tIns="91425" rIns="91425" bIns="91425" anchor="t" anchorCtr="0">
-            <a:noAutofit/>
-          </a:bodyPr>
-          <a:lstStyle/>
-          <a:p>
-            <a:pPr marL="0" lvl="0" indent="0" algn="l" rtl="0">
-              <a:spcBef>
-                <a:spcPts val="0"/>
-              </a:spcBef>
-              <a:spcAft>
-                <a:spcPts val="0"/>
-              </a:spcAft>
-              <a:buNone/>
-            </a:pPr>
-            <a:endParaRPr/>
-          </a:p>
-        </p:txBody>
-      </p:sp>
-    </p:spTree>
-    <p:extLst>
-      <p:ext uri="{BB962C8B-B14F-4D97-AF65-F5344CB8AC3E}">
-        <p14:creationId xmlns:p14="http://schemas.microsoft.com/office/powerpoint/2010/main" val="628872943"/>
-      </p:ext>
-    </p:extLst>
-  </p:cSld>
-  <p:clrMapOvr>
-    <a:masterClrMapping/>
-  </p:clrMapOvr>
-</p:notes>
-</file>
-
-<file path=ppt/notesSlides/notesSlide15.xml><?xml version="1.0" encoding="utf-8"?>
 <p:notes xmlns:a="http://schemas.openxmlformats.org/drawingml/2006/main" xmlns:r="http://schemas.openxmlformats.org/officeDocument/2006/relationships" xmlns:p="http://schemas.openxmlformats.org/presentationml/2006/main" showMasterSp="0" showMasterPhAnim="0">
   <p:cSld>
     <p:spTree>
@@ -7393,7 +7283,7 @@
         </p:nvSpPr>
         <p:spPr>
           <a:xfrm>
-            <a:off x="311700" y="106406"/>
+            <a:off x="311700" y="0"/>
             <a:ext cx="8520600" cy="572700"/>
           </a:xfrm>
           <a:prstGeom prst="rect">
@@ -7406,10 +7296,18 @@
           </a:bodyPr>
           <a:lstStyle/>
           <a:p>
-            <a:pPr lvl="0" algn="ctr"/>
+            <a:pPr marL="0" lvl="0" indent="0" algn="ctr" rtl="0">
+              <a:spcBef>
+                <a:spcPts val="0"/>
+              </a:spcBef>
+              <a:spcAft>
+                <a:spcPts val="0"/>
+              </a:spcAft>
+              <a:buNone/>
+            </a:pPr>
             <a:r>
               <a:rPr lang="ru-RU" b="1" dirty="0"/>
-              <a:t>Анализ предметной области</a:t>
+              <a:t>План тестирования</a:t>
             </a:r>
             <a:endParaRPr b="1" dirty="0"/>
           </a:p>
@@ -7453,14 +7351,450 @@
               <a:rPr lang="ru" sz="1800" b="1"/>
               <a:t>10</a:t>
             </a:fld>
-            <a:endParaRPr sz="1800" b="1"/>
+            <a:endParaRPr sz="1800" b="1" dirty="0"/>
+          </a:p>
+        </p:txBody>
+      </p:sp>
+      <p:sp>
+        <p:nvSpPr>
+          <p:cNvPr id="2" name="Прямоугольник 1">
+            <a:extLst>
+              <a:ext uri="{FF2B5EF4-FFF2-40B4-BE49-F238E27FC236}">
+                <a16:creationId xmlns:a16="http://schemas.microsoft.com/office/drawing/2014/main" id="{F4CE0332-4505-40EC-B8F0-F8F733F95118}"/>
+              </a:ext>
+            </a:extLst>
+          </p:cNvPr>
+          <p:cNvSpPr/>
+          <p:nvPr/>
+        </p:nvSpPr>
+        <p:spPr>
+          <a:xfrm>
+            <a:off x="311700" y="1652598"/>
+            <a:ext cx="4572000" cy="1600438"/>
+          </a:xfrm>
+          <a:prstGeom prst="rect">
+            <a:avLst/>
+          </a:prstGeom>
+        </p:spPr>
+        <p:txBody>
+          <a:bodyPr>
+            <a:spAutoFit/>
+          </a:bodyPr>
+          <a:lstStyle/>
+          <a:p>
+            <a:r>
+              <a:rPr lang="ru-RU" dirty="0">
+                <a:latin typeface="Calibri" panose="020F0502020204030204" pitchFamily="34" charset="0"/>
+                <a:ea typeface="Times New Roman" panose="02020603050405020304" pitchFamily="18" charset="0"/>
+                <a:cs typeface="Calibri" panose="020F0502020204030204" pitchFamily="34" charset="0"/>
+              </a:rPr>
+              <a:t>Этапы модульного тестирования</a:t>
+            </a:r>
+            <a:r>
+              <a:rPr lang="en-US" dirty="0">
+                <a:latin typeface="Calibri" panose="020F0502020204030204" pitchFamily="34" charset="0"/>
+                <a:ea typeface="Times New Roman" panose="02020603050405020304" pitchFamily="18" charset="0"/>
+                <a:cs typeface="Calibri" panose="020F0502020204030204" pitchFamily="34" charset="0"/>
+              </a:rPr>
+              <a:t>:</a:t>
+            </a:r>
+          </a:p>
+          <a:p>
+            <a:pPr marL="342900" indent="-342900">
+              <a:buFont typeface="+mj-lt"/>
+              <a:buAutoNum type="arabicPeriod"/>
+            </a:pPr>
+            <a:r>
+              <a:rPr lang="ru-RU" dirty="0">
+                <a:latin typeface="Calibri" panose="020F0502020204030204" pitchFamily="34" charset="0"/>
+                <a:ea typeface="Times New Roman" panose="02020603050405020304" pitchFamily="18" charset="0"/>
+                <a:cs typeface="Calibri" panose="020F0502020204030204" pitchFamily="34" charset="0"/>
+              </a:rPr>
+              <a:t>Разработка программы и методики предварительных испытаний</a:t>
+            </a:r>
+            <a:endParaRPr lang="en-US" dirty="0">
+              <a:latin typeface="Calibri" panose="020F0502020204030204" pitchFamily="34" charset="0"/>
+              <a:ea typeface="Times New Roman" panose="02020603050405020304" pitchFamily="18" charset="0"/>
+              <a:cs typeface="Calibri" panose="020F0502020204030204" pitchFamily="34" charset="0"/>
+            </a:endParaRPr>
+          </a:p>
+          <a:p>
+            <a:pPr marL="342900" indent="-342900">
+              <a:buFont typeface="+mj-lt"/>
+              <a:buAutoNum type="arabicPeriod"/>
+            </a:pPr>
+            <a:r>
+              <a:rPr lang="ru-RU" dirty="0">
+                <a:latin typeface="Calibri" panose="020F0502020204030204" pitchFamily="34" charset="0"/>
+                <a:ea typeface="Times New Roman" panose="02020603050405020304" pitchFamily="18" charset="0"/>
+                <a:cs typeface="Calibri" panose="020F0502020204030204" pitchFamily="34" charset="0"/>
+              </a:rPr>
+              <a:t>Установка критериев прохождения испытаний</a:t>
+            </a:r>
+            <a:endParaRPr lang="en-US" dirty="0">
+              <a:latin typeface="Calibri" panose="020F0502020204030204" pitchFamily="34" charset="0"/>
+              <a:ea typeface="Times New Roman" panose="02020603050405020304" pitchFamily="18" charset="0"/>
+              <a:cs typeface="Calibri" panose="020F0502020204030204" pitchFamily="34" charset="0"/>
+            </a:endParaRPr>
+          </a:p>
+          <a:p>
+            <a:pPr marL="342900" indent="-342900">
+              <a:buFont typeface="+mj-lt"/>
+              <a:buAutoNum type="arabicPeriod"/>
+            </a:pPr>
+            <a:r>
+              <a:rPr lang="ru-RU" dirty="0">
+                <a:latin typeface="Calibri" panose="020F0502020204030204" pitchFamily="34" charset="0"/>
+                <a:ea typeface="Times New Roman" panose="02020603050405020304" pitchFamily="18" charset="0"/>
+                <a:cs typeface="Calibri" panose="020F0502020204030204" pitchFamily="34" charset="0"/>
+              </a:rPr>
+              <a:t>Проведение соответствующих испытаний</a:t>
+            </a:r>
+            <a:endParaRPr lang="en-US" dirty="0">
+              <a:latin typeface="Calibri" panose="020F0502020204030204" pitchFamily="34" charset="0"/>
+              <a:ea typeface="Times New Roman" panose="02020603050405020304" pitchFamily="18" charset="0"/>
+              <a:cs typeface="Calibri" panose="020F0502020204030204" pitchFamily="34" charset="0"/>
+            </a:endParaRPr>
+          </a:p>
+          <a:p>
+            <a:pPr marL="342900" indent="-342900">
+              <a:buFont typeface="+mj-lt"/>
+              <a:buAutoNum type="arabicPeriod"/>
+            </a:pPr>
+            <a:r>
+              <a:rPr lang="ru-RU" dirty="0">
+                <a:latin typeface="Calibri" panose="020F0502020204030204" pitchFamily="34" charset="0"/>
+                <a:ea typeface="Times New Roman" panose="02020603050405020304" pitchFamily="18" charset="0"/>
+                <a:cs typeface="Calibri" panose="020F0502020204030204" pitchFamily="34" charset="0"/>
+              </a:rPr>
+              <a:t>Разработка документации по результатам прохождения тестирования</a:t>
+            </a:r>
+          </a:p>
+        </p:txBody>
+      </p:sp>
+      <p:sp>
+        <p:nvSpPr>
+          <p:cNvPr id="5" name="Прямоугольник 4">
+            <a:extLst>
+              <a:ext uri="{FF2B5EF4-FFF2-40B4-BE49-F238E27FC236}">
+                <a16:creationId xmlns:a16="http://schemas.microsoft.com/office/drawing/2014/main" id="{D6E1ACCD-4CA3-46A6-A155-7602AC6A903E}"/>
+              </a:ext>
+            </a:extLst>
+          </p:cNvPr>
+          <p:cNvSpPr/>
+          <p:nvPr/>
+        </p:nvSpPr>
+        <p:spPr>
+          <a:xfrm>
+            <a:off x="311700" y="633699"/>
+            <a:ext cx="6413205" cy="954107"/>
+          </a:xfrm>
+          <a:prstGeom prst="rect">
+            <a:avLst/>
+          </a:prstGeom>
+        </p:spPr>
+        <p:txBody>
+          <a:bodyPr wrap="square">
+            <a:spAutoFit/>
+          </a:bodyPr>
+          <a:lstStyle/>
+          <a:p>
+            <a:r>
+              <a:rPr lang="ru-RU" dirty="0">
+                <a:latin typeface="Calibri" panose="020F0502020204030204" pitchFamily="34" charset="0"/>
+                <a:ea typeface="Times New Roman" panose="02020603050405020304" pitchFamily="18" charset="0"/>
+                <a:cs typeface="Calibri" panose="020F0502020204030204" pitchFamily="34" charset="0"/>
+              </a:rPr>
+              <a:t>Виды тестирования, которые были выбраны для проведения</a:t>
+            </a:r>
+            <a:r>
+              <a:rPr lang="en-US" dirty="0">
+                <a:latin typeface="Calibri" panose="020F0502020204030204" pitchFamily="34" charset="0"/>
+                <a:ea typeface="Times New Roman" panose="02020603050405020304" pitchFamily="18" charset="0"/>
+                <a:cs typeface="Calibri" panose="020F0502020204030204" pitchFamily="34" charset="0"/>
+              </a:rPr>
+              <a:t>:</a:t>
+            </a:r>
+            <a:endParaRPr lang="ru-RU" dirty="0">
+              <a:latin typeface="Calibri" panose="020F0502020204030204" pitchFamily="34" charset="0"/>
+              <a:ea typeface="Times New Roman" panose="02020603050405020304" pitchFamily="18" charset="0"/>
+              <a:cs typeface="Calibri" panose="020F0502020204030204" pitchFamily="34" charset="0"/>
+            </a:endParaRPr>
+          </a:p>
+          <a:p>
+            <a:pPr marL="285750" indent="-285750">
+              <a:buFont typeface="Arial" panose="020B0604020202020204" pitchFamily="34" charset="0"/>
+              <a:buChar char="•"/>
+            </a:pPr>
+            <a:r>
+              <a:rPr lang="ru-RU" dirty="0">
+                <a:latin typeface="Calibri" panose="020F0502020204030204" pitchFamily="34" charset="0"/>
+                <a:cs typeface="Calibri" panose="020F0502020204030204" pitchFamily="34" charset="0"/>
+              </a:rPr>
+              <a:t>Модульное тестирование</a:t>
+            </a:r>
+          </a:p>
+          <a:p>
+            <a:pPr marL="285750" indent="-285750">
+              <a:buFont typeface="Arial" panose="020B0604020202020204" pitchFamily="34" charset="0"/>
+              <a:buChar char="•"/>
+            </a:pPr>
+            <a:r>
+              <a:rPr lang="ru-RU" dirty="0">
+                <a:latin typeface="Calibri" panose="020F0502020204030204" pitchFamily="34" charset="0"/>
+                <a:cs typeface="Calibri" panose="020F0502020204030204" pitchFamily="34" charset="0"/>
+              </a:rPr>
+              <a:t>Функциональное тестирование</a:t>
+            </a:r>
+          </a:p>
+          <a:p>
+            <a:pPr marL="285750" indent="-285750">
+              <a:buFont typeface="Arial" panose="020B0604020202020204" pitchFamily="34" charset="0"/>
+              <a:buChar char="•"/>
+            </a:pPr>
+            <a:r>
+              <a:rPr lang="ru-RU" dirty="0">
+                <a:latin typeface="Calibri" panose="020F0502020204030204" pitchFamily="34" charset="0"/>
+                <a:cs typeface="Calibri" panose="020F0502020204030204" pitchFamily="34" charset="0"/>
+              </a:rPr>
+              <a:t>Юзабилити тестирование</a:t>
+            </a:r>
+          </a:p>
+        </p:txBody>
+      </p:sp>
+      <p:sp>
+        <p:nvSpPr>
+          <p:cNvPr id="9" name="Прямоугольник 8">
+            <a:extLst>
+              <a:ext uri="{FF2B5EF4-FFF2-40B4-BE49-F238E27FC236}">
+                <a16:creationId xmlns:a16="http://schemas.microsoft.com/office/drawing/2014/main" id="{4DDB06CA-239B-4900-AC6C-FFB2B1C831BE}"/>
+              </a:ext>
+            </a:extLst>
+          </p:cNvPr>
+          <p:cNvSpPr/>
+          <p:nvPr/>
+        </p:nvSpPr>
+        <p:spPr>
+          <a:xfrm>
+            <a:off x="4883700" y="1762797"/>
+            <a:ext cx="4572000" cy="1384995"/>
+          </a:xfrm>
+          <a:prstGeom prst="rect">
+            <a:avLst/>
+          </a:prstGeom>
+        </p:spPr>
+        <p:txBody>
+          <a:bodyPr>
+            <a:spAutoFit/>
+          </a:bodyPr>
+          <a:lstStyle/>
+          <a:p>
+            <a:r>
+              <a:rPr lang="ru-RU" dirty="0">
+                <a:latin typeface="Calibri" panose="020F0502020204030204" pitchFamily="34" charset="0"/>
+                <a:ea typeface="Times New Roman" panose="02020603050405020304" pitchFamily="18" charset="0"/>
+                <a:cs typeface="Calibri" panose="020F0502020204030204" pitchFamily="34" charset="0"/>
+              </a:rPr>
+              <a:t>Этапы функционального тестирования</a:t>
+            </a:r>
+            <a:r>
+              <a:rPr lang="en-US" dirty="0">
+                <a:latin typeface="Calibri" panose="020F0502020204030204" pitchFamily="34" charset="0"/>
+                <a:ea typeface="Times New Roman" panose="02020603050405020304" pitchFamily="18" charset="0"/>
+                <a:cs typeface="Calibri" panose="020F0502020204030204" pitchFamily="34" charset="0"/>
+              </a:rPr>
+              <a:t>:</a:t>
+            </a:r>
+          </a:p>
+          <a:p>
+            <a:pPr marL="342900" indent="-342900">
+              <a:buFont typeface="+mj-lt"/>
+              <a:buAutoNum type="arabicPeriod"/>
+            </a:pPr>
+            <a:r>
+              <a:rPr lang="ru-RU" dirty="0">
+                <a:latin typeface="Calibri" panose="020F0502020204030204" pitchFamily="34" charset="0"/>
+                <a:ea typeface="Times New Roman" panose="02020603050405020304" pitchFamily="18" charset="0"/>
+                <a:cs typeface="Calibri" panose="020F0502020204030204" pitchFamily="34" charset="0"/>
+              </a:rPr>
+              <a:t>Разработка пользовательских сценариев</a:t>
+            </a:r>
+            <a:endParaRPr lang="en-US" dirty="0">
+              <a:latin typeface="Calibri" panose="020F0502020204030204" pitchFamily="34" charset="0"/>
+              <a:ea typeface="Times New Roman" panose="02020603050405020304" pitchFamily="18" charset="0"/>
+              <a:cs typeface="Calibri" panose="020F0502020204030204" pitchFamily="34" charset="0"/>
+            </a:endParaRPr>
+          </a:p>
+          <a:p>
+            <a:pPr marL="342900" indent="-342900">
+              <a:buFont typeface="+mj-lt"/>
+              <a:buAutoNum type="arabicPeriod"/>
+            </a:pPr>
+            <a:r>
+              <a:rPr lang="ru-RU" dirty="0">
+                <a:latin typeface="Calibri" panose="020F0502020204030204" pitchFamily="34" charset="0"/>
+                <a:ea typeface="Times New Roman" panose="02020603050405020304" pitchFamily="18" charset="0"/>
+                <a:cs typeface="Calibri" panose="020F0502020204030204" pitchFamily="34" charset="0"/>
+              </a:rPr>
+              <a:t>Установка критериев прохождения испытаний</a:t>
+            </a:r>
+            <a:endParaRPr lang="en-US" dirty="0">
+              <a:latin typeface="Calibri" panose="020F0502020204030204" pitchFamily="34" charset="0"/>
+              <a:ea typeface="Times New Roman" panose="02020603050405020304" pitchFamily="18" charset="0"/>
+              <a:cs typeface="Calibri" panose="020F0502020204030204" pitchFamily="34" charset="0"/>
+            </a:endParaRPr>
+          </a:p>
+          <a:p>
+            <a:pPr marL="342900" indent="-342900">
+              <a:buFont typeface="+mj-lt"/>
+              <a:buAutoNum type="arabicPeriod"/>
+            </a:pPr>
+            <a:r>
+              <a:rPr lang="ru-RU" dirty="0">
+                <a:latin typeface="Calibri" panose="020F0502020204030204" pitchFamily="34" charset="0"/>
+                <a:ea typeface="Times New Roman" panose="02020603050405020304" pitchFamily="18" charset="0"/>
+                <a:cs typeface="Calibri" panose="020F0502020204030204" pitchFamily="34" charset="0"/>
+              </a:rPr>
+              <a:t>Выполнение действий по пользовательским сценариям</a:t>
+            </a:r>
+          </a:p>
+          <a:p>
+            <a:pPr marL="342900" indent="-342900">
+              <a:buFont typeface="+mj-lt"/>
+              <a:buAutoNum type="arabicPeriod"/>
+            </a:pPr>
+            <a:r>
+              <a:rPr lang="ru-RU" dirty="0">
+                <a:latin typeface="Calibri" panose="020F0502020204030204" pitchFamily="34" charset="0"/>
+                <a:ea typeface="Times New Roman" panose="02020603050405020304" pitchFamily="18" charset="0"/>
+                <a:cs typeface="Calibri" panose="020F0502020204030204" pitchFamily="34" charset="0"/>
+              </a:rPr>
+              <a:t>Формирование результатов тестирования</a:t>
+            </a:r>
+          </a:p>
+        </p:txBody>
+      </p:sp>
+      <p:sp>
+        <p:nvSpPr>
+          <p:cNvPr id="10" name="Прямоугольник 9">
+            <a:extLst>
+              <a:ext uri="{FF2B5EF4-FFF2-40B4-BE49-F238E27FC236}">
+                <a16:creationId xmlns:a16="http://schemas.microsoft.com/office/drawing/2014/main" id="{A527D8FE-0F30-46CF-BFD9-EA07069E57B2}"/>
+              </a:ext>
+            </a:extLst>
+          </p:cNvPr>
+          <p:cNvSpPr/>
+          <p:nvPr/>
+        </p:nvSpPr>
+        <p:spPr>
+          <a:xfrm>
+            <a:off x="387900" y="3473434"/>
+            <a:ext cx="4572000" cy="1384995"/>
+          </a:xfrm>
+          <a:prstGeom prst="rect">
+            <a:avLst/>
+          </a:prstGeom>
+        </p:spPr>
+        <p:txBody>
+          <a:bodyPr>
+            <a:spAutoFit/>
+          </a:bodyPr>
+          <a:lstStyle/>
+          <a:p>
+            <a:r>
+              <a:rPr lang="ru-RU" dirty="0">
+                <a:latin typeface="Calibri" panose="020F0502020204030204" pitchFamily="34" charset="0"/>
+                <a:ea typeface="Times New Roman" panose="02020603050405020304" pitchFamily="18" charset="0"/>
+                <a:cs typeface="Calibri" panose="020F0502020204030204" pitchFamily="34" charset="0"/>
+              </a:rPr>
+              <a:t>Этапы юзабилити тестирования</a:t>
+            </a:r>
+            <a:r>
+              <a:rPr lang="en-US" dirty="0">
+                <a:latin typeface="Calibri" panose="020F0502020204030204" pitchFamily="34" charset="0"/>
+                <a:ea typeface="Times New Roman" panose="02020603050405020304" pitchFamily="18" charset="0"/>
+                <a:cs typeface="Calibri" panose="020F0502020204030204" pitchFamily="34" charset="0"/>
+              </a:rPr>
+              <a:t>:</a:t>
+            </a:r>
+          </a:p>
+          <a:p>
+            <a:pPr marL="342900" indent="-342900">
+              <a:buFont typeface="+mj-lt"/>
+              <a:buAutoNum type="arabicPeriod"/>
+            </a:pPr>
+            <a:r>
+              <a:rPr lang="ru-RU" dirty="0">
+                <a:latin typeface="Calibri" panose="020F0502020204030204" pitchFamily="34" charset="0"/>
+                <a:ea typeface="Times New Roman" panose="02020603050405020304" pitchFamily="18" charset="0"/>
+                <a:cs typeface="Calibri" panose="020F0502020204030204" pitchFamily="34" charset="0"/>
+              </a:rPr>
+              <a:t>Подготовка условий тестирования</a:t>
+            </a:r>
+            <a:endParaRPr lang="en-US" dirty="0">
+              <a:latin typeface="Calibri" panose="020F0502020204030204" pitchFamily="34" charset="0"/>
+              <a:ea typeface="Times New Roman" panose="02020603050405020304" pitchFamily="18" charset="0"/>
+              <a:cs typeface="Calibri" panose="020F0502020204030204" pitchFamily="34" charset="0"/>
+            </a:endParaRPr>
+          </a:p>
+          <a:p>
+            <a:pPr marL="342900" indent="-342900">
+              <a:buFont typeface="+mj-lt"/>
+              <a:buAutoNum type="arabicPeriod"/>
+            </a:pPr>
+            <a:r>
+              <a:rPr lang="ru-RU" dirty="0">
+                <a:latin typeface="Calibri" panose="020F0502020204030204" pitchFamily="34" charset="0"/>
+                <a:ea typeface="Times New Roman" panose="02020603050405020304" pitchFamily="18" charset="0"/>
+                <a:cs typeface="Calibri" panose="020F0502020204030204" pitchFamily="34" charset="0"/>
+              </a:rPr>
+              <a:t>Установка критериев прохождения испытаний</a:t>
+            </a:r>
+            <a:endParaRPr lang="en-US" dirty="0">
+              <a:latin typeface="Calibri" panose="020F0502020204030204" pitchFamily="34" charset="0"/>
+              <a:ea typeface="Times New Roman" panose="02020603050405020304" pitchFamily="18" charset="0"/>
+              <a:cs typeface="Calibri" panose="020F0502020204030204" pitchFamily="34" charset="0"/>
+            </a:endParaRPr>
+          </a:p>
+          <a:p>
+            <a:pPr marL="342900" indent="-342900">
+              <a:buFont typeface="+mj-lt"/>
+              <a:buAutoNum type="arabicPeriod"/>
+            </a:pPr>
+            <a:r>
+              <a:rPr lang="ru-RU" dirty="0">
+                <a:latin typeface="Calibri" panose="020F0502020204030204" pitchFamily="34" charset="0"/>
+                <a:ea typeface="Times New Roman" panose="02020603050405020304" pitchFamily="18" charset="0"/>
+                <a:cs typeface="Calibri" panose="020F0502020204030204" pitchFamily="34" charset="0"/>
+              </a:rPr>
+              <a:t>Проведение соответствующих испытаний с привлечением сторонних пользователей</a:t>
+            </a:r>
+            <a:endParaRPr lang="en-US" dirty="0">
+              <a:latin typeface="Calibri" panose="020F0502020204030204" pitchFamily="34" charset="0"/>
+              <a:ea typeface="Times New Roman" panose="02020603050405020304" pitchFamily="18" charset="0"/>
+              <a:cs typeface="Calibri" panose="020F0502020204030204" pitchFamily="34" charset="0"/>
+            </a:endParaRPr>
+          </a:p>
+          <a:p>
+            <a:pPr marL="342900" indent="-342900">
+              <a:buFont typeface="+mj-lt"/>
+              <a:buAutoNum type="arabicPeriod"/>
+            </a:pPr>
+            <a:r>
+              <a:rPr lang="ru-RU" dirty="0">
+                <a:latin typeface="Calibri" panose="020F0502020204030204" pitchFamily="34" charset="0"/>
+                <a:ea typeface="Times New Roman" panose="02020603050405020304" pitchFamily="18" charset="0"/>
+                <a:cs typeface="Calibri" panose="020F0502020204030204" pitchFamily="34" charset="0"/>
+              </a:rPr>
+              <a:t>Формирование результатов тестирования</a:t>
+            </a:r>
           </a:p>
         </p:txBody>
       </p:sp>
     </p:spTree>
     <p:extLst>
       <p:ext uri="{BB962C8B-B14F-4D97-AF65-F5344CB8AC3E}">
-        <p14:creationId xmlns:p14="http://schemas.microsoft.com/office/powerpoint/2010/main" val="586975118"/>
+        <p14:creationId xmlns:p14="http://schemas.microsoft.com/office/powerpoint/2010/main" val="3972559258"/>
       </p:ext>
     </p:extLst>
   </p:cSld>
@@ -7512,18 +7846,10 @@
           </a:bodyPr>
           <a:lstStyle/>
           <a:p>
-            <a:pPr marL="0" lvl="0" indent="0" algn="ctr" rtl="0">
-              <a:spcBef>
-                <a:spcPts val="0"/>
-              </a:spcBef>
-              <a:spcAft>
-                <a:spcPts val="0"/>
-              </a:spcAft>
-              <a:buNone/>
-            </a:pPr>
+            <a:pPr lvl="0" algn="ctr"/>
             <a:r>
               <a:rPr lang="ru-RU" b="1" dirty="0"/>
-              <a:t>План тестирования</a:t>
+              <a:t>Тестирование</a:t>
             </a:r>
             <a:endParaRPr b="1" dirty="0"/>
           </a:p>
@@ -7571,10 +7897,142 @@
           </a:p>
         </p:txBody>
       </p:sp>
+      <p:pic>
+        <p:nvPicPr>
+          <p:cNvPr id="2" name="Рисунок 1">
+            <a:extLst>
+              <a:ext uri="{FF2B5EF4-FFF2-40B4-BE49-F238E27FC236}">
+                <a16:creationId xmlns:a16="http://schemas.microsoft.com/office/drawing/2014/main" id="{0D131242-78DD-481D-A469-3A50203BE52B}"/>
+              </a:ext>
+            </a:extLst>
+          </p:cNvPr>
+          <p:cNvPicPr>
+            <a:picLocks noChangeAspect="1"/>
+          </p:cNvPicPr>
+          <p:nvPr/>
+        </p:nvPicPr>
+        <p:blipFill>
+          <a:blip r:embed="rId3"/>
+          <a:stretch>
+            <a:fillRect/>
+          </a:stretch>
+        </p:blipFill>
+        <p:spPr>
+          <a:xfrm>
+            <a:off x="6157733" y="918585"/>
+            <a:ext cx="2844364" cy="2899535"/>
+          </a:xfrm>
+          <a:prstGeom prst="rect">
+            <a:avLst/>
+          </a:prstGeom>
+        </p:spPr>
+      </p:pic>
+      <p:pic>
+        <p:nvPicPr>
+          <p:cNvPr id="3" name="Рисунок 2">
+            <a:extLst>
+              <a:ext uri="{FF2B5EF4-FFF2-40B4-BE49-F238E27FC236}">
+                <a16:creationId xmlns:a16="http://schemas.microsoft.com/office/drawing/2014/main" id="{24A220D3-BBB2-4499-B55C-A2C7D59E8E8E}"/>
+              </a:ext>
+            </a:extLst>
+          </p:cNvPr>
+          <p:cNvPicPr>
+            <a:picLocks noChangeAspect="1"/>
+          </p:cNvPicPr>
+          <p:nvPr/>
+        </p:nvPicPr>
+        <p:blipFill>
+          <a:blip r:embed="rId4"/>
+          <a:stretch>
+            <a:fillRect/>
+          </a:stretch>
+        </p:blipFill>
+        <p:spPr>
+          <a:xfrm>
+            <a:off x="84948" y="979546"/>
+            <a:ext cx="3065561" cy="2899535"/>
+          </a:xfrm>
+          <a:prstGeom prst="rect">
+            <a:avLst/>
+          </a:prstGeom>
+        </p:spPr>
+      </p:pic>
+      <p:pic>
+        <p:nvPicPr>
+          <p:cNvPr id="12" name="Рисунок 11">
+            <a:extLst>
+              <a:ext uri="{FF2B5EF4-FFF2-40B4-BE49-F238E27FC236}">
+                <a16:creationId xmlns:a16="http://schemas.microsoft.com/office/drawing/2014/main" id="{065F4953-1DEE-415C-8230-2508453D935E}"/>
+              </a:ext>
+            </a:extLst>
+          </p:cNvPr>
+          <p:cNvPicPr>
+            <a:picLocks noChangeAspect="1"/>
+          </p:cNvPicPr>
+          <p:nvPr/>
+        </p:nvPicPr>
+        <p:blipFill>
+          <a:blip r:embed="rId5"/>
+          <a:stretch>
+            <a:fillRect/>
+          </a:stretch>
+        </p:blipFill>
+        <p:spPr>
+          <a:xfrm>
+            <a:off x="3043238" y="979546"/>
+            <a:ext cx="2844364" cy="2621900"/>
+          </a:xfrm>
+          <a:prstGeom prst="rect">
+            <a:avLst/>
+          </a:prstGeom>
+        </p:spPr>
+      </p:pic>
+      <p:sp>
+        <p:nvSpPr>
+          <p:cNvPr id="15" name="Прямоугольник 14">
+            <a:extLst>
+              <a:ext uri="{FF2B5EF4-FFF2-40B4-BE49-F238E27FC236}">
+                <a16:creationId xmlns:a16="http://schemas.microsoft.com/office/drawing/2014/main" id="{D073AE46-8994-4223-9E1C-CF12D71FB5FB}"/>
+              </a:ext>
+            </a:extLst>
+          </p:cNvPr>
+          <p:cNvSpPr/>
+          <p:nvPr/>
+        </p:nvSpPr>
+        <p:spPr>
+          <a:xfrm>
+            <a:off x="311700" y="4118560"/>
+            <a:ext cx="9011625" cy="307777"/>
+          </a:xfrm>
+          <a:prstGeom prst="rect">
+            <a:avLst/>
+          </a:prstGeom>
+        </p:spPr>
+        <p:txBody>
+          <a:bodyPr wrap="square">
+            <a:spAutoFit/>
+          </a:bodyPr>
+          <a:lstStyle/>
+          <a:p>
+            <a:r>
+              <a:rPr lang="ru-RU" dirty="0">
+                <a:latin typeface="Calibri" panose="020F0502020204030204" pitchFamily="34" charset="0"/>
+                <a:ea typeface="Times New Roman" panose="02020603050405020304" pitchFamily="18" charset="0"/>
+                <a:cs typeface="Calibri" panose="020F0502020204030204" pitchFamily="34" charset="0"/>
+              </a:rPr>
+              <a:t>По результатам тестирований принято решение о возможности использования разработанного приложения</a:t>
+            </a:r>
+            <a:endParaRPr lang="ru-RU" dirty="0">
+              <a:latin typeface="Calibri" panose="020F0502020204030204" pitchFamily="34" charset="0"/>
+              <a:cs typeface="Calibri" panose="020F0502020204030204" pitchFamily="34" charset="0"/>
+            </a:endParaRPr>
+          </a:p>
+        </p:txBody>
+      </p:sp>
     </p:spTree>
     <p:extLst>
       <p:ext uri="{BB962C8B-B14F-4D97-AF65-F5344CB8AC3E}">
-        <p14:creationId xmlns:p14="http://schemas.microsoft.com/office/powerpoint/2010/main" val="3972559258"/>
+        <p14:creationId xmlns:p14="http://schemas.microsoft.com/office/powerpoint/2010/main" val="3552874723"/>
       </p:ext>
     </p:extLst>
   </p:cSld>
@@ -7626,10 +8084,18 @@
           </a:bodyPr>
           <a:lstStyle/>
           <a:p>
-            <a:pPr lvl="0" algn="ctr"/>
+            <a:pPr marL="0" lvl="0" indent="0" algn="ctr" rtl="0">
+              <a:spcBef>
+                <a:spcPts val="0"/>
+              </a:spcBef>
+              <a:spcAft>
+                <a:spcPts val="0"/>
+              </a:spcAft>
+              <a:buNone/>
+            </a:pPr>
             <a:r>
               <a:rPr lang="ru-RU" b="1" dirty="0"/>
-              <a:t>Тестирование</a:t>
+              <a:t>Реализация</a:t>
             </a:r>
             <a:endParaRPr b="1" dirty="0"/>
           </a:p>
@@ -7680,7 +8146,7 @@
     </p:spTree>
     <p:extLst>
       <p:ext uri="{BB962C8B-B14F-4D97-AF65-F5344CB8AC3E}">
-        <p14:creationId xmlns:p14="http://schemas.microsoft.com/office/powerpoint/2010/main" val="3552874723"/>
+        <p14:creationId xmlns:p14="http://schemas.microsoft.com/office/powerpoint/2010/main" val="2549594894"/>
       </p:ext>
     </p:extLst>
   </p:cSld>
@@ -7743,7 +8209,7 @@
             </a:pPr>
             <a:r>
               <a:rPr lang="ru-RU" b="1" dirty="0"/>
-              <a:t>Реализация</a:t>
+              <a:t>Демонстрация готового продукта</a:t>
             </a:r>
             <a:endParaRPr b="1" dirty="0"/>
           </a:p>
@@ -7786,120 +8252,6 @@
             <a:fld id="{00000000-1234-1234-1234-123412341234}" type="slidenum">
               <a:rPr lang="ru" sz="1800" b="1"/>
               <a:t>13</a:t>
-            </a:fld>
-            <a:endParaRPr sz="1800" b="1"/>
-          </a:p>
-        </p:txBody>
-      </p:sp>
-    </p:spTree>
-    <p:extLst>
-      <p:ext uri="{BB962C8B-B14F-4D97-AF65-F5344CB8AC3E}">
-        <p14:creationId xmlns:p14="http://schemas.microsoft.com/office/powerpoint/2010/main" val="2549594894"/>
-      </p:ext>
-    </p:extLst>
-  </p:cSld>
-  <p:clrMapOvr>
-    <a:masterClrMapping/>
-  </p:clrMapOvr>
-</p:sld>
-</file>
-
-<file path=ppt/slides/slide14.xml><?xml version="1.0" encoding="utf-8"?>
-<p:sld xmlns:a="http://schemas.openxmlformats.org/drawingml/2006/main" xmlns:r="http://schemas.openxmlformats.org/officeDocument/2006/relationships" xmlns:p="http://schemas.openxmlformats.org/presentationml/2006/main">
-  <p:cSld>
-    <p:spTree>
-      <p:nvGrpSpPr>
-        <p:cNvPr id="1" name="Shape 135"/>
-        <p:cNvGrpSpPr/>
-        <p:nvPr/>
-      </p:nvGrpSpPr>
-      <p:grpSpPr>
-        <a:xfrm>
-          <a:off x="0" y="0"/>
-          <a:ext cx="0" cy="0"/>
-          <a:chOff x="0" y="0"/>
-          <a:chExt cx="0" cy="0"/>
-        </a:xfrm>
-      </p:grpSpPr>
-      <p:sp>
-        <p:nvSpPr>
-          <p:cNvPr id="136" name="Google Shape;136;p21"/>
-          <p:cNvSpPr txBox="1">
-            <a:spLocks noGrp="1"/>
-          </p:cNvSpPr>
-          <p:nvPr>
-            <p:ph type="title"/>
-          </p:nvPr>
-        </p:nvSpPr>
-        <p:spPr>
-          <a:xfrm>
-            <a:off x="311700" y="106406"/>
-            <a:ext cx="8520600" cy="572700"/>
-          </a:xfrm>
-          <a:prstGeom prst="rect">
-            <a:avLst/>
-          </a:prstGeom>
-        </p:spPr>
-        <p:txBody>
-          <a:bodyPr spcFirstLastPara="1" wrap="square" lIns="91425" tIns="91425" rIns="91425" bIns="91425" anchor="t" anchorCtr="0">
-            <a:noAutofit/>
-          </a:bodyPr>
-          <a:lstStyle/>
-          <a:p>
-            <a:pPr marL="0" lvl="0" indent="0" algn="ctr" rtl="0">
-              <a:spcBef>
-                <a:spcPts val="0"/>
-              </a:spcBef>
-              <a:spcAft>
-                <a:spcPts val="0"/>
-              </a:spcAft>
-              <a:buNone/>
-            </a:pPr>
-            <a:r>
-              <a:rPr lang="ru-RU" b="1" dirty="0"/>
-              <a:t>Демонстрация готового продукта</a:t>
-            </a:r>
-            <a:endParaRPr b="1" dirty="0"/>
-          </a:p>
-        </p:txBody>
-      </p:sp>
-      <p:sp>
-        <p:nvSpPr>
-          <p:cNvPr id="138" name="Google Shape;138;p21"/>
-          <p:cNvSpPr txBox="1">
-            <a:spLocks noGrp="1"/>
-          </p:cNvSpPr>
-          <p:nvPr>
-            <p:ph type="sldNum" idx="12"/>
-          </p:nvPr>
-        </p:nvSpPr>
-        <p:spPr>
-          <a:xfrm>
-            <a:off x="8472458" y="4663217"/>
-            <a:ext cx="548700" cy="393600"/>
-          </a:xfrm>
-          <a:prstGeom prst="rect">
-            <a:avLst/>
-          </a:prstGeom>
-        </p:spPr>
-        <p:txBody>
-          <a:bodyPr spcFirstLastPara="1" wrap="square" lIns="91425" tIns="91425" rIns="91425" bIns="91425" anchor="ctr" anchorCtr="0">
-            <a:noAutofit/>
-          </a:bodyPr>
-          <a:lstStyle/>
-          <a:p>
-            <a:pPr marL="0" lvl="0" indent="0" algn="r" rtl="0">
-              <a:spcBef>
-                <a:spcPts val="0"/>
-              </a:spcBef>
-              <a:spcAft>
-                <a:spcPts val="0"/>
-              </a:spcAft>
-              <a:buNone/>
-            </a:pPr>
-            <a:fld id="{00000000-1234-1234-1234-123412341234}" type="slidenum">
-              <a:rPr lang="ru" sz="1800" b="1"/>
-              <a:t>14</a:t>
             </a:fld>
             <a:endParaRPr sz="1800" b="1"/>
           </a:p>
@@ -7918,7 +8270,7 @@
 </p:sld>
 </file>
 
-<file path=ppt/slides/slide15.xml><?xml version="1.0" encoding="utf-8"?>
+<file path=ppt/slides/slide14.xml><?xml version="1.0" encoding="utf-8"?>
 <p:sld xmlns:a="http://schemas.openxmlformats.org/drawingml/2006/main" xmlns:r="http://schemas.openxmlformats.org/officeDocument/2006/relationships" xmlns:p="http://schemas.openxmlformats.org/presentationml/2006/main">
   <p:cSld>
     <p:spTree>
@@ -7994,7 +8346,7 @@
         </p:nvSpPr>
         <p:spPr>
           <a:xfrm>
-            <a:off x="311700" y="759206"/>
+            <a:off x="311700" y="931590"/>
             <a:ext cx="8520600" cy="4026154"/>
           </a:xfrm>
           <a:prstGeom prst="rect">
@@ -8007,7 +8359,7 @@
           </a:bodyPr>
           <a:lstStyle/>
           <a:p>
-            <a:pPr marL="0" lvl="0" indent="0" algn="l" rtl="0">
+            <a:pPr marL="0" lvl="0" indent="0" rtl="0">
               <a:spcBef>
                 <a:spcPts val="0"/>
               </a:spcBef>
@@ -8019,7 +8371,10 @@
             <a:r>
               <a:rPr lang="ru-RU" dirty="0">
                 <a:solidFill>
-                  <a:srgbClr val="000000"/>
+                  <a:schemeClr val="tx1">
+                    <a:lumMod val="95000"/>
+                    <a:lumOff val="5000"/>
+                  </a:schemeClr>
                 </a:solidFill>
               </a:rPr>
               <a:t>В результате выполнения работы команде удалось подготовить проектную документацию и создать программу для мобильных устройств, которая позволяет</a:t>
@@ -8027,7 +8382,10 @@
             <a:r>
               <a:rPr lang="en-US" dirty="0">
                 <a:solidFill>
-                  <a:srgbClr val="000000"/>
+                  <a:schemeClr val="tx1">
+                    <a:lumMod val="95000"/>
+                    <a:lumOff val="5000"/>
+                  </a:schemeClr>
                 </a:solidFill>
               </a:rPr>
               <a:t>:</a:t>
@@ -8043,6 +8401,12 @@
             </a:pPr>
             <a:r>
               <a:rPr lang="ru-RU" sz="1600" dirty="0">
+                <a:solidFill>
+                  <a:schemeClr val="tx1">
+                    <a:lumMod val="95000"/>
+                    <a:lumOff val="5000"/>
+                  </a:schemeClr>
+                </a:solidFill>
                 <a:latin typeface="Calibri" panose="020F0502020204030204" pitchFamily="34" charset="0"/>
                 <a:ea typeface="Calibri" panose="020F0502020204030204" pitchFamily="34" charset="0"/>
                 <a:cs typeface="Calibri" panose="020F0502020204030204" pitchFamily="34" charset="0"/>
@@ -8050,6 +8414,12 @@
               <a:t>позволяет загрузить трудовое резюме </a:t>
             </a:r>
             <a:endParaRPr lang="ru-RU" sz="1600" dirty="0">
+              <a:solidFill>
+                <a:schemeClr val="tx1">
+                  <a:lumMod val="95000"/>
+                  <a:lumOff val="5000"/>
+                </a:schemeClr>
+              </a:solidFill>
               <a:latin typeface="Calibri" panose="020F0502020204030204" pitchFamily="34" charset="0"/>
               <a:ea typeface="Times New Roman" panose="02020603050405020304" pitchFamily="18" charset="0"/>
               <a:cs typeface="Times New Roman" panose="02020603050405020304" pitchFamily="18" charset="0"/>
@@ -8065,6 +8435,12 @@
             </a:pPr>
             <a:r>
               <a:rPr lang="ru-RU" sz="1600" dirty="0">
+                <a:solidFill>
+                  <a:schemeClr val="tx1">
+                    <a:lumMod val="95000"/>
+                    <a:lumOff val="5000"/>
+                  </a:schemeClr>
+                </a:solidFill>
                 <a:latin typeface="Calibri" panose="020F0502020204030204" pitchFamily="34" charset="0"/>
                 <a:ea typeface="Calibri" panose="020F0502020204030204" pitchFamily="34" charset="0"/>
                 <a:cs typeface="Calibri" panose="020F0502020204030204" pitchFamily="34" charset="0"/>
@@ -8072,6 +8448,12 @@
               <a:t>позволяет проверить трудовое резюме на ошибки</a:t>
             </a:r>
             <a:endParaRPr lang="ru-RU" sz="1600" dirty="0">
+              <a:solidFill>
+                <a:schemeClr val="tx1">
+                  <a:lumMod val="95000"/>
+                  <a:lumOff val="5000"/>
+                </a:schemeClr>
+              </a:solidFill>
               <a:latin typeface="Calibri" panose="020F0502020204030204" pitchFamily="34" charset="0"/>
               <a:ea typeface="Times New Roman" panose="02020603050405020304" pitchFamily="18" charset="0"/>
               <a:cs typeface="Times New Roman" panose="02020603050405020304" pitchFamily="18" charset="0"/>
@@ -8087,6 +8469,12 @@
             </a:pPr>
             <a:r>
               <a:rPr lang="ru-RU" sz="1600" dirty="0">
+                <a:solidFill>
+                  <a:schemeClr val="tx1">
+                    <a:lumMod val="95000"/>
+                    <a:lumOff val="5000"/>
+                  </a:schemeClr>
+                </a:solidFill>
                 <a:latin typeface="Calibri" panose="020F0502020204030204" pitchFamily="34" charset="0"/>
                 <a:ea typeface="Calibri" panose="020F0502020204030204" pitchFamily="34" charset="0"/>
                 <a:cs typeface="Calibri" panose="020F0502020204030204" pitchFamily="34" charset="0"/>
@@ -8094,6 +8482,12 @@
               <a:t>позволяет получить подборку интересующих вакансий по выбранным критериям</a:t>
             </a:r>
             <a:endParaRPr lang="ru-RU" sz="1600" dirty="0">
+              <a:solidFill>
+                <a:schemeClr val="tx1">
+                  <a:lumMod val="95000"/>
+                  <a:lumOff val="5000"/>
+                </a:schemeClr>
+              </a:solidFill>
               <a:latin typeface="Calibri" panose="020F0502020204030204" pitchFamily="34" charset="0"/>
               <a:ea typeface="Times New Roman" panose="02020603050405020304" pitchFamily="18" charset="0"/>
               <a:cs typeface="Times New Roman" panose="02020603050405020304" pitchFamily="18" charset="0"/>
@@ -8109,17 +8503,18 @@
             </a:pPr>
             <a:r>
               <a:rPr lang="ru-RU" sz="1600" dirty="0">
+                <a:solidFill>
+                  <a:schemeClr val="tx1">
+                    <a:lumMod val="95000"/>
+                    <a:lumOff val="5000"/>
+                  </a:schemeClr>
+                </a:solidFill>
                 <a:latin typeface="Calibri" panose="020F0502020204030204" pitchFamily="34" charset="0"/>
                 <a:ea typeface="Calibri" panose="020F0502020204030204" pitchFamily="34" charset="0"/>
                 <a:cs typeface="Calibri" panose="020F0502020204030204" pitchFamily="34" charset="0"/>
               </a:rPr>
               <a:t>позволяет исключать неподходящие вакансии из подборки</a:t>
             </a:r>
-            <a:endParaRPr lang="ru-RU" sz="1600" dirty="0">
-              <a:latin typeface="Calibri" panose="020F0502020204030204" pitchFamily="34" charset="0"/>
-              <a:ea typeface="Times New Roman" panose="02020603050405020304" pitchFamily="18" charset="0"/>
-              <a:cs typeface="Times New Roman" panose="02020603050405020304" pitchFamily="18" charset="0"/>
-            </a:endParaRPr>
           </a:p>
           <a:p>
             <a:pPr marL="342900" lvl="0">
@@ -8131,28 +8526,12 @@
             </a:pPr>
             <a:r>
               <a:rPr lang="ru-RU" sz="1600" dirty="0">
-                <a:latin typeface="Calibri" panose="020F0502020204030204" pitchFamily="34" charset="0"/>
-                <a:ea typeface="Calibri" panose="020F0502020204030204" pitchFamily="34" charset="0"/>
-                <a:cs typeface="Calibri" panose="020F0502020204030204" pitchFamily="34" charset="0"/>
-              </a:rPr>
-              <a:t>позволяет откликаться на подходящую вакансию, то есть осуществлять дальнейшее взаимодействие с работодателем</a:t>
-            </a:r>
-            <a:endParaRPr lang="ru-RU" sz="1600" dirty="0">
-              <a:latin typeface="Calibri" panose="020F0502020204030204" pitchFamily="34" charset="0"/>
-              <a:ea typeface="Times New Roman" panose="02020603050405020304" pitchFamily="18" charset="0"/>
-              <a:cs typeface="Times New Roman" panose="02020603050405020304" pitchFamily="18" charset="0"/>
-            </a:endParaRPr>
-          </a:p>
-          <a:p>
-            <a:pPr marL="342900" lvl="0">
-              <a:spcAft>
-                <a:spcPts val="1000"/>
-              </a:spcAft>
-              <a:buFont typeface="Arial" panose="020B0604020202020204" pitchFamily="34" charset="0"/>
-              <a:buChar char="•"/>
-            </a:pPr>
-            <a:r>
-              <a:rPr lang="ru-RU" sz="1600" dirty="0">
+                <a:solidFill>
+                  <a:schemeClr val="tx1">
+                    <a:lumMod val="95000"/>
+                    <a:lumOff val="5000"/>
+                  </a:schemeClr>
+                </a:solidFill>
                 <a:latin typeface="Calibri" panose="020F0502020204030204" pitchFamily="34" charset="0"/>
                 <a:ea typeface="Calibri" panose="020F0502020204030204" pitchFamily="34" charset="0"/>
                 <a:cs typeface="Calibri" panose="020F0502020204030204" pitchFamily="34" charset="0"/>
@@ -8160,6 +8539,12 @@
               <a:t>позволяет получить помощь по программе</a:t>
             </a:r>
             <a:endParaRPr lang="ru-RU" sz="1600" dirty="0">
+              <a:solidFill>
+                <a:schemeClr val="tx1">
+                  <a:lumMod val="95000"/>
+                  <a:lumOff val="5000"/>
+                </a:schemeClr>
+              </a:solidFill>
               <a:latin typeface="Calibri" panose="020F0502020204030204" pitchFamily="34" charset="0"/>
               <a:ea typeface="Times New Roman" panose="02020603050405020304" pitchFamily="18" charset="0"/>
               <a:cs typeface="Times New Roman" panose="02020603050405020304" pitchFamily="18" charset="0"/>
@@ -8175,6 +8560,12 @@
             </a:pPr>
             <a:r>
               <a:rPr lang="ru-RU" sz="1600" dirty="0">
+                <a:solidFill>
+                  <a:schemeClr val="tx1">
+                    <a:lumMod val="95000"/>
+                    <a:lumOff val="5000"/>
+                  </a:schemeClr>
+                </a:solidFill>
                 <a:latin typeface="Calibri" panose="020F0502020204030204" pitchFamily="34" charset="0"/>
                 <a:ea typeface="Calibri" panose="020F0502020204030204" pitchFamily="34" charset="0"/>
                 <a:cs typeface="Calibri" panose="020F0502020204030204" pitchFamily="34" charset="0"/>
@@ -8182,6 +8573,12 @@
               <a:t>позволяет получить контакты разработчиков программы</a:t>
             </a:r>
             <a:endParaRPr lang="ru-RU" sz="1600" dirty="0">
+              <a:solidFill>
+                <a:schemeClr val="tx1">
+                  <a:lumMod val="95000"/>
+                  <a:lumOff val="5000"/>
+                </a:schemeClr>
+              </a:solidFill>
               <a:latin typeface="Calibri" panose="020F0502020204030204" pitchFamily="34" charset="0"/>
               <a:ea typeface="Times New Roman" panose="02020603050405020304" pitchFamily="18" charset="0"/>
               <a:cs typeface="Times New Roman" panose="02020603050405020304" pitchFamily="18" charset="0"/>
@@ -8199,7 +8596,10 @@
             </a:pPr>
             <a:endParaRPr lang="en-US" dirty="0">
               <a:solidFill>
-                <a:srgbClr val="000000"/>
+                <a:schemeClr val="tx1">
+                  <a:lumMod val="95000"/>
+                  <a:lumOff val="5000"/>
+                </a:schemeClr>
               </a:solidFill>
             </a:endParaRPr>
           </a:p>
@@ -8253,7 +8653,7 @@
             </a:pPr>
             <a:fld id="{00000000-1234-1234-1234-123412341234}" type="slidenum">
               <a:rPr lang="ru" sz="1800" b="1"/>
-              <a:t>15</a:t>
+              <a:t>14</a:t>
             </a:fld>
             <a:endParaRPr sz="1800" b="1"/>
           </a:p>
@@ -8346,8 +8746,8 @@
         </p:nvSpPr>
         <p:spPr>
           <a:xfrm>
-            <a:off x="177021" y="698496"/>
-            <a:ext cx="4543835" cy="4333925"/>
+            <a:off x="311700" y="712012"/>
+            <a:ext cx="3466402" cy="4333925"/>
           </a:xfrm>
           <a:prstGeom prst="rect">
             <a:avLst/>
@@ -8359,166 +8759,340 @@
           </a:bodyPr>
           <a:lstStyle/>
           <a:p>
-            <a:pPr marL="114300" lvl="0" indent="0" algn="l" rtl="0">
-              <a:spcBef>
-                <a:spcPts val="0"/>
-              </a:spcBef>
-              <a:spcAft>
-                <a:spcPts val="0"/>
-              </a:spcAft>
+            <a:pPr marL="114300" indent="0">
               <a:buClr>
                 <a:srgbClr val="000000"/>
               </a:buClr>
-              <a:buSzPts val="1800"/>
               <a:buNone/>
             </a:pPr>
             <a:r>
               <a:rPr lang="ru-RU" sz="1400" dirty="0">
                 <a:solidFill>
-                  <a:srgbClr val="000000"/>
+                  <a:schemeClr val="tx1">
+                    <a:lumMod val="95000"/>
+                    <a:lumOff val="5000"/>
+                  </a:schemeClr>
                 </a:solidFill>
               </a:rPr>
-              <a:t>Кушнеренко Виктор</a:t>
+              <a:t>   Кушнеренко Виктор</a:t>
             </a:r>
             <a:r>
               <a:rPr lang="en-US" sz="1400" dirty="0">
                 <a:solidFill>
-                  <a:srgbClr val="000000"/>
+                  <a:schemeClr val="tx1">
+                    <a:lumMod val="95000"/>
+                    <a:lumOff val="5000"/>
+                  </a:schemeClr>
                 </a:solidFill>
               </a:rPr>
               <a:t>:</a:t>
             </a:r>
             <a:endParaRPr lang="ru-RU" sz="1400" dirty="0">
               <a:solidFill>
-                <a:srgbClr val="000000"/>
+                <a:schemeClr val="tx1">
+                  <a:lumMod val="95000"/>
+                  <a:lumOff val="5000"/>
+                </a:schemeClr>
               </a:solidFill>
             </a:endParaRPr>
           </a:p>
           <a:p>
-            <a:pPr lvl="0"/>
-            <a:r>
-              <a:rPr lang="ru-RU" sz="1400" dirty="0"/>
+            <a:pPr lvl="0">
+              <a:buFont typeface="Wingdings" panose="05000000000000000000" pitchFamily="2" charset="2"/>
+              <a:buChar char="q"/>
+            </a:pPr>
+            <a:r>
+              <a:rPr lang="ru-RU" sz="1400" dirty="0">
+                <a:solidFill>
+                  <a:schemeClr val="tx1">
+                    <a:lumMod val="95000"/>
+                    <a:lumOff val="5000"/>
+                  </a:schemeClr>
+                </a:solidFill>
+              </a:rPr>
               <a:t>Создание </a:t>
             </a:r>
-            <a:r>
-              <a:rPr lang="en-US" sz="1400" dirty="0"/>
-              <a:t>Git </a:t>
-            </a:r>
-            <a:r>
-              <a:rPr lang="ru-RU" sz="1400" dirty="0"/>
-              <a:t>репозитория</a:t>
-            </a:r>
-          </a:p>
-          <a:p>
-            <a:pPr lvl="0"/>
-            <a:r>
-              <a:rPr lang="ru-RU" sz="1400" dirty="0"/>
-              <a:t>Создание </a:t>
-            </a:r>
-            <a:r>
-              <a:rPr lang="en-US" sz="1400" dirty="0"/>
-              <a:t>Trello</a:t>
-            </a:r>
-            <a:endParaRPr lang="ru-RU" sz="1400" dirty="0"/>
-          </a:p>
-          <a:p>
-            <a:pPr lvl="0"/>
-            <a:r>
-              <a:rPr lang="ru-RU" sz="1400" dirty="0"/>
-              <a:t>Создание проекта </a:t>
-            </a:r>
-            <a:r>
-              <a:rPr lang="en-US" sz="1400" dirty="0"/>
-              <a:t>Miro</a:t>
-            </a:r>
-            <a:endParaRPr lang="ru-RU" sz="1400" dirty="0"/>
-          </a:p>
-          <a:p>
-            <a:pPr lvl="0"/>
-            <a:r>
-              <a:rPr lang="ru-RU" sz="1400" dirty="0"/>
-              <a:t>Создание рабочего канала </a:t>
-            </a:r>
-            <a:r>
-              <a:rPr lang="en-US" sz="1400" dirty="0"/>
-              <a:t>Slack</a:t>
-            </a:r>
-            <a:endParaRPr lang="ru-RU" sz="1400" dirty="0"/>
-          </a:p>
-          <a:p>
-            <a:pPr lvl="0"/>
-            <a:r>
-              <a:rPr lang="ru-RU" sz="1400" dirty="0"/>
-              <a:t>Создание диаграммы </a:t>
-            </a:r>
-            <a:r>
-              <a:rPr lang="ru-RU" sz="1400" dirty="0" err="1"/>
-              <a:t>Ганта</a:t>
-            </a:r>
-            <a:endParaRPr lang="ru-RU" sz="1400" dirty="0"/>
-          </a:p>
-          <a:p>
-            <a:pPr lvl="0"/>
-            <a:r>
-              <a:rPr lang="ru-RU" sz="1400" dirty="0"/>
-              <a:t>Создание </a:t>
-            </a:r>
-            <a:r>
-              <a:rPr lang="en-US" sz="1400" dirty="0"/>
-              <a:t>UML </a:t>
-            </a:r>
-            <a:r>
-              <a:rPr lang="ru-RU" sz="1400" dirty="0"/>
-              <a:t>диаграмм</a:t>
-            </a:r>
-          </a:p>
-          <a:p>
-            <a:pPr lvl="0"/>
             <a:r>
               <a:rPr lang="en-US" sz="1400" dirty="0">
                 <a:solidFill>
-                  <a:srgbClr val="000000"/>
+                  <a:schemeClr val="tx1">
+                    <a:lumMod val="95000"/>
+                    <a:lumOff val="5000"/>
+                  </a:schemeClr>
                 </a:solidFill>
               </a:rPr>
-              <a:t>Q</a:t>
-            </a:r>
-          </a:p>
-          <a:p>
-            <a:pPr lvl="0"/>
+              <a:t>Git </a:t>
+            </a:r>
+            <a:r>
+              <a:rPr lang="ru-RU" sz="1400" dirty="0">
+                <a:solidFill>
+                  <a:schemeClr val="tx1">
+                    <a:lumMod val="95000"/>
+                    <a:lumOff val="5000"/>
+                  </a:schemeClr>
+                </a:solidFill>
+              </a:rPr>
+              <a:t>репозитория</a:t>
+            </a:r>
+          </a:p>
+          <a:p>
+            <a:pPr lvl="0">
+              <a:buFont typeface="Wingdings" panose="05000000000000000000" pitchFamily="2" charset="2"/>
+              <a:buChar char="q"/>
+            </a:pPr>
+            <a:r>
+              <a:rPr lang="ru-RU" sz="1400" dirty="0">
+                <a:solidFill>
+                  <a:schemeClr val="tx1">
+                    <a:lumMod val="95000"/>
+                    <a:lumOff val="5000"/>
+                  </a:schemeClr>
+                </a:solidFill>
+              </a:rPr>
+              <a:t>Создание </a:t>
+            </a:r>
             <a:r>
               <a:rPr lang="en-US" sz="1400" dirty="0">
                 <a:solidFill>
-                  <a:srgbClr val="000000"/>
+                  <a:schemeClr val="tx1">
+                    <a:lumMod val="95000"/>
+                    <a:lumOff val="5000"/>
+                  </a:schemeClr>
                 </a:solidFill>
               </a:rPr>
-              <a:t>Q</a:t>
-            </a:r>
-          </a:p>
-          <a:p>
-            <a:pPr lvl="0"/>
-            <a:endParaRPr lang="en-US" dirty="0">
+              <a:t>Trello</a:t>
+            </a:r>
+            <a:endParaRPr lang="ru-RU" sz="1400" dirty="0">
               <a:solidFill>
-                <a:srgbClr val="000000"/>
+                <a:schemeClr val="tx1">
+                  <a:lumMod val="95000"/>
+                  <a:lumOff val="5000"/>
+                </a:schemeClr>
               </a:solidFill>
             </a:endParaRPr>
           </a:p>
           <a:p>
-            <a:pPr marL="114300" lvl="0" indent="0" algn="l" rtl="0">
-              <a:spcBef>
-                <a:spcPts val="0"/>
-              </a:spcBef>
-              <a:spcAft>
-                <a:spcPts val="0"/>
-              </a:spcAft>
+            <a:pPr lvl="0">
+              <a:buFont typeface="Wingdings" panose="05000000000000000000" pitchFamily="2" charset="2"/>
+              <a:buChar char="q"/>
+            </a:pPr>
+            <a:r>
+              <a:rPr lang="ru-RU" sz="1400" dirty="0">
+                <a:solidFill>
+                  <a:schemeClr val="tx1">
+                    <a:lumMod val="95000"/>
+                    <a:lumOff val="5000"/>
+                  </a:schemeClr>
+                </a:solidFill>
+              </a:rPr>
+              <a:t>Создание проекта </a:t>
+            </a:r>
+            <a:r>
+              <a:rPr lang="en-US" sz="1400" dirty="0">
+                <a:solidFill>
+                  <a:schemeClr val="tx1">
+                    <a:lumMod val="95000"/>
+                    <a:lumOff val="5000"/>
+                  </a:schemeClr>
+                </a:solidFill>
+              </a:rPr>
+              <a:t>Miro</a:t>
+            </a:r>
+            <a:endParaRPr lang="ru-RU" sz="1400" dirty="0">
+              <a:solidFill>
+                <a:schemeClr val="tx1">
+                  <a:lumMod val="95000"/>
+                  <a:lumOff val="5000"/>
+                </a:schemeClr>
+              </a:solidFill>
+            </a:endParaRPr>
+          </a:p>
+          <a:p>
+            <a:pPr lvl="0">
+              <a:buFont typeface="Wingdings" panose="05000000000000000000" pitchFamily="2" charset="2"/>
+              <a:buChar char="q"/>
+            </a:pPr>
+            <a:r>
+              <a:rPr lang="ru-RU" sz="1400" dirty="0">
+                <a:solidFill>
+                  <a:schemeClr val="tx1">
+                    <a:lumMod val="95000"/>
+                    <a:lumOff val="5000"/>
+                  </a:schemeClr>
+                </a:solidFill>
+              </a:rPr>
+              <a:t>Создание рабочего канала </a:t>
+            </a:r>
+            <a:r>
+              <a:rPr lang="en-US" sz="1400" dirty="0">
+                <a:solidFill>
+                  <a:schemeClr val="tx1">
+                    <a:lumMod val="95000"/>
+                    <a:lumOff val="5000"/>
+                  </a:schemeClr>
+                </a:solidFill>
+              </a:rPr>
+              <a:t>Slack</a:t>
+            </a:r>
+            <a:endParaRPr lang="ru-RU" sz="1400" dirty="0">
+              <a:solidFill>
+                <a:schemeClr val="tx1">
+                  <a:lumMod val="95000"/>
+                  <a:lumOff val="5000"/>
+                </a:schemeClr>
+              </a:solidFill>
+            </a:endParaRPr>
+          </a:p>
+          <a:p>
+            <a:pPr lvl="0">
+              <a:buFont typeface="Wingdings" panose="05000000000000000000" pitchFamily="2" charset="2"/>
+              <a:buChar char="q"/>
+            </a:pPr>
+            <a:r>
+              <a:rPr lang="ru-RU" sz="1400" dirty="0">
+                <a:solidFill>
+                  <a:schemeClr val="tx1">
+                    <a:lumMod val="95000"/>
+                    <a:lumOff val="5000"/>
+                  </a:schemeClr>
+                </a:solidFill>
+              </a:rPr>
+              <a:t>Создание диаграммы </a:t>
+            </a:r>
+            <a:r>
+              <a:rPr lang="ru-RU" sz="1400" dirty="0" err="1">
+                <a:solidFill>
+                  <a:schemeClr val="tx1">
+                    <a:lumMod val="95000"/>
+                    <a:lumOff val="5000"/>
+                  </a:schemeClr>
+                </a:solidFill>
+              </a:rPr>
+              <a:t>Ганта</a:t>
+            </a:r>
+            <a:endParaRPr lang="ru-RU" sz="1400" dirty="0">
+              <a:solidFill>
+                <a:schemeClr val="tx1">
+                  <a:lumMod val="95000"/>
+                  <a:lumOff val="5000"/>
+                </a:schemeClr>
+              </a:solidFill>
+            </a:endParaRPr>
+          </a:p>
+          <a:p>
+            <a:pPr lvl="0">
+              <a:buFont typeface="Wingdings" panose="05000000000000000000" pitchFamily="2" charset="2"/>
+              <a:buChar char="q"/>
+            </a:pPr>
+            <a:r>
+              <a:rPr lang="ru-RU" sz="1400" dirty="0">
+                <a:solidFill>
+                  <a:schemeClr val="tx1">
+                    <a:lumMod val="95000"/>
+                    <a:lumOff val="5000"/>
+                  </a:schemeClr>
+                </a:solidFill>
+              </a:rPr>
+              <a:t>Создание </a:t>
+            </a:r>
+            <a:r>
+              <a:rPr lang="en-US" sz="1400" dirty="0">
+                <a:solidFill>
+                  <a:schemeClr val="tx1">
+                    <a:lumMod val="95000"/>
+                    <a:lumOff val="5000"/>
+                  </a:schemeClr>
+                </a:solidFill>
+              </a:rPr>
+              <a:t>UML </a:t>
+            </a:r>
+            <a:r>
+              <a:rPr lang="ru-RU" sz="1400" dirty="0">
+                <a:solidFill>
+                  <a:schemeClr val="tx1">
+                    <a:lumMod val="95000"/>
+                    <a:lumOff val="5000"/>
+                  </a:schemeClr>
+                </a:solidFill>
+              </a:rPr>
+              <a:t>диаграмм</a:t>
+            </a:r>
+          </a:p>
+          <a:p>
+            <a:pPr lvl="0">
+              <a:buFont typeface="Wingdings" panose="05000000000000000000" pitchFamily="2" charset="2"/>
+              <a:buChar char="q"/>
+            </a:pPr>
+            <a:r>
+              <a:rPr lang="ru-RU" sz="1400" dirty="0">
+                <a:solidFill>
+                  <a:schemeClr val="tx1">
+                    <a:lumMod val="95000"/>
+                    <a:lumOff val="5000"/>
+                  </a:schemeClr>
+                </a:solidFill>
+              </a:rPr>
+              <a:t>Создание </a:t>
+            </a:r>
+            <a:r>
+              <a:rPr lang="en-US" sz="1400" dirty="0">
+                <a:solidFill>
+                  <a:schemeClr val="tx1">
+                    <a:lumMod val="95000"/>
+                    <a:lumOff val="5000"/>
+                  </a:schemeClr>
+                </a:solidFill>
+              </a:rPr>
+              <a:t>Android-</a:t>
+            </a:r>
+            <a:r>
+              <a:rPr lang="ru-RU" sz="1400" dirty="0">
+                <a:solidFill>
+                  <a:schemeClr val="tx1">
+                    <a:lumMod val="95000"/>
+                    <a:lumOff val="5000"/>
+                  </a:schemeClr>
+                </a:solidFill>
+              </a:rPr>
+              <a:t>приложения</a:t>
+            </a:r>
+            <a:endParaRPr lang="en-US" sz="1400" dirty="0">
+              <a:solidFill>
+                <a:schemeClr val="tx1">
+                  <a:lumMod val="95000"/>
+                  <a:lumOff val="5000"/>
+                </a:schemeClr>
+              </a:solidFill>
+            </a:endParaRPr>
+          </a:p>
+          <a:p>
+            <a:pPr lvl="0">
+              <a:buFont typeface="Wingdings" panose="05000000000000000000" pitchFamily="2" charset="2"/>
+              <a:buChar char="q"/>
+            </a:pPr>
+            <a:endParaRPr lang="en-US" sz="1400" dirty="0">
+              <a:solidFill>
+                <a:schemeClr val="tx1">
+                  <a:lumMod val="95000"/>
+                  <a:lumOff val="5000"/>
+                </a:schemeClr>
+              </a:solidFill>
+            </a:endParaRPr>
+          </a:p>
+          <a:p>
+            <a:pPr>
               <a:buClr>
                 <a:srgbClr val="000000"/>
               </a:buClr>
-              <a:buSzPts val="1800"/>
-              <a:buNone/>
-            </a:pPr>
-            <a:endParaRPr dirty="0">
+              <a:buFont typeface="Wingdings" panose="05000000000000000000" pitchFamily="2" charset="2"/>
+              <a:buChar char="q"/>
+            </a:pPr>
+            <a:endParaRPr sz="1400" dirty="0">
               <a:solidFill>
-                <a:srgbClr val="000000"/>
+                <a:schemeClr val="tx1">
+                  <a:lumMod val="95000"/>
+                  <a:lumOff val="5000"/>
+                </a:schemeClr>
               </a:solidFill>
             </a:endParaRPr>
           </a:p>
@@ -8549,176 +9123,674 @@
           </a:bodyPr>
           <a:lstStyle/>
           <a:p>
-            <a:pPr marL="0" lvl="0" indent="0" algn="r" rtl="0">
-              <a:spcBef>
-                <a:spcPts val="0"/>
-              </a:spcBef>
-              <a:spcAft>
-                <a:spcPts val="0"/>
-              </a:spcAft>
-              <a:buNone/>
+            <a:pPr lvl="0" algn="r" rtl="0">
+              <a:spcBef>
+                <a:spcPts val="0"/>
+              </a:spcBef>
+              <a:spcAft>
+                <a:spcPts val="0"/>
+              </a:spcAft>
             </a:pPr>
             <a:fld id="{00000000-1234-1234-1234-123412341234}" type="slidenum">
-              <a:rPr lang="ru" sz="1800" b="1"/>
+              <a:rPr lang="ru" sz="1400" b="1">
+                <a:solidFill>
+                  <a:schemeClr val="tx1">
+                    <a:lumMod val="95000"/>
+                    <a:lumOff val="5000"/>
+                  </a:schemeClr>
+                </a:solidFill>
+              </a:rPr>
+              <a:pPr lvl="0" algn="r" rtl="0">
+                <a:spcBef>
+                  <a:spcPts val="0"/>
+                </a:spcBef>
+                <a:spcAft>
+                  <a:spcPts val="0"/>
+                </a:spcAft>
+              </a:pPr>
               <a:t>2</a:t>
             </a:fld>
-            <a:endParaRPr sz="1800" b="1" dirty="0"/>
+            <a:endParaRPr sz="1400" b="1" dirty="0">
+              <a:solidFill>
+                <a:schemeClr val="tx1">
+                  <a:lumMod val="95000"/>
+                  <a:lumOff val="5000"/>
+                </a:schemeClr>
+              </a:solidFill>
+            </a:endParaRPr>
           </a:p>
         </p:txBody>
       </p:sp>
       <p:sp>
         <p:nvSpPr>
-          <p:cNvPr id="2" name="Прямоугольник 1">
+          <p:cNvPr id="6" name="Google Shape;63;p14">
             <a:extLst>
               <a:ext uri="{FF2B5EF4-FFF2-40B4-BE49-F238E27FC236}">
-                <a16:creationId xmlns:a16="http://schemas.microsoft.com/office/drawing/2014/main" id="{3D77FBF8-7612-40DF-AAAC-26ABCA8F6BEC}"/>
+                <a16:creationId xmlns:a16="http://schemas.microsoft.com/office/drawing/2014/main" id="{AB3C7BFC-C15E-4D0F-98F2-51EA8E10B255}"/>
               </a:ext>
             </a:extLst>
           </p:cNvPr>
-          <p:cNvSpPr/>
+          <p:cNvSpPr txBox="1">
+            <a:spLocks/>
+          </p:cNvSpPr>
           <p:nvPr/>
         </p:nvSpPr>
         <p:spPr>
           <a:xfrm>
-            <a:off x="4720856" y="698496"/>
-            <a:ext cx="4572000" cy="3108543"/>
+            <a:off x="3678866" y="712013"/>
+            <a:ext cx="5682966" cy="4333925"/>
           </a:xfrm>
           <a:prstGeom prst="rect">
             <a:avLst/>
           </a:prstGeom>
+          <a:noFill/>
+          <a:ln>
+            <a:noFill/>
+          </a:ln>
         </p:spPr>
         <p:txBody>
-          <a:bodyPr>
-            <a:spAutoFit/>
+          <a:bodyPr spcFirstLastPara="1" wrap="square" lIns="91425" tIns="91425" rIns="91425" bIns="91425" anchor="t" anchorCtr="0">
+            <a:noAutofit/>
           </a:bodyPr>
-          <a:lstStyle/>
-          <a:p>
-            <a:pPr marL="114300" lvl="0">
+          <a:lstStyle>
+            <a:defPPr marR="0" lvl="0" algn="l" rtl="0">
+              <a:lnSpc>
+                <a:spcPct val="100000"/>
+              </a:lnSpc>
+              <a:spcBef>
+                <a:spcPts val="0"/>
+              </a:spcBef>
+              <a:spcAft>
+                <a:spcPts val="0"/>
+              </a:spcAft>
+            </a:defPPr>
+            <a:lvl1pPr marL="457200" marR="0" lvl="0" indent="-342900" algn="l" rtl="0">
+              <a:lnSpc>
+                <a:spcPct val="115000"/>
+              </a:lnSpc>
+              <a:spcBef>
+                <a:spcPts val="0"/>
+              </a:spcBef>
+              <a:spcAft>
+                <a:spcPts val="0"/>
+              </a:spcAft>
+              <a:buClr>
+                <a:schemeClr val="dk2"/>
+              </a:buClr>
               <a:buSzPts val="1800"/>
-            </a:pPr>
-            <a:r>
-              <a:rPr lang="ru-RU" dirty="0"/>
+              <a:buFont typeface="Arial"/>
+              <a:buChar char="●"/>
+              <a:defRPr sz="1800" b="0" i="0" u="none" strike="noStrike" cap="none">
+                <a:solidFill>
+                  <a:schemeClr val="dk2"/>
+                </a:solidFill>
+                <a:latin typeface="Arial"/>
+                <a:ea typeface="Arial"/>
+                <a:cs typeface="Arial"/>
+                <a:sym typeface="Arial"/>
+              </a:defRPr>
+            </a:lvl1pPr>
+            <a:lvl2pPr marL="914400" marR="0" lvl="1" indent="-317500" algn="l" rtl="0">
+              <a:lnSpc>
+                <a:spcPct val="115000"/>
+              </a:lnSpc>
+              <a:spcBef>
+                <a:spcPts val="1600"/>
+              </a:spcBef>
+              <a:spcAft>
+                <a:spcPts val="0"/>
+              </a:spcAft>
+              <a:buClr>
+                <a:schemeClr val="dk2"/>
+              </a:buClr>
+              <a:buSzPts val="1400"/>
+              <a:buFont typeface="Arial"/>
+              <a:buChar char="○"/>
+              <a:defRPr sz="1400" b="0" i="0" u="none" strike="noStrike" cap="none">
+                <a:solidFill>
+                  <a:schemeClr val="dk2"/>
+                </a:solidFill>
+                <a:latin typeface="Arial"/>
+                <a:ea typeface="Arial"/>
+                <a:cs typeface="Arial"/>
+                <a:sym typeface="Arial"/>
+              </a:defRPr>
+            </a:lvl2pPr>
+            <a:lvl3pPr marL="1371600" marR="0" lvl="2" indent="-317500" algn="l" rtl="0">
+              <a:lnSpc>
+                <a:spcPct val="115000"/>
+              </a:lnSpc>
+              <a:spcBef>
+                <a:spcPts val="1600"/>
+              </a:spcBef>
+              <a:spcAft>
+                <a:spcPts val="0"/>
+              </a:spcAft>
+              <a:buClr>
+                <a:schemeClr val="dk2"/>
+              </a:buClr>
+              <a:buSzPts val="1400"/>
+              <a:buFont typeface="Arial"/>
+              <a:buChar char="■"/>
+              <a:defRPr sz="1400" b="0" i="0" u="none" strike="noStrike" cap="none">
+                <a:solidFill>
+                  <a:schemeClr val="dk2"/>
+                </a:solidFill>
+                <a:latin typeface="Arial"/>
+                <a:ea typeface="Arial"/>
+                <a:cs typeface="Arial"/>
+                <a:sym typeface="Arial"/>
+              </a:defRPr>
+            </a:lvl3pPr>
+            <a:lvl4pPr marL="1828800" marR="0" lvl="3" indent="-317500" algn="l" rtl="0">
+              <a:lnSpc>
+                <a:spcPct val="115000"/>
+              </a:lnSpc>
+              <a:spcBef>
+                <a:spcPts val="1600"/>
+              </a:spcBef>
+              <a:spcAft>
+                <a:spcPts val="0"/>
+              </a:spcAft>
+              <a:buClr>
+                <a:schemeClr val="dk2"/>
+              </a:buClr>
+              <a:buSzPts val="1400"/>
+              <a:buFont typeface="Arial"/>
+              <a:buChar char="●"/>
+              <a:defRPr sz="1400" b="0" i="0" u="none" strike="noStrike" cap="none">
+                <a:solidFill>
+                  <a:schemeClr val="dk2"/>
+                </a:solidFill>
+                <a:latin typeface="Arial"/>
+                <a:ea typeface="Arial"/>
+                <a:cs typeface="Arial"/>
+                <a:sym typeface="Arial"/>
+              </a:defRPr>
+            </a:lvl4pPr>
+            <a:lvl5pPr marL="2286000" marR="0" lvl="4" indent="-317500" algn="l" rtl="0">
+              <a:lnSpc>
+                <a:spcPct val="115000"/>
+              </a:lnSpc>
+              <a:spcBef>
+                <a:spcPts val="1600"/>
+              </a:spcBef>
+              <a:spcAft>
+                <a:spcPts val="0"/>
+              </a:spcAft>
+              <a:buClr>
+                <a:schemeClr val="dk2"/>
+              </a:buClr>
+              <a:buSzPts val="1400"/>
+              <a:buFont typeface="Arial"/>
+              <a:buChar char="○"/>
+              <a:defRPr sz="1400" b="0" i="0" u="none" strike="noStrike" cap="none">
+                <a:solidFill>
+                  <a:schemeClr val="dk2"/>
+                </a:solidFill>
+                <a:latin typeface="Arial"/>
+                <a:ea typeface="Arial"/>
+                <a:cs typeface="Arial"/>
+                <a:sym typeface="Arial"/>
+              </a:defRPr>
+            </a:lvl5pPr>
+            <a:lvl6pPr marL="2743200" marR="0" lvl="5" indent="-317500" algn="l" rtl="0">
+              <a:lnSpc>
+                <a:spcPct val="115000"/>
+              </a:lnSpc>
+              <a:spcBef>
+                <a:spcPts val="1600"/>
+              </a:spcBef>
+              <a:spcAft>
+                <a:spcPts val="0"/>
+              </a:spcAft>
+              <a:buClr>
+                <a:schemeClr val="dk2"/>
+              </a:buClr>
+              <a:buSzPts val="1400"/>
+              <a:buFont typeface="Arial"/>
+              <a:buChar char="■"/>
+              <a:defRPr sz="1400" b="0" i="0" u="none" strike="noStrike" cap="none">
+                <a:solidFill>
+                  <a:schemeClr val="dk2"/>
+                </a:solidFill>
+                <a:latin typeface="Arial"/>
+                <a:ea typeface="Arial"/>
+                <a:cs typeface="Arial"/>
+                <a:sym typeface="Arial"/>
+              </a:defRPr>
+            </a:lvl6pPr>
+            <a:lvl7pPr marL="3200400" marR="0" lvl="6" indent="-317500" algn="l" rtl="0">
+              <a:lnSpc>
+                <a:spcPct val="115000"/>
+              </a:lnSpc>
+              <a:spcBef>
+                <a:spcPts val="1600"/>
+              </a:spcBef>
+              <a:spcAft>
+                <a:spcPts val="0"/>
+              </a:spcAft>
+              <a:buClr>
+                <a:schemeClr val="dk2"/>
+              </a:buClr>
+              <a:buSzPts val="1400"/>
+              <a:buFont typeface="Arial"/>
+              <a:buChar char="●"/>
+              <a:defRPr sz="1400" b="0" i="0" u="none" strike="noStrike" cap="none">
+                <a:solidFill>
+                  <a:schemeClr val="dk2"/>
+                </a:solidFill>
+                <a:latin typeface="Arial"/>
+                <a:ea typeface="Arial"/>
+                <a:cs typeface="Arial"/>
+                <a:sym typeface="Arial"/>
+              </a:defRPr>
+            </a:lvl7pPr>
+            <a:lvl8pPr marL="3657600" marR="0" lvl="7" indent="-317500" algn="l" rtl="0">
+              <a:lnSpc>
+                <a:spcPct val="115000"/>
+              </a:lnSpc>
+              <a:spcBef>
+                <a:spcPts val="1600"/>
+              </a:spcBef>
+              <a:spcAft>
+                <a:spcPts val="0"/>
+              </a:spcAft>
+              <a:buClr>
+                <a:schemeClr val="dk2"/>
+              </a:buClr>
+              <a:buSzPts val="1400"/>
+              <a:buFont typeface="Arial"/>
+              <a:buChar char="○"/>
+              <a:defRPr sz="1400" b="0" i="0" u="none" strike="noStrike" cap="none">
+                <a:solidFill>
+                  <a:schemeClr val="dk2"/>
+                </a:solidFill>
+                <a:latin typeface="Arial"/>
+                <a:ea typeface="Arial"/>
+                <a:cs typeface="Arial"/>
+                <a:sym typeface="Arial"/>
+              </a:defRPr>
+            </a:lvl8pPr>
+            <a:lvl9pPr marL="4114800" marR="0" lvl="8" indent="-317500" algn="l" rtl="0">
+              <a:lnSpc>
+                <a:spcPct val="115000"/>
+              </a:lnSpc>
+              <a:spcBef>
+                <a:spcPts val="1600"/>
+              </a:spcBef>
+              <a:spcAft>
+                <a:spcPts val="1600"/>
+              </a:spcAft>
+              <a:buClr>
+                <a:schemeClr val="dk2"/>
+              </a:buClr>
+              <a:buSzPts val="1400"/>
+              <a:buFont typeface="Arial"/>
+              <a:buChar char="■"/>
+              <a:defRPr sz="1400" b="0" i="0" u="none" strike="noStrike" cap="none">
+                <a:solidFill>
+                  <a:schemeClr val="dk2"/>
+                </a:solidFill>
+                <a:latin typeface="Arial"/>
+                <a:ea typeface="Arial"/>
+                <a:cs typeface="Arial"/>
+                <a:sym typeface="Arial"/>
+              </a:defRPr>
+            </a:lvl9pPr>
+          </a:lstStyle>
+          <a:p>
+            <a:pPr marL="114300" indent="0">
+              <a:buNone/>
+            </a:pPr>
+            <a:r>
+              <a:rPr lang="ru-RU" sz="1400" dirty="0">
+                <a:solidFill>
+                  <a:schemeClr val="tx1">
+                    <a:lumMod val="95000"/>
+                    <a:lumOff val="5000"/>
+                  </a:schemeClr>
+                </a:solidFill>
+              </a:rPr>
               <a:t>Рудин Павел</a:t>
             </a:r>
             <a:r>
-              <a:rPr lang="en-US" dirty="0"/>
+              <a:rPr lang="en-US" sz="1400" dirty="0">
+                <a:solidFill>
+                  <a:schemeClr val="tx1">
+                    <a:lumMod val="95000"/>
+                    <a:lumOff val="5000"/>
+                  </a:schemeClr>
+                </a:solidFill>
+              </a:rPr>
               <a:t>:</a:t>
             </a:r>
           </a:p>
           <a:p>
             <a:pPr marL="285750" lvl="0" indent="-285750">
-              <a:buFont typeface="Arial" panose="020B0604020202020204" pitchFamily="34" charset="0"/>
-              <a:buChar char="•"/>
-            </a:pPr>
-            <a:r>
-              <a:rPr lang="ru-RU" dirty="0"/>
-              <a:t>Подготовка документа Структура проекта. Введение</a:t>
+              <a:buFont typeface="Wingdings" panose="05000000000000000000" pitchFamily="2" charset="2"/>
+              <a:buChar char="q"/>
+            </a:pPr>
+            <a:r>
+              <a:rPr lang="ru-RU" sz="1400" dirty="0">
+                <a:solidFill>
+                  <a:schemeClr val="tx1">
+                    <a:lumMod val="95000"/>
+                    <a:lumOff val="5000"/>
+                  </a:schemeClr>
+                </a:solidFill>
+              </a:rPr>
+              <a:t>Подготовка документа «Структура проекта. Введение»</a:t>
             </a:r>
           </a:p>
           <a:p>
             <a:pPr marL="285750" lvl="0" indent="-285750">
-              <a:buFont typeface="Arial" panose="020B0604020202020204" pitchFamily="34" charset="0"/>
-              <a:buChar char="•"/>
-            </a:pPr>
-            <a:r>
-              <a:rPr lang="ru-RU" dirty="0"/>
-              <a:t>Подготовка документа Прототип технического задания</a:t>
+              <a:buFont typeface="Wingdings" panose="05000000000000000000" pitchFamily="2" charset="2"/>
+              <a:buChar char="q"/>
+            </a:pPr>
+            <a:r>
+              <a:rPr lang="ru-RU" sz="1400" dirty="0">
+                <a:solidFill>
+                  <a:schemeClr val="tx1">
+                    <a:lumMod val="95000"/>
+                    <a:lumOff val="5000"/>
+                  </a:schemeClr>
+                </a:solidFill>
+              </a:rPr>
+              <a:t>Подготовка документа «Прототип технического задания»</a:t>
             </a:r>
           </a:p>
           <a:p>
             <a:pPr marL="285750" lvl="0" indent="-285750">
-              <a:buFont typeface="Arial" panose="020B0604020202020204" pitchFamily="34" charset="0"/>
-              <a:buChar char="•"/>
-            </a:pPr>
-            <a:r>
-              <a:rPr lang="ru-RU" dirty="0"/>
-              <a:t>Проведение Анализа предметной области</a:t>
+              <a:buFont typeface="Wingdings" panose="05000000000000000000" pitchFamily="2" charset="2"/>
+              <a:buChar char="q"/>
+            </a:pPr>
+            <a:r>
+              <a:rPr lang="ru-RU" sz="1400" dirty="0">
+                <a:solidFill>
+                  <a:schemeClr val="tx1">
+                    <a:lumMod val="95000"/>
+                    <a:lumOff val="5000"/>
+                  </a:schemeClr>
+                </a:solidFill>
+              </a:rPr>
+              <a:t>Подготовка документа «Программа и Методика испытаний»</a:t>
             </a:r>
           </a:p>
           <a:p>
             <a:pPr marL="285750" lvl="0" indent="-285750">
-              <a:buFont typeface="Arial" panose="020B0604020202020204" pitchFamily="34" charset="0"/>
-              <a:buChar char="•"/>
-            </a:pPr>
-            <a:r>
-              <a:rPr lang="ru-RU" dirty="0"/>
-              <a:t>Подготовка Отчётного документа по ролям</a:t>
+              <a:buFont typeface="Wingdings" panose="05000000000000000000" pitchFamily="2" charset="2"/>
+              <a:buChar char="q"/>
+            </a:pPr>
+            <a:r>
+              <a:rPr lang="ru-RU" sz="1400" dirty="0">
+                <a:solidFill>
+                  <a:schemeClr val="tx1">
+                    <a:lumMod val="95000"/>
+                    <a:lumOff val="5000"/>
+                  </a:schemeClr>
+                </a:solidFill>
+              </a:rPr>
+              <a:t>Проведение тестирования приложения</a:t>
             </a:r>
           </a:p>
           <a:p>
             <a:pPr marL="285750" lvl="0" indent="-285750">
-              <a:buFont typeface="Arial" panose="020B0604020202020204" pitchFamily="34" charset="0"/>
-              <a:buChar char="•"/>
-            </a:pPr>
-            <a:r>
-              <a:rPr lang="ru-RU" dirty="0"/>
+              <a:buFont typeface="Wingdings" panose="05000000000000000000" pitchFamily="2" charset="2"/>
+              <a:buChar char="q"/>
+            </a:pPr>
+            <a:r>
+              <a:rPr lang="ru-RU" sz="1400" dirty="0">
+                <a:solidFill>
+                  <a:schemeClr val="tx1">
+                    <a:lumMod val="95000"/>
+                    <a:lumOff val="5000"/>
+                  </a:schemeClr>
+                </a:solidFill>
+              </a:rPr>
+              <a:t>Подготовка документа «Результат тестирования»</a:t>
+            </a:r>
+          </a:p>
+          <a:p>
+            <a:pPr marL="285750" lvl="0" indent="-285750">
+              <a:buFont typeface="Wingdings" panose="05000000000000000000" pitchFamily="2" charset="2"/>
+              <a:buChar char="q"/>
+            </a:pPr>
+            <a:r>
+              <a:rPr lang="ru-RU" sz="1400" dirty="0">
+                <a:solidFill>
+                  <a:schemeClr val="tx1">
+                    <a:lumMod val="95000"/>
+                    <a:lumOff val="5000"/>
+                  </a:schemeClr>
+                </a:solidFill>
+              </a:rPr>
+              <a:t>Подготовка «Отчётного документа по ролям»</a:t>
+            </a:r>
+          </a:p>
+          <a:p>
+            <a:pPr marL="285750" indent="-285750">
+              <a:buFont typeface="Wingdings" panose="05000000000000000000" pitchFamily="2" charset="2"/>
+              <a:buChar char="q"/>
+            </a:pPr>
+            <a:r>
+              <a:rPr lang="ru-RU" sz="1400" dirty="0">
+                <a:solidFill>
+                  <a:schemeClr val="tx1">
+                    <a:lumMod val="95000"/>
+                    <a:lumOff val="5000"/>
+                  </a:schemeClr>
+                </a:solidFill>
+              </a:rPr>
+              <a:t>Проведение анализа предметной области</a:t>
+            </a:r>
+          </a:p>
+          <a:p>
+            <a:pPr marL="285750" indent="-285750">
+              <a:buFont typeface="Wingdings" panose="05000000000000000000" pitchFamily="2" charset="2"/>
+              <a:buChar char="q"/>
+            </a:pPr>
+            <a:r>
+              <a:rPr lang="ru-RU" sz="1400" dirty="0">
+                <a:solidFill>
+                  <a:schemeClr val="tx1">
+                    <a:lumMod val="95000"/>
+                    <a:lumOff val="5000"/>
+                  </a:schemeClr>
+                </a:solidFill>
+              </a:rPr>
+              <a:t>Подготовка документа «Анализ предметной области»</a:t>
+            </a:r>
+          </a:p>
+          <a:p>
+            <a:pPr marL="285750" lvl="0" indent="-285750">
+              <a:buFont typeface="Wingdings" panose="05000000000000000000" pitchFamily="2" charset="2"/>
+              <a:buChar char="q"/>
+            </a:pPr>
+            <a:r>
+              <a:rPr lang="ru-RU" sz="1400" dirty="0">
+                <a:solidFill>
+                  <a:schemeClr val="tx1">
+                    <a:lumMod val="95000"/>
+                    <a:lumOff val="5000"/>
+                  </a:schemeClr>
+                </a:solidFill>
+              </a:rPr>
               <a:t>Определение задач для диаграммы </a:t>
             </a:r>
             <a:r>
-              <a:rPr lang="ru-RU" dirty="0" err="1"/>
+              <a:rPr lang="ru-RU" sz="1400" dirty="0" err="1">
+                <a:solidFill>
+                  <a:schemeClr val="tx1">
+                    <a:lumMod val="95000"/>
+                    <a:lumOff val="5000"/>
+                  </a:schemeClr>
+                </a:solidFill>
+              </a:rPr>
               <a:t>Ганта</a:t>
             </a:r>
-            <a:endParaRPr lang="ru-RU" dirty="0"/>
+            <a:endParaRPr lang="ru-RU" sz="1400" dirty="0">
+              <a:solidFill>
+                <a:schemeClr val="tx1">
+                  <a:lumMod val="95000"/>
+                  <a:lumOff val="5000"/>
+                </a:schemeClr>
+              </a:solidFill>
+            </a:endParaRPr>
           </a:p>
           <a:p>
             <a:pPr marL="285750" lvl="0" indent="-285750">
-              <a:buFont typeface="Arial" panose="020B0604020202020204" pitchFamily="34" charset="0"/>
-              <a:buChar char="•"/>
-            </a:pPr>
-            <a:r>
-              <a:rPr lang="ru-RU" dirty="0"/>
-              <a:t>Определение сроков выполнения задач для диаграммы </a:t>
-            </a:r>
-            <a:r>
-              <a:rPr lang="ru-RU" dirty="0" err="1"/>
-              <a:t>Ганта</a:t>
-            </a:r>
-            <a:endParaRPr lang="ru-RU" dirty="0"/>
+              <a:buFont typeface="Wingdings" panose="05000000000000000000" pitchFamily="2" charset="2"/>
+              <a:buChar char="q"/>
+            </a:pPr>
+            <a:r>
+              <a:rPr lang="ru-RU" sz="1400" dirty="0">
+                <a:solidFill>
+                  <a:schemeClr val="tx1">
+                    <a:lumMod val="95000"/>
+                    <a:lumOff val="5000"/>
+                  </a:schemeClr>
+                </a:solidFill>
+              </a:rPr>
+              <a:t>Создание рабочей группы в </a:t>
+            </a:r>
+            <a:r>
+              <a:rPr lang="en-US" sz="1400" dirty="0">
+                <a:solidFill>
+                  <a:schemeClr val="tx1">
+                    <a:lumMod val="95000"/>
+                    <a:lumOff val="5000"/>
+                  </a:schemeClr>
+                </a:solidFill>
+              </a:rPr>
+              <a:t>Skype</a:t>
+            </a:r>
+            <a:endParaRPr lang="ru-RU" sz="1400" dirty="0">
+              <a:solidFill>
+                <a:schemeClr val="tx1">
+                  <a:lumMod val="95000"/>
+                  <a:lumOff val="5000"/>
+                </a:schemeClr>
+              </a:solidFill>
+            </a:endParaRPr>
           </a:p>
           <a:p>
             <a:pPr marL="285750" lvl="0" indent="-285750">
-              <a:buFont typeface="Arial" panose="020B0604020202020204" pitchFamily="34" charset="0"/>
-              <a:buChar char="•"/>
-            </a:pPr>
-            <a:r>
-              <a:rPr lang="ru-RU" dirty="0"/>
-              <a:t>Создание рабочей группы в </a:t>
-            </a:r>
-            <a:r>
-              <a:rPr lang="en-US" dirty="0"/>
-              <a:t>Skype</a:t>
-            </a:r>
-            <a:endParaRPr lang="ru-RU" dirty="0"/>
+              <a:buFont typeface="Wingdings" panose="05000000000000000000" pitchFamily="2" charset="2"/>
+              <a:buChar char="q"/>
+            </a:pPr>
+            <a:r>
+              <a:rPr lang="ru-RU" sz="1400" dirty="0">
+                <a:solidFill>
+                  <a:schemeClr val="tx1">
+                    <a:lumMod val="95000"/>
+                    <a:lumOff val="5000"/>
+                  </a:schemeClr>
+                </a:solidFill>
+              </a:rPr>
+              <a:t>Взаимодействие с </a:t>
+            </a:r>
+            <a:r>
+              <a:rPr lang="en-US" sz="1400" dirty="0">
+                <a:solidFill>
+                  <a:schemeClr val="tx1">
+                    <a:lumMod val="95000"/>
+                    <a:lumOff val="5000"/>
+                  </a:schemeClr>
+                </a:solidFill>
+              </a:rPr>
+              <a:t>Trello</a:t>
+            </a:r>
+            <a:endParaRPr lang="ru-RU" sz="1400" dirty="0">
+              <a:solidFill>
+                <a:schemeClr val="tx1">
+                  <a:lumMod val="95000"/>
+                  <a:lumOff val="5000"/>
+                </a:schemeClr>
+              </a:solidFill>
+            </a:endParaRPr>
           </a:p>
           <a:p>
             <a:pPr marL="285750" lvl="0" indent="-285750">
-              <a:buFont typeface="Arial" panose="020B0604020202020204" pitchFamily="34" charset="0"/>
-              <a:buChar char="•"/>
-            </a:pPr>
-            <a:r>
-              <a:rPr lang="ru-RU" dirty="0"/>
+              <a:buFont typeface="Wingdings" panose="05000000000000000000" pitchFamily="2" charset="2"/>
+              <a:buChar char="q"/>
+            </a:pPr>
+            <a:r>
+              <a:rPr lang="ru-RU" sz="1400" dirty="0">
+                <a:solidFill>
+                  <a:schemeClr val="tx1">
+                    <a:lumMod val="95000"/>
+                    <a:lumOff val="5000"/>
+                  </a:schemeClr>
+                </a:solidFill>
+              </a:rPr>
               <a:t>Подготовка презентации к защите проекта</a:t>
             </a:r>
           </a:p>
           <a:p>
             <a:pPr marL="285750" lvl="0" indent="-285750">
-              <a:buFont typeface="Arial" panose="020B0604020202020204" pitchFamily="34" charset="0"/>
-              <a:buChar char="•"/>
-            </a:pPr>
-            <a:r>
-              <a:rPr lang="ru-RU" dirty="0"/>
+              <a:buFont typeface="Wingdings" panose="05000000000000000000" pitchFamily="2" charset="2"/>
+              <a:buChar char="q"/>
+            </a:pPr>
+            <a:r>
+              <a:rPr lang="ru-RU" sz="1400" dirty="0">
+                <a:solidFill>
+                  <a:schemeClr val="tx1">
+                    <a:lumMod val="95000"/>
+                    <a:lumOff val="5000"/>
+                  </a:schemeClr>
+                </a:solidFill>
+              </a:rPr>
               <a:t>Подготовка отчёта по курсовому проекту</a:t>
             </a:r>
           </a:p>
           <a:p>
             <a:pPr marL="285750" lvl="0" indent="-285750">
-              <a:buFont typeface="Arial" panose="020B0604020202020204" pitchFamily="34" charset="0"/>
-              <a:buChar char="•"/>
-            </a:pPr>
-            <a:r>
-              <a:rPr lang="ru-RU" dirty="0"/>
+              <a:buFont typeface="Wingdings" panose="05000000000000000000" pitchFamily="2" charset="2"/>
+              <a:buChar char="q"/>
+            </a:pPr>
+            <a:r>
+              <a:rPr lang="ru-RU" sz="1400" dirty="0">
+                <a:solidFill>
+                  <a:schemeClr val="tx1">
+                    <a:lumMod val="95000"/>
+                    <a:lumOff val="5000"/>
+                  </a:schemeClr>
+                </a:solidFill>
+              </a:rPr>
               <a:t>Запись демонстрационного видео по проекту</a:t>
             </a:r>
+          </a:p>
+          <a:p>
+            <a:pPr>
+              <a:buFont typeface="Wingdings" panose="05000000000000000000" pitchFamily="2" charset="2"/>
+              <a:buChar char="q"/>
+            </a:pPr>
+            <a:endParaRPr lang="ru-RU" sz="1400" dirty="0">
+              <a:solidFill>
+                <a:schemeClr val="tx1">
+                  <a:lumMod val="95000"/>
+                  <a:lumOff val="5000"/>
+                </a:schemeClr>
+              </a:solidFill>
+            </a:endParaRPr>
+          </a:p>
+          <a:p>
+            <a:pPr>
+              <a:buClr>
+                <a:srgbClr val="000000"/>
+              </a:buClr>
+              <a:buFont typeface="Wingdings" panose="05000000000000000000" pitchFamily="2" charset="2"/>
+              <a:buChar char="q"/>
+            </a:pPr>
+            <a:endParaRPr lang="ru-RU" sz="1400" dirty="0">
+              <a:solidFill>
+                <a:schemeClr val="tx1">
+                  <a:lumMod val="95000"/>
+                  <a:lumOff val="5000"/>
+                </a:schemeClr>
+              </a:solidFill>
+            </a:endParaRPr>
           </a:p>
         </p:txBody>
       </p:sp>
@@ -8759,7 +9831,7 @@
         </p:nvSpPr>
         <p:spPr>
           <a:xfrm>
-            <a:off x="311700" y="445025"/>
+            <a:off x="311700" y="259324"/>
             <a:ext cx="8520600" cy="572700"/>
           </a:xfrm>
           <a:prstGeom prst="rect">
@@ -8801,7 +9873,7 @@
         </p:nvSpPr>
         <p:spPr>
           <a:xfrm>
-            <a:off x="311700" y="1017725"/>
+            <a:off x="226208" y="3435300"/>
             <a:ext cx="8520600" cy="3416400"/>
           </a:xfrm>
           <a:prstGeom prst="rect">
@@ -8825,6 +9897,131 @@
               </a:rPr>
               <a:t> </a:t>
             </a:r>
+          </a:p>
+          <a:p>
+            <a:pPr marL="114300" indent="0">
+              <a:buNone/>
+            </a:pPr>
+            <a:endParaRPr lang="ru-RU" sz="1200" dirty="0">
+              <a:solidFill>
+                <a:srgbClr val="000000"/>
+              </a:solidFill>
+            </a:endParaRPr>
+          </a:p>
+          <a:p>
+            <a:pPr marL="114300" indent="0">
+              <a:buNone/>
+            </a:pPr>
+            <a:endParaRPr lang="ru-RU" sz="1200" dirty="0">
+              <a:solidFill>
+                <a:srgbClr val="000000"/>
+              </a:solidFill>
+            </a:endParaRPr>
+          </a:p>
+          <a:p>
+            <a:pPr marL="114300" indent="0">
+              <a:buNone/>
+            </a:pPr>
+            <a:endParaRPr lang="ru-RU" sz="1200" dirty="0">
+              <a:solidFill>
+                <a:srgbClr val="000000"/>
+              </a:solidFill>
+            </a:endParaRPr>
+          </a:p>
+          <a:p>
+            <a:pPr marL="114300" indent="0">
+              <a:buNone/>
+            </a:pPr>
+            <a:endParaRPr lang="ru-RU" sz="1200" dirty="0">
+              <a:solidFill>
+                <a:srgbClr val="000000"/>
+              </a:solidFill>
+            </a:endParaRPr>
+          </a:p>
+          <a:p>
+            <a:pPr marL="114300" indent="0">
+              <a:buNone/>
+            </a:pPr>
+            <a:endParaRPr lang="ru-RU" sz="1200" dirty="0">
+              <a:solidFill>
+                <a:srgbClr val="000000"/>
+              </a:solidFill>
+            </a:endParaRPr>
+          </a:p>
+          <a:p>
+            <a:pPr marL="114300" indent="0">
+              <a:buNone/>
+            </a:pPr>
+            <a:endParaRPr lang="ru-RU" sz="1200" dirty="0">
+              <a:solidFill>
+                <a:srgbClr val="000000"/>
+              </a:solidFill>
+            </a:endParaRPr>
+          </a:p>
+          <a:p>
+            <a:pPr marL="114300" indent="0">
+              <a:buNone/>
+            </a:pPr>
+            <a:endParaRPr lang="ru-RU" sz="1200" dirty="0">
+              <a:solidFill>
+                <a:srgbClr val="000000"/>
+              </a:solidFill>
+            </a:endParaRPr>
+          </a:p>
+          <a:p>
+            <a:pPr marL="114300" indent="0">
+              <a:buNone/>
+            </a:pPr>
+            <a:endParaRPr lang="ru-RU" sz="1200" dirty="0">
+              <a:solidFill>
+                <a:srgbClr val="000000"/>
+              </a:solidFill>
+            </a:endParaRPr>
+          </a:p>
+          <a:p>
+            <a:pPr marL="114300" indent="0">
+              <a:buNone/>
+            </a:pPr>
+            <a:endParaRPr lang="ru-RU" sz="1200" dirty="0">
+              <a:solidFill>
+                <a:srgbClr val="000000"/>
+              </a:solidFill>
+            </a:endParaRPr>
+          </a:p>
+          <a:p>
+            <a:pPr marL="114300" indent="0">
+              <a:buNone/>
+            </a:pPr>
+            <a:endParaRPr lang="ru-RU" sz="1200" dirty="0">
+              <a:solidFill>
+                <a:srgbClr val="000000"/>
+              </a:solidFill>
+            </a:endParaRPr>
+          </a:p>
+          <a:p>
+            <a:pPr marL="114300" indent="0">
+              <a:buNone/>
+            </a:pPr>
+            <a:endParaRPr lang="ru-RU" sz="1200" dirty="0">
+              <a:solidFill>
+                <a:srgbClr val="000000"/>
+              </a:solidFill>
+            </a:endParaRPr>
+          </a:p>
+          <a:p>
+            <a:pPr marL="114300" indent="0">
+              <a:buNone/>
+            </a:pPr>
+            <a:endParaRPr lang="ru-RU" sz="1200" dirty="0">
+              <a:solidFill>
+                <a:srgbClr val="000000"/>
+              </a:solidFill>
+            </a:endParaRPr>
+          </a:p>
+          <a:p>
+            <a:pPr marL="114300" indent="0">
+              <a:buNone/>
+            </a:pPr>
             <a:r>
               <a:rPr lang="ru-RU" sz="1200" dirty="0"/>
               <a:t>Зачастую люди часто сталкиваются с необходимостью быстро найти работу. Этот процесс поиска работы может осуществляться на основе информации в газетах, информации в специальных изданиях или в простых объявлениях. Но с развитием современных технологий на первое место выходит сеть Интернет. Именно в сети можно быстро и легко найти работодателя и желаемую вакансию. Процесс поиска соискателем работы через Интернет можно сделать удобным и простым.</a:t>
@@ -8971,6 +10168,150 @@
           </a:p>
         </p:txBody>
       </p:sp>
+      <p:sp>
+        <p:nvSpPr>
+          <p:cNvPr id="3" name="Прямоугольник 2">
+            <a:extLst>
+              <a:ext uri="{FF2B5EF4-FFF2-40B4-BE49-F238E27FC236}">
+                <a16:creationId xmlns:a16="http://schemas.microsoft.com/office/drawing/2014/main" id="{AD7E6A6F-8AB5-40AB-ACF5-B4F4BF7A4CCF}"/>
+              </a:ext>
+            </a:extLst>
+          </p:cNvPr>
+          <p:cNvSpPr/>
+          <p:nvPr/>
+        </p:nvSpPr>
+        <p:spPr>
+          <a:xfrm>
+            <a:off x="311699" y="3619422"/>
+            <a:ext cx="8709459" cy="738664"/>
+          </a:xfrm>
+          <a:prstGeom prst="rect">
+            <a:avLst/>
+          </a:prstGeom>
+        </p:spPr>
+        <p:txBody>
+          <a:bodyPr wrap="square">
+            <a:spAutoFit/>
+          </a:bodyPr>
+          <a:lstStyle/>
+          <a:p>
+            <a:pPr marL="114300" indent="0">
+              <a:buNone/>
+            </a:pPr>
+            <a:r>
+              <a:rPr lang="ru-RU" dirty="0" err="1"/>
+              <a:t>HeadHunter</a:t>
+            </a:r>
+            <a:r>
+              <a:rPr lang="ru-RU" dirty="0"/>
+              <a:t> является лидером на рынке существующих решений и предоставляет открытый API, который позволяет получать информацию из вакансий и резюме, а также работать с этими данными. </a:t>
+            </a:r>
+          </a:p>
+        </p:txBody>
+      </p:sp>
+      <p:sp>
+        <p:nvSpPr>
+          <p:cNvPr id="4" name="Прямоугольник 3">
+            <a:extLst>
+              <a:ext uri="{FF2B5EF4-FFF2-40B4-BE49-F238E27FC236}">
+                <a16:creationId xmlns:a16="http://schemas.microsoft.com/office/drawing/2014/main" id="{14E98EB3-EFF7-4F56-BCE7-CBB4759EF734}"/>
+              </a:ext>
+            </a:extLst>
+          </p:cNvPr>
+          <p:cNvSpPr/>
+          <p:nvPr/>
+        </p:nvSpPr>
+        <p:spPr>
+          <a:xfrm>
+            <a:off x="311699" y="733873"/>
+            <a:ext cx="8360492" cy="738664"/>
+          </a:xfrm>
+          <a:prstGeom prst="rect">
+            <a:avLst/>
+          </a:prstGeom>
+        </p:spPr>
+        <p:txBody>
+          <a:bodyPr wrap="square">
+            <a:spAutoFit/>
+          </a:bodyPr>
+          <a:lstStyle/>
+          <a:p>
+            <a:pPr marL="114300" indent="0">
+              <a:buNone/>
+            </a:pPr>
+            <a:endParaRPr lang="ru-RU" dirty="0"/>
+          </a:p>
+          <a:p>
+            <a:pPr marL="114300" indent="0">
+              <a:buNone/>
+            </a:pPr>
+            <a:r>
+              <a:rPr lang="ru-RU" dirty="0"/>
+              <a:t>Люди часто сталкиваются с необходимостью быстро найти работу. С развитием современных технологий на первое место среди источников информации выходит сеть Интернет.</a:t>
+            </a:r>
+          </a:p>
+        </p:txBody>
+      </p:sp>
+      <p:pic>
+        <p:nvPicPr>
+          <p:cNvPr id="5" name="Рисунок 4">
+            <a:extLst>
+              <a:ext uri="{FF2B5EF4-FFF2-40B4-BE49-F238E27FC236}">
+                <a16:creationId xmlns:a16="http://schemas.microsoft.com/office/drawing/2014/main" id="{5E067AD1-720C-4071-A398-691DD5A20DA4}"/>
+              </a:ext>
+            </a:extLst>
+          </p:cNvPr>
+          <p:cNvPicPr>
+            <a:picLocks noChangeAspect="1"/>
+          </p:cNvPicPr>
+          <p:nvPr/>
+        </p:nvPicPr>
+        <p:blipFill>
+          <a:blip r:embed="rId3"/>
+          <a:stretch>
+            <a:fillRect/>
+          </a:stretch>
+        </p:blipFill>
+        <p:spPr>
+          <a:xfrm>
+            <a:off x="6649979" y="2055749"/>
+            <a:ext cx="1657350" cy="981075"/>
+          </a:xfrm>
+          <a:prstGeom prst="rect">
+            <a:avLst/>
+          </a:prstGeom>
+        </p:spPr>
+      </p:pic>
+      <p:pic>
+        <p:nvPicPr>
+          <p:cNvPr id="9" name="Рисунок 8">
+            <a:extLst>
+              <a:ext uri="{FF2B5EF4-FFF2-40B4-BE49-F238E27FC236}">
+                <a16:creationId xmlns:a16="http://schemas.microsoft.com/office/drawing/2014/main" id="{11F7C77E-5E64-44D1-9678-EB5FFC9C5EB3}"/>
+              </a:ext>
+            </a:extLst>
+          </p:cNvPr>
+          <p:cNvPicPr>
+            <a:picLocks noChangeAspect="1"/>
+          </p:cNvPicPr>
+          <p:nvPr/>
+        </p:nvPicPr>
+        <p:blipFill>
+          <a:blip r:embed="rId4"/>
+          <a:stretch>
+            <a:fillRect/>
+          </a:stretch>
+        </p:blipFill>
+        <p:spPr>
+          <a:xfrm>
+            <a:off x="694129" y="1780241"/>
+            <a:ext cx="4785460" cy="1349928"/>
+          </a:xfrm>
+          <a:prstGeom prst="rect">
+            <a:avLst/>
+          </a:prstGeom>
+        </p:spPr>
+      </p:pic>
     </p:spTree>
   </p:cSld>
   <p:clrMapOvr>
@@ -9094,26 +10435,83 @@
         </p:nvSpPr>
         <p:spPr>
           <a:xfrm>
-            <a:off x="2392680" y="716046"/>
-            <a:ext cx="4572000" cy="3947171"/>
+            <a:off x="803931" y="1360468"/>
+            <a:ext cx="6676238" cy="3137462"/>
           </a:xfrm>
           <a:prstGeom prst="rect">
             <a:avLst/>
           </a:prstGeom>
         </p:spPr>
         <p:txBody>
-          <a:bodyPr>
+          <a:bodyPr wrap="square">
             <a:spAutoFit/>
           </a:bodyPr>
           <a:lstStyle/>
           <a:p>
-            <a:pPr>
+            <a:r>
+              <a:rPr lang="ru-RU" dirty="0">
+                <a:latin typeface="Calibri" panose="020F0502020204030204" pitchFamily="34" charset="0"/>
+                <a:ea typeface="Times New Roman" panose="02020603050405020304" pitchFamily="18" charset="0"/>
+                <a:cs typeface="Calibri" panose="020F0502020204030204" pitchFamily="34" charset="0"/>
+              </a:rPr>
+              <a:t>	Целью выполнения курсового проекта является создание программы для мобильных устройств, работающих на операционной системе </a:t>
+            </a:r>
+            <a:r>
+              <a:rPr lang="en-US" dirty="0">
+                <a:latin typeface="Calibri" panose="020F0502020204030204" pitchFamily="34" charset="0"/>
+                <a:ea typeface="Times New Roman" panose="02020603050405020304" pitchFamily="18" charset="0"/>
+                <a:cs typeface="Calibri" panose="020F0502020204030204" pitchFamily="34" charset="0"/>
+              </a:rPr>
+              <a:t>Android</a:t>
+            </a:r>
+            <a:r>
+              <a:rPr lang="ru-RU" dirty="0">
+                <a:latin typeface="Calibri" panose="020F0502020204030204" pitchFamily="34" charset="0"/>
+                <a:ea typeface="Times New Roman" panose="02020603050405020304" pitchFamily="18" charset="0"/>
+                <a:cs typeface="Calibri" panose="020F0502020204030204" pitchFamily="34" charset="0"/>
+              </a:rPr>
+              <a:t>. </a:t>
+            </a:r>
+          </a:p>
+          <a:p>
+            <a:endParaRPr lang="ru-RU" dirty="0">
+              <a:latin typeface="Calibri" panose="020F0502020204030204" pitchFamily="34" charset="0"/>
+              <a:ea typeface="Times New Roman" panose="02020603050405020304" pitchFamily="18" charset="0"/>
+              <a:cs typeface="Calibri" panose="020F0502020204030204" pitchFamily="34" charset="0"/>
+            </a:endParaRPr>
+          </a:p>
+          <a:p>
+            <a:r>
+              <a:rPr lang="ru-RU" dirty="0">
+                <a:latin typeface="Calibri" panose="020F0502020204030204" pitchFamily="34" charset="0"/>
+                <a:ea typeface="Times New Roman" panose="02020603050405020304" pitchFamily="18" charset="0"/>
+                <a:cs typeface="Calibri" panose="020F0502020204030204" pitchFamily="34" charset="0"/>
+              </a:rPr>
+              <a:t>Кроме этого необходимо</a:t>
+            </a:r>
+            <a:r>
+              <a:rPr lang="en-US" dirty="0">
+                <a:latin typeface="Calibri" panose="020F0502020204030204" pitchFamily="34" charset="0"/>
+                <a:ea typeface="Times New Roman" panose="02020603050405020304" pitchFamily="18" charset="0"/>
+                <a:cs typeface="Calibri" panose="020F0502020204030204" pitchFamily="34" charset="0"/>
+              </a:rPr>
+              <a:t>:</a:t>
+            </a:r>
+            <a:endParaRPr lang="ru-RU" dirty="0">
+              <a:latin typeface="Calibri" panose="020F0502020204030204" pitchFamily="34" charset="0"/>
+              <a:cs typeface="Calibri" panose="020F0502020204030204" pitchFamily="34" charset="0"/>
+            </a:endParaRPr>
+          </a:p>
+          <a:p>
+            <a:pPr marL="342900" lvl="0" indent="-342900">
               <a:lnSpc>
-                <a:spcPct val="115000"/>
+                <a:spcPct val="150000"/>
               </a:lnSpc>
               <a:spcAft>
                 <a:spcPts val="1000"/>
               </a:spcAft>
+              <a:buFont typeface="Arial" panose="020B0604020202020204" pitchFamily="34" charset="0"/>
+              <a:buChar char="•"/>
             </a:pPr>
             <a:r>
               <a:rPr lang="ru-RU" dirty="0">
@@ -9121,12 +10519,12 @@
                 <a:ea typeface="Calibri" panose="020F0502020204030204" pitchFamily="34" charset="0"/>
                 <a:cs typeface="Calibri" panose="020F0502020204030204" pitchFamily="34" charset="0"/>
               </a:rPr>
-              <a:t>Задачи, выполняемые в рамках работы:</a:t>
+              <a:t>создать сопровождающую техническую документацию к программе</a:t>
             </a:r>
             <a:endParaRPr lang="ru-RU" dirty="0">
               <a:latin typeface="Calibri" panose="020F0502020204030204" pitchFamily="34" charset="0"/>
               <a:ea typeface="Times New Roman" panose="02020603050405020304" pitchFamily="18" charset="0"/>
-              <a:cs typeface="Times New Roman" panose="02020603050405020304" pitchFamily="18" charset="0"/>
+              <a:cs typeface="Calibri" panose="020F0502020204030204" pitchFamily="34" charset="0"/>
             </a:endParaRPr>
           </a:p>
           <a:p>
@@ -9146,12 +10544,12 @@
                 <a:ea typeface="Calibri" panose="020F0502020204030204" pitchFamily="34" charset="0"/>
                 <a:cs typeface="Calibri" panose="020F0502020204030204" pitchFamily="34" charset="0"/>
               </a:rPr>
-              <a:t>создание сопровождающей технической документации к программе</a:t>
+              <a:t>создать программу и методику предварительных испытаний</a:t>
             </a:r>
             <a:endParaRPr lang="ru-RU" dirty="0">
               <a:latin typeface="Calibri" panose="020F0502020204030204" pitchFamily="34" charset="0"/>
               <a:ea typeface="Times New Roman" panose="02020603050405020304" pitchFamily="18" charset="0"/>
-              <a:cs typeface="Times New Roman" panose="02020603050405020304" pitchFamily="18" charset="0"/>
+              <a:cs typeface="Calibri" panose="020F0502020204030204" pitchFamily="34" charset="0"/>
             </a:endParaRPr>
           </a:p>
           <a:p>
@@ -9171,12 +10569,12 @@
                 <a:ea typeface="Calibri" panose="020F0502020204030204" pitchFamily="34" charset="0"/>
                 <a:cs typeface="Calibri" panose="020F0502020204030204" pitchFamily="34" charset="0"/>
               </a:rPr>
-              <a:t>создание программы и методики предварительных испытаний</a:t>
+              <a:t>провести испытания программы</a:t>
             </a:r>
             <a:endParaRPr lang="ru-RU" dirty="0">
               <a:latin typeface="Calibri" panose="020F0502020204030204" pitchFamily="34" charset="0"/>
               <a:ea typeface="Times New Roman" panose="02020603050405020304" pitchFamily="18" charset="0"/>
-              <a:cs typeface="Times New Roman" panose="02020603050405020304" pitchFamily="18" charset="0"/>
+              <a:cs typeface="Calibri" panose="020F0502020204030204" pitchFamily="34" charset="0"/>
             </a:endParaRPr>
           </a:p>
           <a:p>
@@ -9196,13 +10594,8 @@
                 <a:ea typeface="Calibri" panose="020F0502020204030204" pitchFamily="34" charset="0"/>
                 <a:cs typeface="Calibri" panose="020F0502020204030204" pitchFamily="34" charset="0"/>
               </a:rPr>
-              <a:t>проведение испытаний программы</a:t>
-            </a:r>
-            <a:endParaRPr lang="ru-RU" dirty="0">
-              <a:latin typeface="Calibri" panose="020F0502020204030204" pitchFamily="34" charset="0"/>
-              <a:ea typeface="Times New Roman" panose="02020603050405020304" pitchFamily="18" charset="0"/>
-              <a:cs typeface="Times New Roman" panose="02020603050405020304" pitchFamily="18" charset="0"/>
-            </a:endParaRPr>
+              <a:t>создать документацию о прохождении программой испытаний</a:t>
+            </a:r>
           </a:p>
           <a:p>
             <a:pPr marL="342900" lvl="0" indent="-342900">
@@ -9221,12 +10614,12 @@
                 <a:ea typeface="Calibri" panose="020F0502020204030204" pitchFamily="34" charset="0"/>
                 <a:cs typeface="Calibri" panose="020F0502020204030204" pitchFamily="34" charset="0"/>
               </a:rPr>
-              <a:t>создание документации о прохождении программой испытаний</a:t>
+              <a:t>подключить к программе базу данных</a:t>
             </a:r>
             <a:endParaRPr lang="ru-RU" dirty="0">
               <a:latin typeface="Calibri" panose="020F0502020204030204" pitchFamily="34" charset="0"/>
               <a:ea typeface="Times New Roman" panose="02020603050405020304" pitchFamily="18" charset="0"/>
-              <a:cs typeface="Times New Roman" panose="02020603050405020304" pitchFamily="18" charset="0"/>
+              <a:cs typeface="Calibri" panose="020F0502020204030204" pitchFamily="34" charset="0"/>
             </a:endParaRPr>
           </a:p>
           <a:p>
@@ -9246,62 +10639,189 @@
                 <a:ea typeface="Calibri" panose="020F0502020204030204" pitchFamily="34" charset="0"/>
                 <a:cs typeface="Calibri" panose="020F0502020204030204" pitchFamily="34" charset="0"/>
               </a:rPr>
-              <a:t>разработка модулей, реализующих функциональность программы</a:t>
+              <a:t>разработать удобный интерфейс для пользователя</a:t>
             </a:r>
             <a:endParaRPr lang="ru-RU" dirty="0">
               <a:latin typeface="Calibri" panose="020F0502020204030204" pitchFamily="34" charset="0"/>
-              <a:ea typeface="Times New Roman" panose="02020603050405020304" pitchFamily="18" charset="0"/>
-              <a:cs typeface="Times New Roman" panose="02020603050405020304" pitchFamily="18" charset="0"/>
+              <a:cs typeface="Calibri" panose="020F0502020204030204" pitchFamily="34" charset="0"/>
             </a:endParaRPr>
           </a:p>
-          <a:p>
-            <a:pPr marL="342900" lvl="0" indent="-342900">
-              <a:lnSpc>
-                <a:spcPct val="115000"/>
-              </a:lnSpc>
-              <a:spcAft>
-                <a:spcPts val="1000"/>
-              </a:spcAft>
-              <a:buFont typeface="Arial" panose="020B0604020202020204" pitchFamily="34" charset="0"/>
-              <a:buChar char="•"/>
+        </p:txBody>
+      </p:sp>
+      <p:sp>
+        <p:nvSpPr>
+          <p:cNvPr id="6" name="Прямоугольник 5">
+            <a:extLst>
+              <a:ext uri="{FF2B5EF4-FFF2-40B4-BE49-F238E27FC236}">
+                <a16:creationId xmlns:a16="http://schemas.microsoft.com/office/drawing/2014/main" id="{67D8CB6A-76A5-4E35-A8FA-DC34B99ED65B}"/>
+              </a:ext>
+            </a:extLst>
+          </p:cNvPr>
+          <p:cNvSpPr/>
+          <p:nvPr/>
+        </p:nvSpPr>
+        <p:spPr>
+          <a:xfrm>
+            <a:off x="728904" y="788158"/>
+            <a:ext cx="6826291" cy="523220"/>
+          </a:xfrm>
+          <a:prstGeom prst="rect">
+            <a:avLst/>
+          </a:prstGeom>
+        </p:spPr>
+        <p:txBody>
+          <a:bodyPr wrap="square">
+            <a:spAutoFit/>
+          </a:bodyPr>
+          <a:lstStyle/>
+          <a:p>
+            <a:pPr marL="114300" indent="0">
+              <a:buNone/>
             </a:pPr>
             <a:r>
               <a:rPr lang="ru-RU" dirty="0">
                 <a:latin typeface="Calibri" panose="020F0502020204030204" pitchFamily="34" charset="0"/>
-                <a:ea typeface="Calibri" panose="020F0502020204030204" pitchFamily="34" charset="0"/>
                 <a:cs typeface="Calibri" panose="020F0502020204030204" pitchFamily="34" charset="0"/>
               </a:rPr>
-              <a:t>подключение к программе базы данных</a:t>
-            </a:r>
-            <a:endParaRPr lang="ru-RU" dirty="0">
-              <a:latin typeface="Calibri" panose="020F0502020204030204" pitchFamily="34" charset="0"/>
-              <a:ea typeface="Times New Roman" panose="02020603050405020304" pitchFamily="18" charset="0"/>
-              <a:cs typeface="Times New Roman" panose="02020603050405020304" pitchFamily="18" charset="0"/>
-            </a:endParaRPr>
-          </a:p>
-          <a:p>
-            <a:pPr marL="342900" lvl="0" indent="-342900">
-              <a:lnSpc>
-                <a:spcPct val="115000"/>
-              </a:lnSpc>
-              <a:spcAft>
-                <a:spcPts val="1000"/>
-              </a:spcAft>
-              <a:buFont typeface="Arial" panose="020B0604020202020204" pitchFamily="34" charset="0"/>
-              <a:buChar char="•"/>
-            </a:pPr>
+              <a:t>	Реализуемая задача направлена на автоматизацию процесса поиска работы и упрощение взаимодействия соискателя с сервисом компании </a:t>
+            </a:r>
+            <a:r>
+              <a:rPr lang="ru-RU" dirty="0" err="1">
+                <a:latin typeface="Calibri" panose="020F0502020204030204" pitchFamily="34" charset="0"/>
+                <a:cs typeface="Calibri" panose="020F0502020204030204" pitchFamily="34" charset="0"/>
+              </a:rPr>
+              <a:t>HeadHunter</a:t>
+            </a:r>
             <a:r>
               <a:rPr lang="ru-RU" dirty="0">
                 <a:latin typeface="Calibri" panose="020F0502020204030204" pitchFamily="34" charset="0"/>
-                <a:ea typeface="Calibri" panose="020F0502020204030204" pitchFamily="34" charset="0"/>
                 <a:cs typeface="Calibri" panose="020F0502020204030204" pitchFamily="34" charset="0"/>
               </a:rPr>
-              <a:t>разработка удобного интерфейса для пользователя</a:t>
-            </a:r>
-            <a:endParaRPr lang="ru-RU" dirty="0"/>
+              <a:t>.</a:t>
+            </a:r>
           </a:p>
         </p:txBody>
       </p:sp>
+      <p:pic>
+        <p:nvPicPr>
+          <p:cNvPr id="7" name="Рисунок 6">
+            <a:extLst>
+              <a:ext uri="{FF2B5EF4-FFF2-40B4-BE49-F238E27FC236}">
+                <a16:creationId xmlns:a16="http://schemas.microsoft.com/office/drawing/2014/main" id="{B87B6FF7-1A0F-4D2A-8A0C-04F6505E16B9}"/>
+              </a:ext>
+            </a:extLst>
+          </p:cNvPr>
+          <p:cNvPicPr>
+            <a:picLocks noChangeAspect="1"/>
+          </p:cNvPicPr>
+          <p:nvPr/>
+        </p:nvPicPr>
+        <p:blipFill>
+          <a:blip r:embed="rId3"/>
+          <a:stretch>
+            <a:fillRect/>
+          </a:stretch>
+        </p:blipFill>
+        <p:spPr>
+          <a:xfrm>
+            <a:off x="6628733" y="2336453"/>
+            <a:ext cx="575786" cy="634841"/>
+          </a:xfrm>
+          <a:prstGeom prst="rect">
+            <a:avLst/>
+          </a:prstGeom>
+        </p:spPr>
+      </p:pic>
+      <p:pic>
+        <p:nvPicPr>
+          <p:cNvPr id="8" name="Рисунок 7">
+            <a:extLst>
+              <a:ext uri="{FF2B5EF4-FFF2-40B4-BE49-F238E27FC236}">
+                <a16:creationId xmlns:a16="http://schemas.microsoft.com/office/drawing/2014/main" id="{8D3F149C-C982-472D-B341-913807411A77}"/>
+              </a:ext>
+            </a:extLst>
+          </p:cNvPr>
+          <p:cNvPicPr>
+            <a:picLocks noChangeAspect="1"/>
+          </p:cNvPicPr>
+          <p:nvPr/>
+        </p:nvPicPr>
+        <p:blipFill>
+          <a:blip r:embed="rId4"/>
+          <a:stretch>
+            <a:fillRect/>
+          </a:stretch>
+        </p:blipFill>
+        <p:spPr>
+          <a:xfrm>
+            <a:off x="6654355" y="3812911"/>
+            <a:ext cx="575786" cy="685019"/>
+          </a:xfrm>
+          <a:prstGeom prst="rect">
+            <a:avLst/>
+          </a:prstGeom>
+        </p:spPr>
+      </p:pic>
+      <p:pic>
+        <p:nvPicPr>
+          <p:cNvPr id="9" name="Рисунок 8">
+            <a:extLst>
+              <a:ext uri="{FF2B5EF4-FFF2-40B4-BE49-F238E27FC236}">
+                <a16:creationId xmlns:a16="http://schemas.microsoft.com/office/drawing/2014/main" id="{EB431C53-05D1-49CE-9AD7-5BFFAF6814D9}"/>
+              </a:ext>
+            </a:extLst>
+          </p:cNvPr>
+          <p:cNvPicPr>
+            <a:picLocks noChangeAspect="1"/>
+          </p:cNvPicPr>
+          <p:nvPr/>
+        </p:nvPicPr>
+        <p:blipFill>
+          <a:blip r:embed="rId5"/>
+          <a:stretch>
+            <a:fillRect/>
+          </a:stretch>
+        </p:blipFill>
+        <p:spPr>
+          <a:xfrm>
+            <a:off x="6628733" y="3020384"/>
+            <a:ext cx="575786" cy="736005"/>
+          </a:xfrm>
+          <a:prstGeom prst="rect">
+            <a:avLst/>
+          </a:prstGeom>
+        </p:spPr>
+      </p:pic>
+      <p:pic>
+        <p:nvPicPr>
+          <p:cNvPr id="11" name="Рисунок 10">
+            <a:extLst>
+              <a:ext uri="{FF2B5EF4-FFF2-40B4-BE49-F238E27FC236}">
+                <a16:creationId xmlns:a16="http://schemas.microsoft.com/office/drawing/2014/main" id="{28D7FDEC-8F3F-486E-824B-19B29EF9C3AA}"/>
+              </a:ext>
+            </a:extLst>
+          </p:cNvPr>
+          <p:cNvPicPr>
+            <a:picLocks noChangeAspect="1"/>
+          </p:cNvPicPr>
+          <p:nvPr/>
+        </p:nvPicPr>
+        <p:blipFill>
+          <a:blip r:embed="rId6"/>
+          <a:stretch>
+            <a:fillRect/>
+          </a:stretch>
+        </p:blipFill>
+        <p:spPr>
+          <a:xfrm>
+            <a:off x="7555195" y="604531"/>
+            <a:ext cx="895350" cy="1511873"/>
+          </a:xfrm>
+          <a:prstGeom prst="rect">
+            <a:avLst/>
+          </a:prstGeom>
+        </p:spPr>
+      </p:pic>
     </p:spTree>
   </p:cSld>
   <p:clrMapOvr>
@@ -9339,7 +10859,7 @@
         </p:nvSpPr>
         <p:spPr>
           <a:xfrm>
-            <a:off x="311700" y="-51161"/>
+            <a:off x="311700" y="119918"/>
             <a:ext cx="8520600" cy="572700"/>
           </a:xfrm>
           <a:prstGeom prst="rect">
@@ -9425,15 +10945,15 @@
         </p:nvSpPr>
         <p:spPr>
           <a:xfrm>
-            <a:off x="2125980" y="521539"/>
-            <a:ext cx="4572000" cy="4466672"/>
+            <a:off x="581248" y="887795"/>
+            <a:ext cx="7612379" cy="3356112"/>
           </a:xfrm>
           <a:prstGeom prst="rect">
             <a:avLst/>
           </a:prstGeom>
         </p:spPr>
         <p:txBody>
-          <a:bodyPr>
+          <a:bodyPr wrap="square">
             <a:spAutoFit/>
           </a:bodyPr>
           <a:lstStyle/>
@@ -9445,30 +10965,30 @@
             </a:pPr>
             <a:r>
               <a:rPr lang="ru-RU" dirty="0">
-                <a:latin typeface="Times New Roman" panose="02020603050405020304" pitchFamily="18" charset="0"/>
+                <a:latin typeface="Calibri" panose="020F0502020204030204" pitchFamily="34" charset="0"/>
                 <a:ea typeface="Times New Roman" panose="02020603050405020304" pitchFamily="18" charset="0"/>
+                <a:cs typeface="Calibri" panose="020F0502020204030204" pitchFamily="34" charset="0"/>
               </a:rPr>
-              <a:t>Цель выполнения курсовой работы: создать </a:t>
+              <a:t>Функциональные требования к разрабатываемому программному обеспечению</a:t>
             </a:r>
             <a:r>
               <a:rPr lang="en-US" dirty="0">
-                <a:latin typeface="Times New Roman" panose="02020603050405020304" pitchFamily="18" charset="0"/>
+                <a:latin typeface="Calibri" panose="020F0502020204030204" pitchFamily="34" charset="0"/>
                 <a:ea typeface="Times New Roman" panose="02020603050405020304" pitchFamily="18" charset="0"/>
+                <a:cs typeface="Calibri" panose="020F0502020204030204" pitchFamily="34" charset="0"/>
               </a:rPr>
-              <a:t>Android</a:t>
-            </a:r>
-            <a:r>
-              <a:rPr lang="ru-RU" dirty="0">
-                <a:latin typeface="Times New Roman" panose="02020603050405020304" pitchFamily="18" charset="0"/>
-                <a:ea typeface="Times New Roman" panose="02020603050405020304" pitchFamily="18" charset="0"/>
-              </a:rPr>
-              <a:t> приложение, которое:</a:t>
-            </a:r>
+              <a:t>:</a:t>
+            </a:r>
+            <a:endParaRPr lang="ru-RU" dirty="0">
+              <a:latin typeface="Calibri" panose="020F0502020204030204" pitchFamily="34" charset="0"/>
+              <a:ea typeface="Times New Roman" panose="02020603050405020304" pitchFamily="18" charset="0"/>
+              <a:cs typeface="Calibri" panose="020F0502020204030204" pitchFamily="34" charset="0"/>
+            </a:endParaRPr>
           </a:p>
           <a:p>
             <a:pPr marL="342900" lvl="0" indent="-342900">
               <a:lnSpc>
-                <a:spcPct val="115000"/>
+                <a:spcPct val="150000"/>
               </a:lnSpc>
               <a:spcAft>
                 <a:spcPts val="1000"/>
@@ -9487,7 +11007,7 @@
             <a:endParaRPr lang="ru-RU" sz="1100" dirty="0">
               <a:latin typeface="Calibri" panose="020F0502020204030204" pitchFamily="34" charset="0"/>
               <a:ea typeface="Times New Roman" panose="02020603050405020304" pitchFamily="18" charset="0"/>
-              <a:cs typeface="Times New Roman" panose="02020603050405020304" pitchFamily="18" charset="0"/>
+              <a:cs typeface="Calibri" panose="020F0502020204030204" pitchFamily="34" charset="0"/>
             </a:endParaRPr>
           </a:p>
           <a:p>
@@ -9512,7 +11032,7 @@
             <a:endParaRPr lang="ru-RU" sz="1100" dirty="0">
               <a:latin typeface="Calibri" panose="020F0502020204030204" pitchFamily="34" charset="0"/>
               <a:ea typeface="Times New Roman" panose="02020603050405020304" pitchFamily="18" charset="0"/>
-              <a:cs typeface="Times New Roman" panose="02020603050405020304" pitchFamily="18" charset="0"/>
+              <a:cs typeface="Calibri" panose="020F0502020204030204" pitchFamily="34" charset="0"/>
             </a:endParaRPr>
           </a:p>
           <a:p>
@@ -9537,7 +11057,7 @@
             <a:endParaRPr lang="ru-RU" sz="1100" dirty="0">
               <a:latin typeface="Calibri" panose="020F0502020204030204" pitchFamily="34" charset="0"/>
               <a:ea typeface="Times New Roman" panose="02020603050405020304" pitchFamily="18" charset="0"/>
-              <a:cs typeface="Times New Roman" panose="02020603050405020304" pitchFamily="18" charset="0"/>
+              <a:cs typeface="Calibri" panose="020F0502020204030204" pitchFamily="34" charset="0"/>
             </a:endParaRPr>
           </a:p>
           <a:p>
@@ -9562,7 +11082,7 @@
             <a:endParaRPr lang="ru-RU" sz="1100" dirty="0">
               <a:latin typeface="Calibri" panose="020F0502020204030204" pitchFamily="34" charset="0"/>
               <a:ea typeface="Times New Roman" panose="02020603050405020304" pitchFamily="18" charset="0"/>
-              <a:cs typeface="Times New Roman" panose="02020603050405020304" pitchFamily="18" charset="0"/>
+              <a:cs typeface="Calibri" panose="020F0502020204030204" pitchFamily="34" charset="0"/>
             </a:endParaRPr>
           </a:p>
           <a:p>
@@ -9587,7 +11107,7 @@
             <a:endParaRPr lang="ru-RU" sz="1100" dirty="0">
               <a:latin typeface="Calibri" panose="020F0502020204030204" pitchFamily="34" charset="0"/>
               <a:ea typeface="Times New Roman" panose="02020603050405020304" pitchFamily="18" charset="0"/>
-              <a:cs typeface="Times New Roman" panose="02020603050405020304" pitchFamily="18" charset="0"/>
+              <a:cs typeface="Calibri" panose="020F0502020204030204" pitchFamily="34" charset="0"/>
             </a:endParaRPr>
           </a:p>
           <a:p>
@@ -9612,7 +11132,7 @@
             <a:endParaRPr lang="ru-RU" sz="1100" dirty="0">
               <a:latin typeface="Calibri" panose="020F0502020204030204" pitchFamily="34" charset="0"/>
               <a:ea typeface="Times New Roman" panose="02020603050405020304" pitchFamily="18" charset="0"/>
-              <a:cs typeface="Times New Roman" panose="02020603050405020304" pitchFamily="18" charset="0"/>
+              <a:cs typeface="Calibri" panose="020F0502020204030204" pitchFamily="34" charset="0"/>
             </a:endParaRPr>
           </a:p>
           <a:p>
@@ -9638,11 +11158,119 @@
               <a:effectLst/>
               <a:latin typeface="Calibri" panose="020F0502020204030204" pitchFamily="34" charset="0"/>
               <a:ea typeface="Times New Roman" panose="02020603050405020304" pitchFamily="18" charset="0"/>
-              <a:cs typeface="Times New Roman" panose="02020603050405020304" pitchFamily="18" charset="0"/>
+              <a:cs typeface="Calibri" panose="020F0502020204030204" pitchFamily="34" charset="0"/>
             </a:endParaRPr>
           </a:p>
         </p:txBody>
       </p:sp>
+      <p:pic>
+        <p:nvPicPr>
+          <p:cNvPr id="2" name="Рисунок 1">
+            <a:extLst>
+              <a:ext uri="{FF2B5EF4-FFF2-40B4-BE49-F238E27FC236}">
+                <a16:creationId xmlns:a16="http://schemas.microsoft.com/office/drawing/2014/main" id="{8A45060C-03B8-4A68-B4C2-98AACB71FEC7}"/>
+              </a:ext>
+            </a:extLst>
+          </p:cNvPr>
+          <p:cNvPicPr>
+            <a:picLocks noChangeAspect="1"/>
+          </p:cNvPicPr>
+          <p:nvPr/>
+        </p:nvPicPr>
+        <p:blipFill>
+          <a:blip r:embed="rId3"/>
+          <a:stretch>
+            <a:fillRect/>
+          </a:stretch>
+        </p:blipFill>
+        <p:spPr>
+          <a:xfrm>
+            <a:off x="5040626" y="1245939"/>
+            <a:ext cx="481216" cy="681626"/>
+          </a:xfrm>
+          <a:prstGeom prst="rect">
+            <a:avLst/>
+          </a:prstGeom>
+        </p:spPr>
+      </p:pic>
+      <p:pic>
+        <p:nvPicPr>
+          <p:cNvPr id="3" name="Рисунок 2">
+            <a:extLst>
+              <a:ext uri="{FF2B5EF4-FFF2-40B4-BE49-F238E27FC236}">
+                <a16:creationId xmlns:a16="http://schemas.microsoft.com/office/drawing/2014/main" id="{73665D3D-FB84-441D-9744-0F1BAF463A95}"/>
+              </a:ext>
+            </a:extLst>
+          </p:cNvPr>
+          <p:cNvPicPr>
+            <a:picLocks noChangeAspect="1"/>
+          </p:cNvPicPr>
+          <p:nvPr/>
+        </p:nvPicPr>
+        <p:blipFill>
+          <a:blip r:embed="rId4"/>
+          <a:stretch>
+            <a:fillRect/>
+          </a:stretch>
+        </p:blipFill>
+        <p:spPr>
+          <a:xfrm>
+            <a:off x="5521842" y="3309128"/>
+            <a:ext cx="659799" cy="755577"/>
+          </a:xfrm>
+          <a:prstGeom prst="rect">
+            <a:avLst/>
+          </a:prstGeom>
+        </p:spPr>
+      </p:pic>
+      <p:pic>
+        <p:nvPicPr>
+          <p:cNvPr id="2052" name="Picture 4" descr="ÐÐ¾Ñ+Ð¾Ð¶ÐµÐµ Ð¸Ð·Ð¾Ð±ÑÐ°Ð¶ÐµÐ½Ð¸Ðµ">
+            <a:extLst>
+              <a:ext uri="{FF2B5EF4-FFF2-40B4-BE49-F238E27FC236}">
+                <a16:creationId xmlns:a16="http://schemas.microsoft.com/office/drawing/2014/main" id="{38046F90-ECB9-43F3-B7E3-180C6F85F4F3}"/>
+              </a:ext>
+            </a:extLst>
+          </p:cNvPr>
+          <p:cNvPicPr>
+            <a:picLocks noChangeAspect="1" noChangeArrowheads="1"/>
+          </p:cNvPicPr>
+          <p:nvPr/>
+        </p:nvPicPr>
+        <p:blipFill>
+          <a:blip r:embed="rId5">
+            <a:extLst>
+              <a:ext uri="{28A0092B-C50C-407E-A947-70E740481C1C}">
+                <a14:useLocalDpi xmlns:a14="http://schemas.microsoft.com/office/drawing/2010/main" val="0"/>
+              </a:ext>
+            </a:extLst>
+          </a:blip>
+          <a:srcRect/>
+          <a:stretch>
+            <a:fillRect/>
+          </a:stretch>
+        </p:blipFill>
+        <p:spPr bwMode="auto">
+          <a:xfrm>
+            <a:off x="7366688" y="2096745"/>
+            <a:ext cx="1285874" cy="938212"/>
+          </a:xfrm>
+          <a:prstGeom prst="rect">
+            <a:avLst/>
+          </a:prstGeom>
+          <a:noFill/>
+          <a:extLst>
+            <a:ext uri="{909E8E84-426E-40DD-AFC4-6F175D3DCCD1}">
+              <a14:hiddenFill xmlns:a14="http://schemas.microsoft.com/office/drawing/2010/main">
+                <a:solidFill>
+                  <a:srgbClr val="FFFFFF"/>
+                </a:solidFill>
+              </a14:hiddenFill>
+            </a:ext>
+          </a:extLst>
+        </p:spPr>
+      </p:pic>
     </p:spTree>
   </p:cSld>
   <p:clrMapOvr>
@@ -9779,8 +11407,8 @@
         </p:blipFill>
         <p:spPr bwMode="auto">
           <a:xfrm>
-            <a:off x="673211" y="701750"/>
-            <a:ext cx="7988780" cy="3806456"/>
+            <a:off x="673211" y="723900"/>
+            <a:ext cx="7693549" cy="3784306"/>
           </a:xfrm>
           <a:prstGeom prst="rect">
             <a:avLst/>
@@ -9889,6 +11517,712 @@
               <a:t>7</a:t>
             </a:fld>
             <a:endParaRPr sz="1800" b="1"/>
+          </a:p>
+        </p:txBody>
+      </p:sp>
+      <p:pic>
+        <p:nvPicPr>
+          <p:cNvPr id="4" name="Picture 2" descr="ÐÐ°ÑÑÐ¸Ð½ÐºÐ¸ Ð¿Ð¾ Ð·Ð°Ð¿ÑÐ¾ÑÑ worki">
+            <a:extLst>
+              <a:ext uri="{FF2B5EF4-FFF2-40B4-BE49-F238E27FC236}">
+                <a16:creationId xmlns:a16="http://schemas.microsoft.com/office/drawing/2014/main" id="{62548989-937A-4E75-80EC-C608E077D4FA}"/>
+              </a:ext>
+            </a:extLst>
+          </p:cNvPr>
+          <p:cNvPicPr>
+            <a:picLocks noChangeAspect="1" noChangeArrowheads="1"/>
+          </p:cNvPicPr>
+          <p:nvPr/>
+        </p:nvPicPr>
+        <p:blipFill>
+          <a:blip r:embed="rId3">
+            <a:extLst>
+              <a:ext uri="{28A0092B-C50C-407E-A947-70E740481C1C}">
+                <a14:useLocalDpi xmlns:a14="http://schemas.microsoft.com/office/drawing/2010/main" val="0"/>
+              </a:ext>
+            </a:extLst>
+          </a:blip>
+          <a:srcRect/>
+          <a:stretch>
+            <a:fillRect/>
+          </a:stretch>
+        </p:blipFill>
+        <p:spPr bwMode="auto">
+          <a:xfrm>
+            <a:off x="5139693" y="1016911"/>
+            <a:ext cx="1304647" cy="1304647"/>
+          </a:xfrm>
+          <a:prstGeom prst="rect">
+            <a:avLst/>
+          </a:prstGeom>
+          <a:noFill/>
+          <a:extLst>
+            <a:ext uri="{909E8E84-426E-40DD-AFC4-6F175D3DCCD1}">
+              <a14:hiddenFill xmlns:a14="http://schemas.microsoft.com/office/drawing/2010/main">
+                <a:solidFill>
+                  <a:srgbClr val="FFFFFF"/>
+                </a:solidFill>
+              </a14:hiddenFill>
+            </a:ext>
+          </a:extLst>
+        </p:spPr>
+      </p:pic>
+      <p:pic>
+        <p:nvPicPr>
+          <p:cNvPr id="5" name="Picture 4" descr="ÐÐ°ÑÑÐ¸Ð½ÐºÐ¸ Ð¿Ð¾ Ð·Ð°Ð¿ÑÐ¾ÑÑ hh ru Ð¿ÑÐ¸Ð»Ð¾Ð¶ÐµÐ½Ð¸Ðµ">
+            <a:extLst>
+              <a:ext uri="{FF2B5EF4-FFF2-40B4-BE49-F238E27FC236}">
+                <a16:creationId xmlns:a16="http://schemas.microsoft.com/office/drawing/2014/main" id="{2DF99083-2C22-4816-93CB-296AA10DBD7C}"/>
+              </a:ext>
+            </a:extLst>
+          </p:cNvPr>
+          <p:cNvPicPr>
+            <a:picLocks noChangeAspect="1" noChangeArrowheads="1"/>
+          </p:cNvPicPr>
+          <p:nvPr/>
+        </p:nvPicPr>
+        <p:blipFill>
+          <a:blip r:embed="rId4">
+            <a:extLst>
+              <a:ext uri="{28A0092B-C50C-407E-A947-70E740481C1C}">
+                <a14:useLocalDpi xmlns:a14="http://schemas.microsoft.com/office/drawing/2010/main" val="0"/>
+              </a:ext>
+            </a:extLst>
+          </a:blip>
+          <a:srcRect/>
+          <a:stretch>
+            <a:fillRect/>
+          </a:stretch>
+        </p:blipFill>
+        <p:spPr bwMode="auto">
+          <a:xfrm>
+            <a:off x="889603" y="1134623"/>
+            <a:ext cx="1118389" cy="1118389"/>
+          </a:xfrm>
+          <a:prstGeom prst="rect">
+            <a:avLst/>
+          </a:prstGeom>
+          <a:noFill/>
+          <a:extLst>
+            <a:ext uri="{909E8E84-426E-40DD-AFC4-6F175D3DCCD1}">
+              <a14:hiddenFill xmlns:a14="http://schemas.microsoft.com/office/drawing/2010/main">
+                <a:solidFill>
+                  <a:srgbClr val="FFFFFF"/>
+                </a:solidFill>
+              </a14:hiddenFill>
+            </a:ext>
+          </a:extLst>
+        </p:spPr>
+      </p:pic>
+      <p:pic>
+        <p:nvPicPr>
+          <p:cNvPr id="6" name="Picture 8" descr="ÐÐ¾Ñ+Ð¾Ð¶ÐµÐµ Ð¸Ð·Ð¾Ð±ÑÐ°Ð¶ÐµÐ½Ð¸Ðµ">
+            <a:extLst>
+              <a:ext uri="{FF2B5EF4-FFF2-40B4-BE49-F238E27FC236}">
+                <a16:creationId xmlns:a16="http://schemas.microsoft.com/office/drawing/2014/main" id="{31302051-E86E-4710-85E6-0C2638FD751C}"/>
+              </a:ext>
+            </a:extLst>
+          </p:cNvPr>
+          <p:cNvPicPr>
+            <a:picLocks noChangeAspect="1" noChangeArrowheads="1"/>
+          </p:cNvPicPr>
+          <p:nvPr/>
+        </p:nvPicPr>
+        <p:blipFill>
+          <a:blip r:embed="rId5">
+            <a:extLst>
+              <a:ext uri="{28A0092B-C50C-407E-A947-70E740481C1C}">
+                <a14:useLocalDpi xmlns:a14="http://schemas.microsoft.com/office/drawing/2010/main" val="0"/>
+              </a:ext>
+            </a:extLst>
+          </a:blip>
+          <a:srcRect/>
+          <a:stretch>
+            <a:fillRect/>
+          </a:stretch>
+        </p:blipFill>
+        <p:spPr bwMode="auto">
+          <a:xfrm>
+            <a:off x="3109645" y="1138087"/>
+            <a:ext cx="1118389" cy="1118389"/>
+          </a:xfrm>
+          <a:prstGeom prst="rect">
+            <a:avLst/>
+          </a:prstGeom>
+          <a:noFill/>
+          <a:extLst>
+            <a:ext uri="{909E8E84-426E-40DD-AFC4-6F175D3DCCD1}">
+              <a14:hiddenFill xmlns:a14="http://schemas.microsoft.com/office/drawing/2010/main">
+                <a:solidFill>
+                  <a:srgbClr val="FFFFFF"/>
+                </a:solidFill>
+              </a14:hiddenFill>
+            </a:ext>
+          </a:extLst>
+        </p:spPr>
+      </p:pic>
+      <p:pic>
+        <p:nvPicPr>
+          <p:cNvPr id="7" name="Рисунок 6">
+            <a:extLst>
+              <a:ext uri="{FF2B5EF4-FFF2-40B4-BE49-F238E27FC236}">
+                <a16:creationId xmlns:a16="http://schemas.microsoft.com/office/drawing/2014/main" id="{B5C27A2C-0079-40D4-8E32-CF4637443114}"/>
+              </a:ext>
+            </a:extLst>
+          </p:cNvPr>
+          <p:cNvPicPr>
+            <a:picLocks noChangeAspect="1"/>
+          </p:cNvPicPr>
+          <p:nvPr/>
+        </p:nvPicPr>
+        <p:blipFill>
+          <a:blip r:embed="rId6"/>
+          <a:stretch>
+            <a:fillRect/>
+          </a:stretch>
+        </p:blipFill>
+        <p:spPr>
+          <a:xfrm>
+            <a:off x="7413985" y="1134623"/>
+            <a:ext cx="1036870" cy="1008068"/>
+          </a:xfrm>
+          <a:prstGeom prst="rect">
+            <a:avLst/>
+          </a:prstGeom>
+        </p:spPr>
+      </p:pic>
+      <p:sp>
+        <p:nvSpPr>
+          <p:cNvPr id="8" name="Прямоугольник 7">
+            <a:extLst>
+              <a:ext uri="{FF2B5EF4-FFF2-40B4-BE49-F238E27FC236}">
+                <a16:creationId xmlns:a16="http://schemas.microsoft.com/office/drawing/2014/main" id="{3D9A4C2A-5BDE-4D5F-A991-ACC43D17283F}"/>
+              </a:ext>
+            </a:extLst>
+          </p:cNvPr>
+          <p:cNvSpPr/>
+          <p:nvPr/>
+        </p:nvSpPr>
+        <p:spPr>
+          <a:xfrm>
+            <a:off x="5016095" y="2931570"/>
+            <a:ext cx="4572000" cy="1388906"/>
+          </a:xfrm>
+          <a:prstGeom prst="rect">
+            <a:avLst/>
+          </a:prstGeom>
+        </p:spPr>
+        <p:txBody>
+          <a:bodyPr>
+            <a:spAutoFit/>
+          </a:bodyPr>
+          <a:lstStyle/>
+          <a:p>
+            <a:pPr>
+              <a:lnSpc>
+                <a:spcPct val="107000"/>
+              </a:lnSpc>
+              <a:spcAft>
+                <a:spcPts val="1000"/>
+              </a:spcAft>
+            </a:pPr>
+            <a:r>
+              <a:rPr lang="ru-RU" dirty="0">
+                <a:latin typeface="Calibri" panose="020F0502020204030204" pitchFamily="34" charset="0"/>
+                <a:ea typeface="Calibri" panose="020F0502020204030204" pitchFamily="34" charset="0"/>
+                <a:cs typeface="Calibri" panose="020F0502020204030204" pitchFamily="34" charset="0"/>
+              </a:rPr>
+              <a:t>Недостатки систем-аналогов:</a:t>
+            </a:r>
+            <a:endParaRPr lang="ru-RU" sz="1100" dirty="0">
+              <a:latin typeface="Calibri" panose="020F0502020204030204" pitchFamily="34" charset="0"/>
+              <a:ea typeface="Calibri" panose="020F0502020204030204" pitchFamily="34" charset="0"/>
+              <a:cs typeface="Times New Roman" panose="02020603050405020304" pitchFamily="18" charset="0"/>
+            </a:endParaRPr>
+          </a:p>
+          <a:p>
+            <a:pPr marL="342900" lvl="0" indent="-342900">
+              <a:lnSpc>
+                <a:spcPct val="107000"/>
+              </a:lnSpc>
+              <a:spcAft>
+                <a:spcPts val="1000"/>
+              </a:spcAft>
+              <a:buFont typeface="Symbol" panose="05050102010706020507" pitchFamily="18" charset="2"/>
+              <a:buChar char=""/>
+            </a:pPr>
+            <a:r>
+              <a:rPr lang="ru-RU" dirty="0">
+                <a:latin typeface="Calibri" panose="020F0502020204030204" pitchFamily="34" charset="0"/>
+                <a:ea typeface="Calibri" panose="020F0502020204030204" pitchFamily="34" charset="0"/>
+                <a:cs typeface="Calibri" panose="020F0502020204030204" pitchFamily="34" charset="0"/>
+              </a:rPr>
+              <a:t>навязчивая реклама</a:t>
+            </a:r>
+          </a:p>
+          <a:p>
+            <a:pPr marL="342900" lvl="0" indent="-342900">
+              <a:lnSpc>
+                <a:spcPct val="107000"/>
+              </a:lnSpc>
+              <a:spcAft>
+                <a:spcPts val="1000"/>
+              </a:spcAft>
+              <a:buFont typeface="Symbol" panose="05050102010706020507" pitchFamily="18" charset="2"/>
+              <a:buChar char=""/>
+            </a:pPr>
+            <a:r>
+              <a:rPr lang="ru-RU" dirty="0">
+                <a:latin typeface="Calibri" panose="020F0502020204030204" pitchFamily="34" charset="0"/>
+                <a:ea typeface="Calibri" panose="020F0502020204030204" pitchFamily="34" charset="0"/>
+                <a:cs typeface="Calibri" panose="020F0502020204030204" pitchFamily="34" charset="0"/>
+              </a:rPr>
+              <a:t>постоянные оповещения на почту</a:t>
+            </a:r>
+            <a:endParaRPr lang="ru-RU" sz="1100" dirty="0">
+              <a:latin typeface="Calibri" panose="020F0502020204030204" pitchFamily="34" charset="0"/>
+              <a:ea typeface="Calibri" panose="020F0502020204030204" pitchFamily="34" charset="0"/>
+              <a:cs typeface="Times New Roman" panose="02020603050405020304" pitchFamily="18" charset="0"/>
+            </a:endParaRPr>
+          </a:p>
+          <a:p>
+            <a:pPr marL="342900" lvl="0" indent="-342900">
+              <a:lnSpc>
+                <a:spcPct val="107000"/>
+              </a:lnSpc>
+              <a:spcAft>
+                <a:spcPts val="1000"/>
+              </a:spcAft>
+              <a:buFont typeface="Symbol" panose="05050102010706020507" pitchFamily="18" charset="2"/>
+              <a:buChar char=""/>
+            </a:pPr>
+            <a:r>
+              <a:rPr lang="ru-RU" dirty="0">
+                <a:latin typeface="Calibri" panose="020F0502020204030204" pitchFamily="34" charset="0"/>
+                <a:ea typeface="Calibri" panose="020F0502020204030204" pitchFamily="34" charset="0"/>
+                <a:cs typeface="Calibri" panose="020F0502020204030204" pitchFamily="34" charset="0"/>
+              </a:rPr>
+              <a:t>постоянные </a:t>
+            </a:r>
+            <a:r>
+              <a:rPr lang="en-US" dirty="0">
+                <a:latin typeface="Calibri" panose="020F0502020204030204" pitchFamily="34" charset="0"/>
+                <a:ea typeface="Calibri" panose="020F0502020204030204" pitchFamily="34" charset="0"/>
+                <a:cs typeface="Calibri" panose="020F0502020204030204" pitchFamily="34" charset="0"/>
+              </a:rPr>
+              <a:t>push</a:t>
+            </a:r>
+            <a:r>
+              <a:rPr lang="ru-RU" dirty="0">
+                <a:latin typeface="Calibri" panose="020F0502020204030204" pitchFamily="34" charset="0"/>
+                <a:ea typeface="Calibri" panose="020F0502020204030204" pitchFamily="34" charset="0"/>
+                <a:cs typeface="Calibri" panose="020F0502020204030204" pitchFamily="34" charset="0"/>
+              </a:rPr>
+              <a:t>-уведомления</a:t>
+            </a:r>
+            <a:endParaRPr lang="ru-RU" sz="1100" dirty="0">
+              <a:latin typeface="Calibri" panose="020F0502020204030204" pitchFamily="34" charset="0"/>
+              <a:ea typeface="Calibri" panose="020F0502020204030204" pitchFamily="34" charset="0"/>
+              <a:cs typeface="Times New Roman" panose="02020603050405020304" pitchFamily="18" charset="0"/>
+            </a:endParaRPr>
+          </a:p>
+        </p:txBody>
+      </p:sp>
+      <p:sp>
+        <p:nvSpPr>
+          <p:cNvPr id="9" name="Прямоугольник 8">
+            <a:extLst>
+              <a:ext uri="{FF2B5EF4-FFF2-40B4-BE49-F238E27FC236}">
+                <a16:creationId xmlns:a16="http://schemas.microsoft.com/office/drawing/2014/main" id="{D9C7FE38-D227-43A3-A140-FA0E49CCD868}"/>
+              </a:ext>
+            </a:extLst>
+          </p:cNvPr>
+          <p:cNvSpPr/>
+          <p:nvPr/>
+        </p:nvSpPr>
+        <p:spPr>
+          <a:xfrm>
+            <a:off x="2536958" y="2284554"/>
+            <a:ext cx="2263761" cy="312650"/>
+          </a:xfrm>
+          <a:prstGeom prst="rect">
+            <a:avLst/>
+          </a:prstGeom>
+        </p:spPr>
+        <p:txBody>
+          <a:bodyPr wrap="none">
+            <a:spAutoFit/>
+          </a:bodyPr>
+          <a:lstStyle/>
+          <a:p>
+            <a:pPr lvl="0">
+              <a:lnSpc>
+                <a:spcPct val="107000"/>
+              </a:lnSpc>
+              <a:spcAft>
+                <a:spcPts val="1000"/>
+              </a:spcAft>
+            </a:pPr>
+            <a:r>
+              <a:rPr lang="ru-RU" dirty="0" err="1">
+                <a:latin typeface="Calibri" panose="020F0502020204030204" pitchFamily="34" charset="0"/>
+                <a:ea typeface="Calibri" panose="020F0502020204030204" pitchFamily="34" charset="0"/>
+                <a:cs typeface="Calibri" panose="020F0502020204030204" pitchFamily="34" charset="0"/>
+              </a:rPr>
+              <a:t>Яндекс.Работа</a:t>
+            </a:r>
+            <a:r>
+              <a:rPr lang="ru-RU" dirty="0">
+                <a:latin typeface="Calibri" panose="020F0502020204030204" pitchFamily="34" charset="0"/>
+                <a:ea typeface="Calibri" panose="020F0502020204030204" pitchFamily="34" charset="0"/>
+                <a:cs typeface="Calibri" panose="020F0502020204030204" pitchFamily="34" charset="0"/>
+              </a:rPr>
+              <a:t> – вакансии</a:t>
+            </a:r>
+            <a:endParaRPr lang="ru-RU" sz="1100" dirty="0">
+              <a:latin typeface="Calibri" panose="020F0502020204030204" pitchFamily="34" charset="0"/>
+              <a:ea typeface="Calibri" panose="020F0502020204030204" pitchFamily="34" charset="0"/>
+              <a:cs typeface="Times New Roman" panose="02020603050405020304" pitchFamily="18" charset="0"/>
+            </a:endParaRPr>
+          </a:p>
+        </p:txBody>
+      </p:sp>
+      <p:sp>
+        <p:nvSpPr>
+          <p:cNvPr id="10" name="Прямоугольник 9">
+            <a:extLst>
+              <a:ext uri="{FF2B5EF4-FFF2-40B4-BE49-F238E27FC236}">
+                <a16:creationId xmlns:a16="http://schemas.microsoft.com/office/drawing/2014/main" id="{36799FD2-6921-4EA5-B2F0-992760FB18AE}"/>
+              </a:ext>
+            </a:extLst>
+          </p:cNvPr>
+          <p:cNvSpPr/>
+          <p:nvPr/>
+        </p:nvSpPr>
+        <p:spPr>
+          <a:xfrm>
+            <a:off x="4669643" y="2276180"/>
+            <a:ext cx="2632452" cy="312650"/>
+          </a:xfrm>
+          <a:prstGeom prst="rect">
+            <a:avLst/>
+          </a:prstGeom>
+        </p:spPr>
+        <p:txBody>
+          <a:bodyPr wrap="none">
+            <a:spAutoFit/>
+          </a:bodyPr>
+          <a:lstStyle/>
+          <a:p>
+            <a:pPr lvl="0">
+              <a:lnSpc>
+                <a:spcPct val="107000"/>
+              </a:lnSpc>
+              <a:spcAft>
+                <a:spcPts val="1000"/>
+              </a:spcAft>
+            </a:pPr>
+            <a:r>
+              <a:rPr lang="ru-RU" dirty="0" err="1">
+                <a:latin typeface="Calibri" panose="020F0502020204030204" pitchFamily="34" charset="0"/>
+                <a:ea typeface="Calibri" panose="020F0502020204030204" pitchFamily="34" charset="0"/>
+                <a:cs typeface="Calibri" panose="020F0502020204030204" pitchFamily="34" charset="0"/>
+              </a:rPr>
+              <a:t>Worki</a:t>
+            </a:r>
+            <a:r>
+              <a:rPr lang="ru-RU" dirty="0">
+                <a:latin typeface="Calibri" panose="020F0502020204030204" pitchFamily="34" charset="0"/>
+                <a:ea typeface="Calibri" panose="020F0502020204030204" pitchFamily="34" charset="0"/>
+                <a:cs typeface="Calibri" panose="020F0502020204030204" pitchFamily="34" charset="0"/>
+              </a:rPr>
+              <a:t> – работа рядом с домом</a:t>
+            </a:r>
+            <a:endParaRPr lang="ru-RU" sz="1100" dirty="0">
+              <a:latin typeface="Calibri" panose="020F0502020204030204" pitchFamily="34" charset="0"/>
+              <a:ea typeface="Calibri" panose="020F0502020204030204" pitchFamily="34" charset="0"/>
+              <a:cs typeface="Times New Roman" panose="02020603050405020304" pitchFamily="18" charset="0"/>
+            </a:endParaRPr>
+          </a:p>
+        </p:txBody>
+      </p:sp>
+      <p:sp>
+        <p:nvSpPr>
+          <p:cNvPr id="11" name="Прямоугольник 10">
+            <a:extLst>
+              <a:ext uri="{FF2B5EF4-FFF2-40B4-BE49-F238E27FC236}">
+                <a16:creationId xmlns:a16="http://schemas.microsoft.com/office/drawing/2014/main" id="{5A757801-F64F-423D-88EB-B40B4CB26373}"/>
+              </a:ext>
+            </a:extLst>
+          </p:cNvPr>
+          <p:cNvSpPr/>
+          <p:nvPr/>
+        </p:nvSpPr>
+        <p:spPr>
+          <a:xfrm>
+            <a:off x="7229343" y="2276180"/>
+            <a:ext cx="1406154" cy="312650"/>
+          </a:xfrm>
+          <a:prstGeom prst="rect">
+            <a:avLst/>
+          </a:prstGeom>
+        </p:spPr>
+        <p:txBody>
+          <a:bodyPr wrap="none">
+            <a:spAutoFit/>
+          </a:bodyPr>
+          <a:lstStyle/>
+          <a:p>
+            <a:pPr lvl="0">
+              <a:lnSpc>
+                <a:spcPct val="107000"/>
+              </a:lnSpc>
+              <a:spcAft>
+                <a:spcPts val="1000"/>
+              </a:spcAft>
+            </a:pPr>
+            <a:r>
+              <a:rPr lang="ru-RU" dirty="0">
+                <a:latin typeface="Calibri" panose="020F0502020204030204" pitchFamily="34" charset="0"/>
+                <a:ea typeface="Calibri" panose="020F0502020204030204" pitchFamily="34" charset="0"/>
+                <a:cs typeface="Calibri" panose="020F0502020204030204" pitchFamily="34" charset="0"/>
+              </a:rPr>
+              <a:t>Работа </a:t>
+            </a:r>
+            <a:r>
+              <a:rPr lang="ru-RU" dirty="0" err="1">
+                <a:latin typeface="Calibri" panose="020F0502020204030204" pitchFamily="34" charset="0"/>
+                <a:ea typeface="Calibri" panose="020F0502020204030204" pitchFamily="34" charset="0"/>
+                <a:cs typeface="Calibri" panose="020F0502020204030204" pitchFamily="34" charset="0"/>
+              </a:rPr>
+              <a:t>Superjob</a:t>
+            </a:r>
+            <a:endParaRPr lang="ru-RU" sz="1100" dirty="0">
+              <a:latin typeface="Calibri" panose="020F0502020204030204" pitchFamily="34" charset="0"/>
+              <a:ea typeface="Calibri" panose="020F0502020204030204" pitchFamily="34" charset="0"/>
+              <a:cs typeface="Times New Roman" panose="02020603050405020304" pitchFamily="18" charset="0"/>
+            </a:endParaRPr>
+          </a:p>
+        </p:txBody>
+      </p:sp>
+      <p:sp>
+        <p:nvSpPr>
+          <p:cNvPr id="12" name="Прямоугольник 11">
+            <a:extLst>
+              <a:ext uri="{FF2B5EF4-FFF2-40B4-BE49-F238E27FC236}">
+                <a16:creationId xmlns:a16="http://schemas.microsoft.com/office/drawing/2014/main" id="{4CA1FF8D-E30F-4BC1-A7C4-69C0424683E9}"/>
+              </a:ext>
+            </a:extLst>
+          </p:cNvPr>
+          <p:cNvSpPr/>
+          <p:nvPr/>
+        </p:nvSpPr>
+        <p:spPr>
+          <a:xfrm>
+            <a:off x="259638" y="2286990"/>
+            <a:ext cx="2366353" cy="307777"/>
+          </a:xfrm>
+          <a:prstGeom prst="rect">
+            <a:avLst/>
+          </a:prstGeom>
+        </p:spPr>
+        <p:txBody>
+          <a:bodyPr wrap="none">
+            <a:spAutoFit/>
+          </a:bodyPr>
+          <a:lstStyle/>
+          <a:p>
+            <a:r>
+              <a:rPr lang="ru-RU" dirty="0" err="1">
+                <a:latin typeface="Calibri" panose="020F0502020204030204" pitchFamily="34" charset="0"/>
+                <a:ea typeface="Calibri" panose="020F0502020204030204" pitchFamily="34" charset="0"/>
+                <a:cs typeface="Calibri" panose="020F0502020204030204" pitchFamily="34" charset="0"/>
+              </a:rPr>
+              <a:t>hh.Вакансии</a:t>
+            </a:r>
+            <a:r>
+              <a:rPr lang="ru-RU" dirty="0">
+                <a:latin typeface="Calibri" panose="020F0502020204030204" pitchFamily="34" charset="0"/>
+                <a:ea typeface="Calibri" panose="020F0502020204030204" pitchFamily="34" charset="0"/>
+                <a:cs typeface="Calibri" panose="020F0502020204030204" pitchFamily="34" charset="0"/>
+              </a:rPr>
+              <a:t> рядом с домом</a:t>
+            </a:r>
+            <a:endParaRPr lang="ru-RU" dirty="0"/>
+          </a:p>
+        </p:txBody>
+      </p:sp>
+      <p:sp>
+        <p:nvSpPr>
+          <p:cNvPr id="14" name="Прямоугольник 13">
+            <a:extLst>
+              <a:ext uri="{FF2B5EF4-FFF2-40B4-BE49-F238E27FC236}">
+                <a16:creationId xmlns:a16="http://schemas.microsoft.com/office/drawing/2014/main" id="{8B4985C1-0E08-47B4-A763-96F89CC2065B}"/>
+              </a:ext>
+            </a:extLst>
+          </p:cNvPr>
+          <p:cNvSpPr/>
+          <p:nvPr/>
+        </p:nvSpPr>
+        <p:spPr>
+          <a:xfrm>
+            <a:off x="140432" y="804984"/>
+            <a:ext cx="10110486" cy="312650"/>
+          </a:xfrm>
+          <a:prstGeom prst="rect">
+            <a:avLst/>
+          </a:prstGeom>
+        </p:spPr>
+        <p:txBody>
+          <a:bodyPr wrap="square">
+            <a:spAutoFit/>
+          </a:bodyPr>
+          <a:lstStyle/>
+          <a:p>
+            <a:pPr>
+              <a:lnSpc>
+                <a:spcPct val="107000"/>
+              </a:lnSpc>
+              <a:spcAft>
+                <a:spcPts val="1000"/>
+              </a:spcAft>
+            </a:pPr>
+            <a:r>
+              <a:rPr lang="ru-RU" dirty="0">
+                <a:latin typeface="Calibri" panose="020F0502020204030204" pitchFamily="34" charset="0"/>
+                <a:ea typeface="Calibri" panose="020F0502020204030204" pitchFamily="34" charset="0"/>
+                <a:cs typeface="Calibri" panose="020F0502020204030204" pitchFamily="34" charset="0"/>
+              </a:rPr>
+              <a:t>Перечень самых популярных сторонних систем-аналогов, являющихся конкурентами разрабатываемой системы:</a:t>
+            </a:r>
+            <a:endParaRPr lang="ru-RU" sz="1100" dirty="0">
+              <a:latin typeface="Calibri" panose="020F0502020204030204" pitchFamily="34" charset="0"/>
+              <a:ea typeface="Calibri" panose="020F0502020204030204" pitchFamily="34" charset="0"/>
+              <a:cs typeface="Times New Roman" panose="02020603050405020304" pitchFamily="18" charset="0"/>
+            </a:endParaRPr>
+          </a:p>
+        </p:txBody>
+      </p:sp>
+      <p:sp>
+        <p:nvSpPr>
+          <p:cNvPr id="15" name="Прямоугольник 14">
+            <a:extLst>
+              <a:ext uri="{FF2B5EF4-FFF2-40B4-BE49-F238E27FC236}">
+                <a16:creationId xmlns:a16="http://schemas.microsoft.com/office/drawing/2014/main" id="{3914710C-7A78-4D3C-BC1B-389AC6F4B93D}"/>
+              </a:ext>
+            </a:extLst>
+          </p:cNvPr>
+          <p:cNvSpPr/>
+          <p:nvPr/>
+        </p:nvSpPr>
+        <p:spPr>
+          <a:xfrm>
+            <a:off x="339991" y="2951020"/>
+            <a:ext cx="4572000" cy="1387496"/>
+          </a:xfrm>
+          <a:prstGeom prst="rect">
+            <a:avLst/>
+          </a:prstGeom>
+        </p:spPr>
+        <p:txBody>
+          <a:bodyPr>
+            <a:spAutoFit/>
+          </a:bodyPr>
+          <a:lstStyle/>
+          <a:p>
+            <a:pPr>
+              <a:lnSpc>
+                <a:spcPct val="107000"/>
+              </a:lnSpc>
+              <a:spcAft>
+                <a:spcPts val="1000"/>
+              </a:spcAft>
+            </a:pPr>
+            <a:r>
+              <a:rPr lang="ru-RU" dirty="0">
+                <a:latin typeface="Calibri" panose="020F0502020204030204" pitchFamily="34" charset="0"/>
+                <a:ea typeface="Calibri" panose="020F0502020204030204" pitchFamily="34" charset="0"/>
+                <a:cs typeface="Calibri" panose="020F0502020204030204" pitchFamily="34" charset="0"/>
+              </a:rPr>
+              <a:t>Преимущества систем-аналогов:</a:t>
+            </a:r>
+            <a:endParaRPr lang="ru-RU" sz="1100" dirty="0">
+              <a:latin typeface="Calibri" panose="020F0502020204030204" pitchFamily="34" charset="0"/>
+              <a:ea typeface="Calibri" panose="020F0502020204030204" pitchFamily="34" charset="0"/>
+              <a:cs typeface="Times New Roman" panose="02020603050405020304" pitchFamily="18" charset="0"/>
+            </a:endParaRPr>
+          </a:p>
+          <a:p>
+            <a:pPr marL="342900" lvl="0" indent="-342900">
+              <a:lnSpc>
+                <a:spcPct val="107000"/>
+              </a:lnSpc>
+              <a:spcAft>
+                <a:spcPts val="1000"/>
+              </a:spcAft>
+              <a:buFont typeface="Symbol" panose="05050102010706020507" pitchFamily="18" charset="2"/>
+              <a:buChar char=""/>
+            </a:pPr>
+            <a:r>
+              <a:rPr lang="ru-RU" dirty="0">
+                <a:latin typeface="Calibri" panose="020F0502020204030204" pitchFamily="34" charset="0"/>
+                <a:ea typeface="Calibri" panose="020F0502020204030204" pitchFamily="34" charset="0"/>
+                <a:cs typeface="Calibri" panose="020F0502020204030204" pitchFamily="34" charset="0"/>
+              </a:rPr>
+              <a:t>возможность регистрации из приложения</a:t>
+            </a:r>
+            <a:endParaRPr lang="ru-RU" sz="1100" dirty="0">
+              <a:latin typeface="Calibri" panose="020F0502020204030204" pitchFamily="34" charset="0"/>
+              <a:ea typeface="Calibri" panose="020F0502020204030204" pitchFamily="34" charset="0"/>
+              <a:cs typeface="Times New Roman" panose="02020603050405020304" pitchFamily="18" charset="0"/>
+            </a:endParaRPr>
+          </a:p>
+          <a:p>
+            <a:pPr marL="342900" lvl="0" indent="-342900">
+              <a:lnSpc>
+                <a:spcPct val="107000"/>
+              </a:lnSpc>
+              <a:spcAft>
+                <a:spcPts val="1000"/>
+              </a:spcAft>
+              <a:buFont typeface="Symbol" panose="05050102010706020507" pitchFamily="18" charset="2"/>
+              <a:buChar char=""/>
+            </a:pPr>
+            <a:r>
+              <a:rPr lang="ru-RU" dirty="0">
+                <a:latin typeface="Calibri" panose="020F0502020204030204" pitchFamily="34" charset="0"/>
+                <a:ea typeface="Calibri" panose="020F0502020204030204" pitchFamily="34" charset="0"/>
+                <a:cs typeface="Calibri" panose="020F0502020204030204" pitchFamily="34" charset="0"/>
+              </a:rPr>
+              <a:t>возможность настройки приложения</a:t>
+            </a:r>
+            <a:endParaRPr lang="ru-RU" sz="1100" dirty="0">
+              <a:latin typeface="Calibri" panose="020F0502020204030204" pitchFamily="34" charset="0"/>
+              <a:ea typeface="Calibri" panose="020F0502020204030204" pitchFamily="34" charset="0"/>
+              <a:cs typeface="Times New Roman" panose="02020603050405020304" pitchFamily="18" charset="0"/>
+            </a:endParaRPr>
+          </a:p>
+          <a:p>
+            <a:pPr marL="342900" lvl="0" indent="-342900">
+              <a:lnSpc>
+                <a:spcPct val="107000"/>
+              </a:lnSpc>
+              <a:spcAft>
+                <a:spcPts val="1000"/>
+              </a:spcAft>
+              <a:buFont typeface="Symbol" panose="05050102010706020507" pitchFamily="18" charset="2"/>
+              <a:buChar char=""/>
+            </a:pPr>
+            <a:r>
+              <a:rPr lang="ru-RU" dirty="0">
+                <a:latin typeface="Calibri" panose="020F0502020204030204" pitchFamily="34" charset="0"/>
+                <a:ea typeface="Calibri" panose="020F0502020204030204" pitchFamily="34" charset="0"/>
+                <a:cs typeface="Calibri" panose="020F0502020204030204" pitchFamily="34" charset="0"/>
+              </a:rPr>
+              <a:t>заслуженное доверие пользователей</a:t>
+            </a:r>
+            <a:endParaRPr lang="ru-RU" dirty="0"/>
           </a:p>
         </p:txBody>
       </p:sp>
@@ -9929,7 +12263,7 @@
         </p:nvSpPr>
         <p:spPr>
           <a:xfrm>
-            <a:off x="311700" y="86683"/>
+            <a:off x="311700" y="0"/>
             <a:ext cx="8520600" cy="572700"/>
           </a:xfrm>
           <a:prstGeom prst="rect">
@@ -9956,48 +12290,6 @@
               <a:t>Анализ предметной области</a:t>
             </a:r>
             <a:endParaRPr b="1" dirty="0"/>
-          </a:p>
-        </p:txBody>
-      </p:sp>
-      <p:sp>
-        <p:nvSpPr>
-          <p:cNvPr id="130" name="Google Shape;130;p20"/>
-          <p:cNvSpPr txBox="1">
-            <a:spLocks noGrp="1"/>
-          </p:cNvSpPr>
-          <p:nvPr>
-            <p:ph type="sldNum" idx="12"/>
-          </p:nvPr>
-        </p:nvSpPr>
-        <p:spPr>
-          <a:xfrm>
-            <a:off x="8472458" y="4663217"/>
-            <a:ext cx="548700" cy="393600"/>
-          </a:xfrm>
-          <a:prstGeom prst="rect">
-            <a:avLst/>
-          </a:prstGeom>
-        </p:spPr>
-        <p:txBody>
-          <a:bodyPr spcFirstLastPara="1" wrap="square" lIns="91425" tIns="91425" rIns="91425" bIns="91425" anchor="ctr" anchorCtr="0">
-            <a:noAutofit/>
-          </a:bodyPr>
-          <a:lstStyle/>
-          <a:p>
-            <a:pPr marL="0" lvl="0" indent="0" algn="r" rtl="0">
-              <a:spcBef>
-                <a:spcPts val="0"/>
-              </a:spcBef>
-              <a:spcAft>
-                <a:spcPts val="0"/>
-              </a:spcAft>
-              <a:buNone/>
-            </a:pPr>
-            <a:fld id="{00000000-1234-1234-1234-123412341234}" type="slidenum">
-              <a:rPr lang="ru" sz="1800" b="1"/>
-              <a:t>8</a:t>
-            </a:fld>
-            <a:endParaRPr sz="1800" b="1" dirty="0"/>
           </a:p>
         </p:txBody>
       </p:sp>
@@ -10030,8 +12322,8 @@
         </p:blipFill>
         <p:spPr bwMode="auto">
           <a:xfrm>
-            <a:off x="4354697" y="725061"/>
-            <a:ext cx="2403527" cy="1137920"/>
+            <a:off x="5172741" y="1322617"/>
+            <a:ext cx="2309463" cy="1093386"/>
           </a:xfrm>
           <a:prstGeom prst="rect">
             <a:avLst/>
@@ -10077,8 +12369,8 @@
         </p:blipFill>
         <p:spPr bwMode="auto">
           <a:xfrm>
-            <a:off x="1948768" y="535667"/>
-            <a:ext cx="2645993" cy="1676669"/>
+            <a:off x="989064" y="1136695"/>
+            <a:ext cx="2699016" cy="1710267"/>
           </a:xfrm>
           <a:prstGeom prst="rect">
             <a:avLst/>
@@ -10124,273 +12416,8 @@
         </p:blipFill>
         <p:spPr bwMode="auto">
           <a:xfrm>
-            <a:off x="74211" y="682966"/>
-            <a:ext cx="1990759" cy="1114618"/>
-          </a:xfrm>
-          <a:prstGeom prst="rect">
-            <a:avLst/>
-          </a:prstGeom>
-          <a:noFill/>
-          <a:extLst>
-            <a:ext uri="{909E8E84-426E-40DD-AFC4-6F175D3DCCD1}">
-              <a14:hiddenFill xmlns:a14="http://schemas.microsoft.com/office/drawing/2010/main">
-                <a:solidFill>
-                  <a:srgbClr val="FFFFFF"/>
-                </a:solidFill>
-              </a14:hiddenFill>
-            </a:ext>
-          </a:extLst>
-        </p:spPr>
-      </p:pic>
-      <p:pic>
-        <p:nvPicPr>
-          <p:cNvPr id="1036" name="Picture 12" descr="ÐÐ°ÑÑÐ¸Ð½ÐºÐ¸ Ð¿Ð¾ Ð·Ð°Ð¿ÑÐ¾ÑÑ trello logo">
-            <a:extLst>
-              <a:ext uri="{FF2B5EF4-FFF2-40B4-BE49-F238E27FC236}">
-                <a16:creationId xmlns:a16="http://schemas.microsoft.com/office/drawing/2014/main" id="{CD618342-EA69-4221-8BB9-C46E8AFDE785}"/>
-              </a:ext>
-            </a:extLst>
-          </p:cNvPr>
-          <p:cNvPicPr>
-            <a:picLocks noChangeAspect="1" noChangeArrowheads="1"/>
-          </p:cNvPicPr>
-          <p:nvPr/>
-        </p:nvPicPr>
-        <p:blipFill>
-          <a:blip r:embed="rId6">
-            <a:extLst>
-              <a:ext uri="{28A0092B-C50C-407E-A947-70E740481C1C}">
-                <a14:useLocalDpi xmlns:a14="http://schemas.microsoft.com/office/drawing/2010/main" val="0"/>
-              </a:ext>
-            </a:extLst>
-          </a:blip>
-          <a:srcRect/>
-          <a:stretch>
-            <a:fillRect/>
-          </a:stretch>
-        </p:blipFill>
-        <p:spPr bwMode="auto">
-          <a:xfrm>
-            <a:off x="74211" y="2290618"/>
-            <a:ext cx="3181704" cy="977711"/>
-          </a:xfrm>
-          <a:prstGeom prst="rect">
-            <a:avLst/>
-          </a:prstGeom>
-          <a:noFill/>
-          <a:extLst>
-            <a:ext uri="{909E8E84-426E-40DD-AFC4-6F175D3DCCD1}">
-              <a14:hiddenFill xmlns:a14="http://schemas.microsoft.com/office/drawing/2010/main">
-                <a:solidFill>
-                  <a:srgbClr val="FFFFFF"/>
-                </a:solidFill>
-              </a14:hiddenFill>
-            </a:ext>
-          </a:extLst>
-        </p:spPr>
-      </p:pic>
-      <p:pic>
-        <p:nvPicPr>
-          <p:cNvPr id="1038" name="Picture 14" descr="ÐÐ°ÑÑÐ¸Ð½ÐºÐ¸ Ð¿Ð¾ Ð·Ð°Ð¿ÑÐ¾ÑÑ slack logo">
-            <a:extLst>
-              <a:ext uri="{FF2B5EF4-FFF2-40B4-BE49-F238E27FC236}">
-                <a16:creationId xmlns:a16="http://schemas.microsoft.com/office/drawing/2014/main" id="{022E1A08-9306-477A-A4A1-54890F1A5A30}"/>
-              </a:ext>
-            </a:extLst>
-          </p:cNvPr>
-          <p:cNvPicPr>
-            <a:picLocks noChangeAspect="1" noChangeArrowheads="1"/>
-          </p:cNvPicPr>
-          <p:nvPr/>
-        </p:nvPicPr>
-        <p:blipFill>
-          <a:blip r:embed="rId7">
-            <a:extLst>
-              <a:ext uri="{28A0092B-C50C-407E-A947-70E740481C1C}">
-                <a14:useLocalDpi xmlns:a14="http://schemas.microsoft.com/office/drawing/2010/main" val="0"/>
-              </a:ext>
-            </a:extLst>
-          </a:blip>
-          <a:srcRect/>
-          <a:stretch>
-            <a:fillRect/>
-          </a:stretch>
-        </p:blipFill>
-        <p:spPr bwMode="auto">
-          <a:xfrm>
-            <a:off x="4429561" y="3388707"/>
-            <a:ext cx="2977079" cy="1673432"/>
-          </a:xfrm>
-          <a:prstGeom prst="rect">
-            <a:avLst/>
-          </a:prstGeom>
-          <a:noFill/>
-          <a:extLst>
-            <a:ext uri="{909E8E84-426E-40DD-AFC4-6F175D3DCCD1}">
-              <a14:hiddenFill xmlns:a14="http://schemas.microsoft.com/office/drawing/2010/main">
-                <a:solidFill>
-                  <a:srgbClr val="FFFFFF"/>
-                </a:solidFill>
-              </a14:hiddenFill>
-            </a:ext>
-          </a:extLst>
-        </p:spPr>
-      </p:pic>
-      <p:pic>
-        <p:nvPicPr>
-          <p:cNvPr id="1042" name="Picture 18" descr="ÐÐ°ÑÑÐ¸Ð½ÐºÐ¸ Ð¿Ð¾ Ð·Ð°Ð¿ÑÐ¾ÑÑ miro logo">
-            <a:extLst>
-              <a:ext uri="{FF2B5EF4-FFF2-40B4-BE49-F238E27FC236}">
-                <a16:creationId xmlns:a16="http://schemas.microsoft.com/office/drawing/2014/main" id="{30B9E00C-F516-4225-B7C7-2CE3387C4D03}"/>
-              </a:ext>
-            </a:extLst>
-          </p:cNvPr>
-          <p:cNvPicPr>
-            <a:picLocks noChangeAspect="1" noChangeArrowheads="1"/>
-          </p:cNvPicPr>
-          <p:nvPr/>
-        </p:nvPicPr>
-        <p:blipFill>
-          <a:blip r:embed="rId8">
-            <a:extLst>
-              <a:ext uri="{28A0092B-C50C-407E-A947-70E740481C1C}">
-                <a14:useLocalDpi xmlns:a14="http://schemas.microsoft.com/office/drawing/2010/main" val="0"/>
-              </a:ext>
-            </a:extLst>
-          </a:blip>
-          <a:srcRect/>
-          <a:stretch>
-            <a:fillRect/>
-          </a:stretch>
-        </p:blipFill>
-        <p:spPr bwMode="auto">
-          <a:xfrm>
-            <a:off x="3727661" y="2492617"/>
-            <a:ext cx="1174174" cy="651707"/>
-          </a:xfrm>
-          <a:prstGeom prst="rect">
-            <a:avLst/>
-          </a:prstGeom>
-          <a:noFill/>
-          <a:extLst>
-            <a:ext uri="{909E8E84-426E-40DD-AFC4-6F175D3DCCD1}">
-              <a14:hiddenFill xmlns:a14="http://schemas.microsoft.com/office/drawing/2010/main">
-                <a:solidFill>
-                  <a:srgbClr val="FFFFFF"/>
-                </a:solidFill>
-              </a14:hiddenFill>
-            </a:ext>
-          </a:extLst>
-        </p:spPr>
-      </p:pic>
-      <p:pic>
-        <p:nvPicPr>
-          <p:cNvPr id="1044" name="Picture 20" descr="ÐÐ°ÑÑÐ¸Ð½ÐºÐ¸ Ð¿Ð¾ Ð·Ð°Ð¿ÑÐ¾ÑÑ miro logo">
-            <a:extLst>
-              <a:ext uri="{FF2B5EF4-FFF2-40B4-BE49-F238E27FC236}">
-                <a16:creationId xmlns:a16="http://schemas.microsoft.com/office/drawing/2014/main" id="{167FA117-14F6-4A32-9EAC-F6CFF7B7624A}"/>
-              </a:ext>
-            </a:extLst>
-          </p:cNvPr>
-          <p:cNvPicPr>
-            <a:picLocks noChangeAspect="1" noChangeArrowheads="1"/>
-          </p:cNvPicPr>
-          <p:nvPr/>
-        </p:nvPicPr>
-        <p:blipFill>
-          <a:blip r:embed="rId9">
-            <a:extLst>
-              <a:ext uri="{28A0092B-C50C-407E-A947-70E740481C1C}">
-                <a14:useLocalDpi xmlns:a14="http://schemas.microsoft.com/office/drawing/2010/main" val="0"/>
-              </a:ext>
-            </a:extLst>
-          </a:blip>
-          <a:srcRect/>
-          <a:stretch>
-            <a:fillRect/>
-          </a:stretch>
-        </p:blipFill>
-        <p:spPr bwMode="auto">
-          <a:xfrm>
-            <a:off x="4901835" y="2489698"/>
-            <a:ext cx="654626" cy="654626"/>
-          </a:xfrm>
-          <a:prstGeom prst="rect">
-            <a:avLst/>
-          </a:prstGeom>
-          <a:noFill/>
-          <a:extLst>
-            <a:ext uri="{909E8E84-426E-40DD-AFC4-6F175D3DCCD1}">
-              <a14:hiddenFill xmlns:a14="http://schemas.microsoft.com/office/drawing/2010/main">
-                <a:solidFill>
-                  <a:srgbClr val="FFFFFF"/>
-                </a:solidFill>
-              </a14:hiddenFill>
-            </a:ext>
-          </a:extLst>
-        </p:spPr>
-      </p:pic>
-      <p:pic>
-        <p:nvPicPr>
-          <p:cNvPr id="3" name="Рисунок 2">
-            <a:extLst>
-              <a:ext uri="{FF2B5EF4-FFF2-40B4-BE49-F238E27FC236}">
-                <a16:creationId xmlns:a16="http://schemas.microsoft.com/office/drawing/2014/main" id="{6DBFE2F7-02DA-47DD-A09A-277DB4844611}"/>
-              </a:ext>
-            </a:extLst>
-          </p:cNvPr>
-          <p:cNvPicPr>
-            <a:picLocks noChangeAspect="1"/>
-          </p:cNvPicPr>
-          <p:nvPr/>
-        </p:nvPicPr>
-        <p:blipFill>
-          <a:blip r:embed="rId10"/>
-          <a:stretch>
-            <a:fillRect/>
-          </a:stretch>
-        </p:blipFill>
-        <p:spPr>
-          <a:xfrm>
-            <a:off x="5993214" y="2197886"/>
-            <a:ext cx="3076575" cy="1238250"/>
-          </a:xfrm>
-          <a:prstGeom prst="rect">
-            <a:avLst/>
-          </a:prstGeom>
-        </p:spPr>
-      </p:pic>
-      <p:pic>
-        <p:nvPicPr>
-          <p:cNvPr id="1046" name="Picture 22" descr="ÐÐ°ÑÑÐ¸Ð½ÐºÐ¸ Ð¿Ð¾ Ð·Ð°Ð¿ÑÐ¾ÑÑ skype logo">
-            <a:extLst>
-              <a:ext uri="{FF2B5EF4-FFF2-40B4-BE49-F238E27FC236}">
-                <a16:creationId xmlns:a16="http://schemas.microsoft.com/office/drawing/2014/main" id="{5D099FBB-7245-44E3-AFB5-877DB45ED1DC}"/>
-              </a:ext>
-            </a:extLst>
-          </p:cNvPr>
-          <p:cNvPicPr>
-            <a:picLocks noChangeAspect="1" noChangeArrowheads="1"/>
-          </p:cNvPicPr>
-          <p:nvPr/>
-        </p:nvPicPr>
-        <p:blipFill>
-          <a:blip r:embed="rId11">
-            <a:extLst>
-              <a:ext uri="{28A0092B-C50C-407E-A947-70E740481C1C}">
-                <a14:useLocalDpi xmlns:a14="http://schemas.microsoft.com/office/drawing/2010/main" val="0"/>
-              </a:ext>
-            </a:extLst>
-          </a:blip>
-          <a:srcRect/>
-          <a:stretch>
-            <a:fillRect/>
-          </a:stretch>
-        </p:blipFill>
-        <p:spPr bwMode="auto">
-          <a:xfrm>
-            <a:off x="1675371" y="3652253"/>
-            <a:ext cx="2403527" cy="1074076"/>
+            <a:off x="1067739" y="2699423"/>
+            <a:ext cx="2541665" cy="1423068"/>
           </a:xfrm>
           <a:prstGeom prst="rect">
             <a:avLst/>
@@ -10422,21 +12449,118 @@
           <p:nvPr/>
         </p:nvPicPr>
         <p:blipFill>
-          <a:blip r:embed="rId12"/>
+          <a:blip r:embed="rId6"/>
           <a:stretch>
             <a:fillRect/>
           </a:stretch>
         </p:blipFill>
         <p:spPr>
           <a:xfrm>
-            <a:off x="6956799" y="820748"/>
-            <a:ext cx="1875501" cy="904351"/>
+            <a:off x="5298842" y="2876634"/>
+            <a:ext cx="2267533" cy="1093386"/>
           </a:xfrm>
           <a:prstGeom prst="rect">
             <a:avLst/>
           </a:prstGeom>
         </p:spPr>
       </p:pic>
+      <p:sp>
+        <p:nvSpPr>
+          <p:cNvPr id="14" name="Прямоугольник 13">
+            <a:extLst>
+              <a:ext uri="{FF2B5EF4-FFF2-40B4-BE49-F238E27FC236}">
+                <a16:creationId xmlns:a16="http://schemas.microsoft.com/office/drawing/2014/main" id="{838C2B7A-02F7-4DB0-9325-A0F5DA0DE30C}"/>
+              </a:ext>
+            </a:extLst>
+          </p:cNvPr>
+          <p:cNvSpPr/>
+          <p:nvPr/>
+        </p:nvSpPr>
+        <p:spPr>
+          <a:xfrm>
+            <a:off x="989064" y="239507"/>
+            <a:ext cx="6543892" cy="1011815"/>
+          </a:xfrm>
+          <a:prstGeom prst="rect">
+            <a:avLst/>
+          </a:prstGeom>
+        </p:spPr>
+        <p:txBody>
+          <a:bodyPr wrap="square">
+            <a:spAutoFit/>
+          </a:bodyPr>
+          <a:lstStyle/>
+          <a:p>
+            <a:pPr>
+              <a:lnSpc>
+                <a:spcPct val="107000"/>
+              </a:lnSpc>
+              <a:spcAft>
+                <a:spcPts val="800"/>
+              </a:spcAft>
+            </a:pPr>
+            <a:r>
+              <a:rPr lang="ru-RU" dirty="0">
+                <a:latin typeface="Calibri" panose="020F0502020204030204" pitchFamily="34" charset="0"/>
+                <a:ea typeface="Calibri" panose="020F0502020204030204" pitchFamily="34" charset="0"/>
+                <a:cs typeface="Times New Roman" panose="02020603050405020304" pitchFamily="18" charset="0"/>
+              </a:rPr>
+              <a:t> </a:t>
+            </a:r>
+            <a:endParaRPr lang="ru-RU" sz="1100" dirty="0">
+              <a:latin typeface="Calibri" panose="020F0502020204030204" pitchFamily="34" charset="0"/>
+              <a:ea typeface="Calibri" panose="020F0502020204030204" pitchFamily="34" charset="0"/>
+              <a:cs typeface="Times New Roman" panose="02020603050405020304" pitchFamily="18" charset="0"/>
+            </a:endParaRPr>
+          </a:p>
+          <a:p>
+            <a:pPr marL="457200" algn="ctr">
+              <a:lnSpc>
+                <a:spcPct val="107000"/>
+              </a:lnSpc>
+              <a:spcAft>
+                <a:spcPts val="800"/>
+              </a:spcAft>
+            </a:pPr>
+            <a:r>
+              <a:rPr lang="ru-RU" sz="1600" b="1" dirty="0">
+                <a:latin typeface="Calibri" panose="020F0502020204030204" pitchFamily="34" charset="0"/>
+                <a:ea typeface="Calibri" panose="020F0502020204030204" pitchFamily="34" charset="0"/>
+                <a:cs typeface="Times New Roman" panose="02020603050405020304" pitchFamily="18" charset="0"/>
+              </a:rPr>
+              <a:t>Инструменты для решения поставленной задачи </a:t>
+            </a:r>
+            <a:endParaRPr lang="ru-RU" sz="1100" dirty="0">
+              <a:latin typeface="Calibri" panose="020F0502020204030204" pitchFamily="34" charset="0"/>
+              <a:ea typeface="Calibri" panose="020F0502020204030204" pitchFamily="34" charset="0"/>
+              <a:cs typeface="Times New Roman" panose="02020603050405020304" pitchFamily="18" charset="0"/>
+            </a:endParaRPr>
+          </a:p>
+          <a:p>
+            <a:pPr>
+              <a:lnSpc>
+                <a:spcPct val="107000"/>
+              </a:lnSpc>
+              <a:spcAft>
+                <a:spcPts val="1000"/>
+              </a:spcAft>
+            </a:pPr>
+            <a:r>
+              <a:rPr lang="ru-RU" dirty="0">
+                <a:latin typeface="Calibri" panose="020F0502020204030204" pitchFamily="34" charset="0"/>
+                <a:ea typeface="Calibri" panose="020F0502020204030204" pitchFamily="34" charset="0"/>
+                <a:cs typeface="Calibri" panose="020F0502020204030204" pitchFamily="34" charset="0"/>
+              </a:rPr>
+              <a:t> </a:t>
+            </a:r>
+            <a:endParaRPr lang="ru-RU" sz="1100" dirty="0">
+              <a:latin typeface="Calibri" panose="020F0502020204030204" pitchFamily="34" charset="0"/>
+              <a:ea typeface="Calibri" panose="020F0502020204030204" pitchFamily="34" charset="0"/>
+              <a:cs typeface="Times New Roman" panose="02020603050405020304" pitchFamily="18" charset="0"/>
+            </a:endParaRPr>
+          </a:p>
+        </p:txBody>
+      </p:sp>
     </p:spTree>
   </p:cSld>
   <p:clrMapOvr>
@@ -10548,152 +12672,10 @@
       </p:sp>
       <p:pic>
         <p:nvPicPr>
-          <p:cNvPr id="2050" name="Picture 2" descr="ÐÐ°ÑÑÐ¸Ð½ÐºÐ¸ Ð¿Ð¾ Ð·Ð°Ð¿ÑÐ¾ÑÑ worki">
+          <p:cNvPr id="2" name="Рисунок 1">
             <a:extLst>
               <a:ext uri="{FF2B5EF4-FFF2-40B4-BE49-F238E27FC236}">
-                <a16:creationId xmlns:a16="http://schemas.microsoft.com/office/drawing/2014/main" id="{F4C0224F-ED6A-40B8-B14C-750605C8D691}"/>
-              </a:ext>
-            </a:extLst>
-          </p:cNvPr>
-          <p:cNvPicPr>
-            <a:picLocks noChangeAspect="1" noChangeArrowheads="1"/>
-          </p:cNvPicPr>
-          <p:nvPr/>
-        </p:nvPicPr>
-        <p:blipFill>
-          <a:blip r:embed="rId3">
-            <a:extLst>
-              <a:ext uri="{28A0092B-C50C-407E-A947-70E740481C1C}">
-                <a14:useLocalDpi xmlns:a14="http://schemas.microsoft.com/office/drawing/2010/main" val="0"/>
-              </a:ext>
-            </a:extLst>
-          </a:blip>
-          <a:srcRect/>
-          <a:stretch>
-            <a:fillRect/>
-          </a:stretch>
-        </p:blipFill>
-        <p:spPr bwMode="auto">
-          <a:xfrm>
-            <a:off x="311701" y="2920143"/>
-            <a:ext cx="1616160" cy="1616160"/>
-          </a:xfrm>
-          <a:prstGeom prst="rect">
-            <a:avLst/>
-          </a:prstGeom>
-          <a:noFill/>
-          <a:extLst>
-            <a:ext uri="{909E8E84-426E-40DD-AFC4-6F175D3DCCD1}">
-              <a14:hiddenFill xmlns:a14="http://schemas.microsoft.com/office/drawing/2010/main">
-                <a:solidFill>
-                  <a:srgbClr val="FFFFFF"/>
-                </a:solidFill>
-              </a14:hiddenFill>
-            </a:ext>
-          </a:extLst>
-        </p:spPr>
-      </p:pic>
-      <p:pic>
-        <p:nvPicPr>
-          <p:cNvPr id="2052" name="Picture 4" descr="ÐÐ°ÑÑÐ¸Ð½ÐºÐ¸ Ð¿Ð¾ Ð·Ð°Ð¿ÑÐ¾ÑÑ hh ru Ð¿ÑÐ¸Ð»Ð¾Ð¶ÐµÐ½Ð¸Ðµ">
-            <a:extLst>
-              <a:ext uri="{FF2B5EF4-FFF2-40B4-BE49-F238E27FC236}">
-                <a16:creationId xmlns:a16="http://schemas.microsoft.com/office/drawing/2014/main" id="{EB499D06-7B97-4690-8A5F-070740B95491}"/>
-              </a:ext>
-            </a:extLst>
-          </p:cNvPr>
-          <p:cNvPicPr>
-            <a:picLocks noChangeAspect="1" noChangeArrowheads="1"/>
-          </p:cNvPicPr>
-          <p:nvPr/>
-        </p:nvPicPr>
-        <p:blipFill>
-          <a:blip r:embed="rId4">
-            <a:extLst>
-              <a:ext uri="{28A0092B-C50C-407E-A947-70E740481C1C}">
-                <a14:useLocalDpi xmlns:a14="http://schemas.microsoft.com/office/drawing/2010/main" val="0"/>
-              </a:ext>
-            </a:extLst>
-          </a:blip>
-          <a:srcRect/>
-          <a:stretch>
-            <a:fillRect/>
-          </a:stretch>
-        </p:blipFill>
-        <p:spPr bwMode="auto">
-          <a:xfrm>
-            <a:off x="463877" y="1260751"/>
-            <a:ext cx="1310999" cy="1310999"/>
-          </a:xfrm>
-          <a:prstGeom prst="rect">
-            <a:avLst/>
-          </a:prstGeom>
-          <a:noFill/>
-          <a:extLst>
-            <a:ext uri="{909E8E84-426E-40DD-AFC4-6F175D3DCCD1}">
-              <a14:hiddenFill xmlns:a14="http://schemas.microsoft.com/office/drawing/2010/main">
-                <a:solidFill>
-                  <a:srgbClr val="FFFFFF"/>
-                </a:solidFill>
-              </a14:hiddenFill>
-            </a:ext>
-          </a:extLst>
-        </p:spPr>
-      </p:pic>
-      <p:pic>
-        <p:nvPicPr>
-          <p:cNvPr id="2056" name="Picture 8" descr="ÐÐ¾Ñ-Ð¾Ð¶ÐµÐµ Ð¸Ð·Ð¾Ð±ÑÐ°Ð¶ÐµÐ½Ð¸Ðµ">
-            <a:extLst>
-              <a:ext uri="{FF2B5EF4-FFF2-40B4-BE49-F238E27FC236}">
-                <a16:creationId xmlns:a16="http://schemas.microsoft.com/office/drawing/2014/main" id="{315A9031-E6DB-401B-9C2B-599DB51BF11D}"/>
-              </a:ext>
-            </a:extLst>
-          </p:cNvPr>
-          <p:cNvPicPr>
-            <a:picLocks noChangeAspect="1" noChangeArrowheads="1"/>
-          </p:cNvPicPr>
-          <p:nvPr/>
-        </p:nvPicPr>
-        <p:blipFill>
-          <a:blip r:embed="rId5">
-            <a:extLst>
-              <a:ext uri="{28A0092B-C50C-407E-A947-70E740481C1C}">
-                <a14:useLocalDpi xmlns:a14="http://schemas.microsoft.com/office/drawing/2010/main" val="0"/>
-              </a:ext>
-            </a:extLst>
-          </a:blip>
-          <a:srcRect/>
-          <a:stretch>
-            <a:fillRect/>
-          </a:stretch>
-        </p:blipFill>
-        <p:spPr bwMode="auto">
-          <a:xfrm>
-            <a:off x="2823210" y="1225799"/>
-            <a:ext cx="1310999" cy="1310999"/>
-          </a:xfrm>
-          <a:prstGeom prst="rect">
-            <a:avLst/>
-          </a:prstGeom>
-          <a:noFill/>
-          <a:extLst>
-            <a:ext uri="{909E8E84-426E-40DD-AFC4-6F175D3DCCD1}">
-              <a14:hiddenFill xmlns:a14="http://schemas.microsoft.com/office/drawing/2010/main">
-                <a:solidFill>
-                  <a:srgbClr val="FFFFFF"/>
-                </a:solidFill>
-              </a14:hiddenFill>
-            </a:ext>
-          </a:extLst>
-        </p:spPr>
-      </p:pic>
-      <p:pic>
-        <p:nvPicPr>
-          <p:cNvPr id="3" name="Рисунок 2">
-            <a:extLst>
-              <a:ext uri="{FF2B5EF4-FFF2-40B4-BE49-F238E27FC236}">
-                <a16:creationId xmlns:a16="http://schemas.microsoft.com/office/drawing/2014/main" id="{9A40A057-1BC9-4C9F-98C1-C1975EC9BEE0}"/>
+                <a16:creationId xmlns:a16="http://schemas.microsoft.com/office/drawing/2014/main" id="{0C2C7C97-E3C4-47B3-BC9C-ABE94773D34C}"/>
               </a:ext>
             </a:extLst>
           </p:cNvPr>
@@ -10703,15 +12685,15 @@
           <p:nvPr/>
         </p:nvPicPr>
         <p:blipFill>
-          <a:blip r:embed="rId6"/>
+          <a:blip r:embed="rId3"/>
           <a:stretch>
             <a:fillRect/>
           </a:stretch>
         </p:blipFill>
         <p:spPr>
           <a:xfrm>
-            <a:off x="2697480" y="2843256"/>
-            <a:ext cx="1543888" cy="1501002"/>
+            <a:off x="191644" y="825094"/>
+            <a:ext cx="8760711" cy="3493311"/>
           </a:xfrm>
           <a:prstGeom prst="rect">
             <a:avLst/>

--- a/Documents/Presentation.pptx
+++ b/Documents/Presentation.pptx
@@ -7382,6 +7382,10 @@
           </a:bodyPr>
           <a:lstStyle/>
           <a:p>
+            <a:pPr marL="285750" indent="-285750">
+              <a:buFont typeface="Wingdings" panose="05000000000000000000" pitchFamily="2" charset="2"/>
+              <a:buChar char="q"/>
+            </a:pPr>
             <a:r>
               <a:rPr lang="ru-RU" dirty="0">
                 <a:latin typeface="Calibri" panose="020F0502020204030204" pitchFamily="34" charset="0"/>
@@ -7486,7 +7490,7 @@
         </p:nvSpPr>
         <p:spPr>
           <a:xfrm>
-            <a:off x="311700" y="633699"/>
+            <a:off x="311700" y="612872"/>
             <a:ext cx="6413205" cy="954107"/>
           </a:xfrm>
           <a:prstGeom prst="rect">
@@ -7523,8 +7527,8 @@
           </a:p>
           <a:p>
             <a:pPr marL="285750" indent="-285750">
-              <a:buFont typeface="Arial" panose="020B0604020202020204" pitchFamily="34" charset="0"/>
-              <a:buChar char="•"/>
+              <a:buFont typeface="Wingdings" panose="05000000000000000000" pitchFamily="2" charset="2"/>
+              <a:buChar char="v"/>
             </a:pPr>
             <a:r>
               <a:rPr lang="ru-RU" dirty="0">
@@ -7536,8 +7540,8 @@
           </a:p>
           <a:p>
             <a:pPr marL="285750" indent="-285750">
-              <a:buFont typeface="Arial" panose="020B0604020202020204" pitchFamily="34" charset="0"/>
-              <a:buChar char="•"/>
+              <a:buFont typeface="Wingdings" panose="05000000000000000000" pitchFamily="2" charset="2"/>
+              <a:buChar char="v"/>
             </a:pPr>
             <a:r>
               <a:rPr lang="ru-RU" dirty="0">
@@ -7549,8 +7553,8 @@
           </a:p>
           <a:p>
             <a:pPr marL="285750" indent="-285750">
-              <a:buFont typeface="Arial" panose="020B0604020202020204" pitchFamily="34" charset="0"/>
-              <a:buChar char="•"/>
+              <a:buFont typeface="Wingdings" panose="05000000000000000000" pitchFamily="2" charset="2"/>
+              <a:buChar char="v"/>
             </a:pPr>
             <a:r>
               <a:rPr lang="ru-RU" dirty="0">
@@ -7576,7 +7580,7 @@
         </p:nvSpPr>
         <p:spPr>
           <a:xfrm>
-            <a:off x="4883700" y="1762797"/>
+            <a:off x="4883700" y="1652598"/>
             <a:ext cx="4572000" cy="1384995"/>
           </a:xfrm>
           <a:prstGeom prst="rect">
@@ -7589,6 +7593,10 @@
           </a:bodyPr>
           <a:lstStyle/>
           <a:p>
+            <a:pPr marL="285750" indent="-285750">
+              <a:buFont typeface="Wingdings" panose="05000000000000000000" pitchFamily="2" charset="2"/>
+              <a:buChar char="q"/>
+            </a:pPr>
             <a:r>
               <a:rPr lang="ru-RU" dirty="0">
                 <a:latin typeface="Calibri" panose="020F0502020204030204" pitchFamily="34" charset="0"/>
@@ -7701,13 +7709,17 @@
           </a:bodyPr>
           <a:lstStyle/>
           <a:p>
+            <a:pPr marL="285750" indent="-285750">
+              <a:buFont typeface="Wingdings" panose="05000000000000000000" pitchFamily="2" charset="2"/>
+              <a:buChar char="q"/>
+            </a:pPr>
             <a:r>
               <a:rPr lang="ru-RU" dirty="0">
                 <a:latin typeface="Calibri" panose="020F0502020204030204" pitchFamily="34" charset="0"/>
                 <a:ea typeface="Times New Roman" panose="02020603050405020304" pitchFamily="18" charset="0"/>
                 <a:cs typeface="Calibri" panose="020F0502020204030204" pitchFamily="34" charset="0"/>
               </a:rPr>
-              <a:t>Этапы юзабилити тестирования</a:t>
+              <a:t>Этапы тестирования удобства использования</a:t>
             </a:r>
             <a:r>
               <a:rPr lang="en-US" dirty="0">

--- a/Documents/Presentation.pptx
+++ b/Documents/Presentation.pptx
@@ -8083,7 +8083,7 @@
         </p:nvSpPr>
         <p:spPr>
           <a:xfrm>
-            <a:off x="311700" y="106406"/>
+            <a:off x="120313" y="-63715"/>
             <a:ext cx="8520600" cy="572700"/>
           </a:xfrm>
           <a:prstGeom prst="rect">
@@ -8155,6 +8155,96 @@
           </a:p>
         </p:txBody>
       </p:sp>
+      <p:pic>
+        <p:nvPicPr>
+          <p:cNvPr id="4" name="Рисунок 3">
+            <a:extLst>
+              <a:ext uri="{FF2B5EF4-FFF2-40B4-BE49-F238E27FC236}">
+                <a16:creationId xmlns:a16="http://schemas.microsoft.com/office/drawing/2014/main" id="{396772FF-74C9-42A5-A12F-BE69E455AEBC}"/>
+              </a:ext>
+            </a:extLst>
+          </p:cNvPr>
+          <p:cNvPicPr>
+            <a:picLocks noChangeAspect="1"/>
+          </p:cNvPicPr>
+          <p:nvPr/>
+        </p:nvPicPr>
+        <p:blipFill>
+          <a:blip r:embed="rId3"/>
+          <a:stretch>
+            <a:fillRect/>
+          </a:stretch>
+        </p:blipFill>
+        <p:spPr>
+          <a:xfrm>
+            <a:off x="494535" y="679180"/>
+            <a:ext cx="2281589" cy="4146698"/>
+          </a:xfrm>
+          <a:prstGeom prst="rect">
+            <a:avLst/>
+          </a:prstGeom>
+        </p:spPr>
+      </p:pic>
+      <p:pic>
+        <p:nvPicPr>
+          <p:cNvPr id="5" name="Рисунок 4">
+            <a:extLst>
+              <a:ext uri="{FF2B5EF4-FFF2-40B4-BE49-F238E27FC236}">
+                <a16:creationId xmlns:a16="http://schemas.microsoft.com/office/drawing/2014/main" id="{69189FF1-E146-4725-8455-9EC330CE5DC5}"/>
+              </a:ext>
+            </a:extLst>
+          </p:cNvPr>
+          <p:cNvPicPr>
+            <a:picLocks noChangeAspect="1"/>
+          </p:cNvPicPr>
+          <p:nvPr/>
+        </p:nvPicPr>
+        <p:blipFill>
+          <a:blip r:embed="rId4"/>
+          <a:stretch>
+            <a:fillRect/>
+          </a:stretch>
+        </p:blipFill>
+        <p:spPr>
+          <a:xfrm>
+            <a:off x="3305483" y="679106"/>
+            <a:ext cx="2105177" cy="4146697"/>
+          </a:xfrm>
+          <a:prstGeom prst="rect">
+            <a:avLst/>
+          </a:prstGeom>
+        </p:spPr>
+      </p:pic>
+      <p:pic>
+        <p:nvPicPr>
+          <p:cNvPr id="6" name="Рисунок 5">
+            <a:extLst>
+              <a:ext uri="{FF2B5EF4-FFF2-40B4-BE49-F238E27FC236}">
+                <a16:creationId xmlns:a16="http://schemas.microsoft.com/office/drawing/2014/main" id="{BB0EE94F-0E4C-4215-82DA-ED1D5883EBF9}"/>
+              </a:ext>
+            </a:extLst>
+          </p:cNvPr>
+          <p:cNvPicPr>
+            <a:picLocks noChangeAspect="1"/>
+          </p:cNvPicPr>
+          <p:nvPr/>
+        </p:nvPicPr>
+        <p:blipFill>
+          <a:blip r:embed="rId5"/>
+          <a:stretch>
+            <a:fillRect/>
+          </a:stretch>
+        </p:blipFill>
+        <p:spPr>
+          <a:xfrm>
+            <a:off x="6046346" y="679106"/>
+            <a:ext cx="2137775" cy="4078422"/>
+          </a:xfrm>
+          <a:prstGeom prst="rect">
+            <a:avLst/>
+          </a:prstGeom>
+        </p:spPr>
+      </p:pic>
     </p:spTree>
     <p:extLst>
       <p:ext uri="{BB962C8B-B14F-4D97-AF65-F5344CB8AC3E}">
@@ -8197,7 +8287,7 @@
         </p:nvSpPr>
         <p:spPr>
           <a:xfrm>
-            <a:off x="311700" y="106406"/>
+            <a:off x="311700" y="-12554"/>
             <a:ext cx="8520600" cy="572700"/>
           </a:xfrm>
           <a:prstGeom prst="rect">
@@ -8269,6 +8359,96 @@
           </a:p>
         </p:txBody>
       </p:sp>
+      <p:pic>
+        <p:nvPicPr>
+          <p:cNvPr id="7" name="Рисунок 6">
+            <a:extLst>
+              <a:ext uri="{FF2B5EF4-FFF2-40B4-BE49-F238E27FC236}">
+                <a16:creationId xmlns:a16="http://schemas.microsoft.com/office/drawing/2014/main" id="{FCE52740-DAF5-43D1-B7C5-E182CBB3B4E8}"/>
+              </a:ext>
+            </a:extLst>
+          </p:cNvPr>
+          <p:cNvPicPr>
+            <a:picLocks noChangeAspect="1"/>
+          </p:cNvPicPr>
+          <p:nvPr/>
+        </p:nvPicPr>
+        <p:blipFill>
+          <a:blip r:embed="rId3"/>
+          <a:stretch>
+            <a:fillRect/>
+          </a:stretch>
+        </p:blipFill>
+        <p:spPr>
+          <a:xfrm>
+            <a:off x="630708" y="768646"/>
+            <a:ext cx="2147117" cy="3894572"/>
+          </a:xfrm>
+          <a:prstGeom prst="rect">
+            <a:avLst/>
+          </a:prstGeom>
+        </p:spPr>
+      </p:pic>
+      <p:pic>
+        <p:nvPicPr>
+          <p:cNvPr id="8" name="Рисунок 7">
+            <a:extLst>
+              <a:ext uri="{FF2B5EF4-FFF2-40B4-BE49-F238E27FC236}">
+                <a16:creationId xmlns:a16="http://schemas.microsoft.com/office/drawing/2014/main" id="{A731F981-5AB6-4506-B587-079E9675DBE2}"/>
+              </a:ext>
+            </a:extLst>
+          </p:cNvPr>
+          <p:cNvPicPr>
+            <a:picLocks noChangeAspect="1"/>
+          </p:cNvPicPr>
+          <p:nvPr/>
+        </p:nvPicPr>
+        <p:blipFill>
+          <a:blip r:embed="rId4"/>
+          <a:stretch>
+            <a:fillRect/>
+          </a:stretch>
+        </p:blipFill>
+        <p:spPr>
+          <a:xfrm>
+            <a:off x="5935827" y="768645"/>
+            <a:ext cx="2536631" cy="4021365"/>
+          </a:xfrm>
+          <a:prstGeom prst="rect">
+            <a:avLst/>
+          </a:prstGeom>
+        </p:spPr>
+      </p:pic>
+      <p:pic>
+        <p:nvPicPr>
+          <p:cNvPr id="9" name="Рисунок 8">
+            <a:extLst>
+              <a:ext uri="{FF2B5EF4-FFF2-40B4-BE49-F238E27FC236}">
+                <a16:creationId xmlns:a16="http://schemas.microsoft.com/office/drawing/2014/main" id="{6184958D-E565-4305-A3A6-659CC82B1DB0}"/>
+              </a:ext>
+            </a:extLst>
+          </p:cNvPr>
+          <p:cNvPicPr>
+            <a:picLocks noChangeAspect="1"/>
+          </p:cNvPicPr>
+          <p:nvPr/>
+        </p:nvPicPr>
+        <p:blipFill>
+          <a:blip r:embed="rId5"/>
+          <a:stretch>
+            <a:fillRect/>
+          </a:stretch>
+        </p:blipFill>
+        <p:spPr>
+          <a:xfrm>
+            <a:off x="3120351" y="768645"/>
+            <a:ext cx="2520525" cy="3894571"/>
+          </a:xfrm>
+          <a:prstGeom prst="rect">
+            <a:avLst/>
+          </a:prstGeom>
+        </p:spPr>
+      </p:pic>
     </p:spTree>
     <p:extLst>
       <p:ext uri="{BB962C8B-B14F-4D97-AF65-F5344CB8AC3E}">
@@ -8525,29 +8705,6 @@
                 <a:ea typeface="Calibri" panose="020F0502020204030204" pitchFamily="34" charset="0"/>
                 <a:cs typeface="Calibri" panose="020F0502020204030204" pitchFamily="34" charset="0"/>
               </a:rPr>
-              <a:t>позволяет исключать неподходящие вакансии из подборки</a:t>
-            </a:r>
-          </a:p>
-          <a:p>
-            <a:pPr marL="342900" lvl="0">
-              <a:spcAft>
-                <a:spcPts val="1000"/>
-              </a:spcAft>
-              <a:buFont typeface="Arial" panose="020B0604020202020204" pitchFamily="34" charset="0"/>
-              <a:buChar char="•"/>
-            </a:pPr>
-            <a:r>
-              <a:rPr lang="ru-RU" sz="1600" dirty="0">
-                <a:solidFill>
-                  <a:schemeClr val="tx1">
-                    <a:lumMod val="95000"/>
-                    <a:lumOff val="5000"/>
-                  </a:schemeClr>
-                </a:solidFill>
-                <a:latin typeface="Calibri" panose="020F0502020204030204" pitchFamily="34" charset="0"/>
-                <a:ea typeface="Calibri" panose="020F0502020204030204" pitchFamily="34" charset="0"/>
-                <a:cs typeface="Calibri" panose="020F0502020204030204" pitchFamily="34" charset="0"/>
-              </a:rPr>
               <a:t>позволяет получить помощь по программе</a:t>
             </a:r>
             <a:endParaRPr lang="ru-RU" sz="1600" dirty="0">
@@ -12610,7 +12767,7 @@
         </p:nvSpPr>
         <p:spPr>
           <a:xfrm>
-            <a:off x="311700" y="158675"/>
+            <a:off x="311699" y="0"/>
             <a:ext cx="8520600" cy="572700"/>
           </a:xfrm>
           <a:prstGeom prst="rect">
@@ -12704,7 +12861,7 @@
         </p:blipFill>
         <p:spPr>
           <a:xfrm>
-            <a:off x="191644" y="825094"/>
+            <a:off x="191643" y="518724"/>
             <a:ext cx="8760711" cy="3493311"/>
           </a:xfrm>
           <a:prstGeom prst="rect">
@@ -12712,6 +12869,155 @@
           </a:prstGeom>
         </p:spPr>
       </p:pic>
+      <p:sp>
+        <p:nvSpPr>
+          <p:cNvPr id="3" name="Прямоугольник 2">
+            <a:extLst>
+              <a:ext uri="{FF2B5EF4-FFF2-40B4-BE49-F238E27FC236}">
+                <a16:creationId xmlns:a16="http://schemas.microsoft.com/office/drawing/2014/main" id="{F3763473-F976-4149-934F-8AD55B8AFF58}"/>
+              </a:ext>
+            </a:extLst>
+          </p:cNvPr>
+          <p:cNvSpPr/>
+          <p:nvPr/>
+        </p:nvSpPr>
+        <p:spPr>
+          <a:xfrm>
+            <a:off x="1965685" y="3762216"/>
+            <a:ext cx="4631396" cy="312650"/>
+          </a:xfrm>
+          <a:prstGeom prst="rect">
+            <a:avLst/>
+          </a:prstGeom>
+        </p:spPr>
+        <p:txBody>
+          <a:bodyPr wrap="none">
+            <a:spAutoFit/>
+          </a:bodyPr>
+          <a:lstStyle/>
+          <a:p>
+            <a:pPr marL="457200" algn="ctr">
+              <a:lnSpc>
+                <a:spcPct val="107000"/>
+              </a:lnSpc>
+              <a:spcAft>
+                <a:spcPts val="800"/>
+              </a:spcAft>
+            </a:pPr>
+            <a:r>
+              <a:rPr lang="ru-RU" b="1" dirty="0">
+                <a:latin typeface="Calibri" panose="020F0502020204030204" pitchFamily="34" charset="0"/>
+                <a:ea typeface="Calibri" panose="020F0502020204030204" pitchFamily="34" charset="0"/>
+                <a:cs typeface="Times New Roman" panose="02020603050405020304" pitchFamily="18" charset="0"/>
+              </a:rPr>
+              <a:t>Инструмент для записи демонстрационного видео</a:t>
+            </a:r>
+            <a:endParaRPr lang="ru-RU" sz="1050" dirty="0">
+              <a:latin typeface="Calibri" panose="020F0502020204030204" pitchFamily="34" charset="0"/>
+              <a:ea typeface="Calibri" panose="020F0502020204030204" pitchFamily="34" charset="0"/>
+              <a:cs typeface="Times New Roman" panose="02020603050405020304" pitchFamily="18" charset="0"/>
+            </a:endParaRPr>
+          </a:p>
+        </p:txBody>
+      </p:sp>
+      <p:pic>
+        <p:nvPicPr>
+          <p:cNvPr id="1026" name="Picture 2" descr="ÐÐ°ÑÑÐ¸Ð½ÐºÐ¸ Ð¿Ð¾ Ð·Ð°Ð¿ÑÐ¾ÑÑ fraps">
+            <a:extLst>
+              <a:ext uri="{FF2B5EF4-FFF2-40B4-BE49-F238E27FC236}">
+                <a16:creationId xmlns:a16="http://schemas.microsoft.com/office/drawing/2014/main" id="{E6A98AA7-6B80-45AC-B6BC-0DA17428AB28}"/>
+              </a:ext>
+            </a:extLst>
+          </p:cNvPr>
+          <p:cNvPicPr>
+            <a:picLocks noChangeAspect="1" noChangeArrowheads="1"/>
+          </p:cNvPicPr>
+          <p:nvPr/>
+        </p:nvPicPr>
+        <p:blipFill>
+          <a:blip r:embed="rId4">
+            <a:extLst>
+              <a:ext uri="{28A0092B-C50C-407E-A947-70E740481C1C}">
+                <a14:useLocalDpi xmlns:a14="http://schemas.microsoft.com/office/drawing/2010/main" val="0"/>
+              </a:ext>
+            </a:extLst>
+          </a:blip>
+          <a:srcRect/>
+          <a:stretch>
+            <a:fillRect/>
+          </a:stretch>
+        </p:blipFill>
+        <p:spPr bwMode="auto">
+          <a:xfrm>
+            <a:off x="3988095" y="4162702"/>
+            <a:ext cx="924147" cy="924147"/>
+          </a:xfrm>
+          <a:prstGeom prst="rect">
+            <a:avLst/>
+          </a:prstGeom>
+          <a:noFill/>
+          <a:extLst>
+            <a:ext uri="{909E8E84-426E-40DD-AFC4-6F175D3DCCD1}">
+              <a14:hiddenFill xmlns:a14="http://schemas.microsoft.com/office/drawing/2010/main">
+                <a:solidFill>
+                  <a:srgbClr val="FFFFFF"/>
+                </a:solidFill>
+              </a14:hiddenFill>
+            </a:ext>
+          </a:extLst>
+        </p:spPr>
+      </p:pic>
+      <p:sp>
+        <p:nvSpPr>
+          <p:cNvPr id="7" name="Прямоугольник 6">
+            <a:extLst>
+              <a:ext uri="{FF2B5EF4-FFF2-40B4-BE49-F238E27FC236}">
+                <a16:creationId xmlns:a16="http://schemas.microsoft.com/office/drawing/2014/main" id="{E5D066B6-75DE-41E4-83FB-27B072A4C3CE}"/>
+              </a:ext>
+            </a:extLst>
+          </p:cNvPr>
+          <p:cNvSpPr/>
+          <p:nvPr/>
+        </p:nvSpPr>
+        <p:spPr>
+          <a:xfrm>
+            <a:off x="4281383" y="4765158"/>
+            <a:ext cx="949299" cy="257506"/>
+          </a:xfrm>
+          <a:prstGeom prst="rect">
+            <a:avLst/>
+          </a:prstGeom>
+        </p:spPr>
+        <p:txBody>
+          <a:bodyPr wrap="none">
+            <a:spAutoFit/>
+          </a:bodyPr>
+          <a:lstStyle/>
+          <a:p>
+            <a:pPr marL="457200" algn="ctr">
+              <a:lnSpc>
+                <a:spcPct val="107000"/>
+              </a:lnSpc>
+              <a:spcAft>
+                <a:spcPts val="800"/>
+              </a:spcAft>
+            </a:pPr>
+            <a:r>
+              <a:rPr lang="en-US" sz="1050" b="1" dirty="0">
+                <a:latin typeface="Calibri" panose="020F0502020204030204" pitchFamily="34" charset="0"/>
+                <a:ea typeface="Calibri" panose="020F0502020204030204" pitchFamily="34" charset="0"/>
+                <a:cs typeface="Times New Roman" panose="02020603050405020304" pitchFamily="18" charset="0"/>
+              </a:rPr>
+              <a:t>Fraps</a:t>
+            </a:r>
+            <a:endParaRPr lang="ru-RU" sz="1050" dirty="0">
+              <a:latin typeface="Calibri" panose="020F0502020204030204" pitchFamily="34" charset="0"/>
+              <a:ea typeface="Calibri" panose="020F0502020204030204" pitchFamily="34" charset="0"/>
+              <a:cs typeface="Times New Roman" panose="02020603050405020304" pitchFamily="18" charset="0"/>
+            </a:endParaRPr>
+          </a:p>
+        </p:txBody>
+      </p:sp>
     </p:spTree>
   </p:cSld>
   <p:clrMapOvr>

--- a/Documents/Presentation.pptx
+++ b/Documents/Presentation.pptx
@@ -7696,7 +7696,7 @@
         </p:nvSpPr>
         <p:spPr>
           <a:xfrm>
-            <a:off x="387900" y="3473434"/>
+            <a:off x="311700" y="3475022"/>
             <a:ext cx="4572000" cy="1384995"/>
           </a:xfrm>
           <a:prstGeom prst="rect">
@@ -8157,36 +8157,6 @@
       </p:sp>
       <p:pic>
         <p:nvPicPr>
-          <p:cNvPr id="4" name="Рисунок 3">
-            <a:extLst>
-              <a:ext uri="{FF2B5EF4-FFF2-40B4-BE49-F238E27FC236}">
-                <a16:creationId xmlns:a16="http://schemas.microsoft.com/office/drawing/2014/main" id="{396772FF-74C9-42A5-A12F-BE69E455AEBC}"/>
-              </a:ext>
-            </a:extLst>
-          </p:cNvPr>
-          <p:cNvPicPr>
-            <a:picLocks noChangeAspect="1"/>
-          </p:cNvPicPr>
-          <p:nvPr/>
-        </p:nvPicPr>
-        <p:blipFill>
-          <a:blip r:embed="rId3"/>
-          <a:stretch>
-            <a:fillRect/>
-          </a:stretch>
-        </p:blipFill>
-        <p:spPr>
-          <a:xfrm>
-            <a:off x="494535" y="679180"/>
-            <a:ext cx="2281589" cy="4146698"/>
-          </a:xfrm>
-          <a:prstGeom prst="rect">
-            <a:avLst/>
-          </a:prstGeom>
-        </p:spPr>
-      </p:pic>
-      <p:pic>
-        <p:nvPicPr>
           <p:cNvPr id="5" name="Рисунок 4">
             <a:extLst>
               <a:ext uri="{FF2B5EF4-FFF2-40B4-BE49-F238E27FC236}">
@@ -8200,7 +8170,7 @@
           <p:nvPr/>
         </p:nvPicPr>
         <p:blipFill>
-          <a:blip r:embed="rId4"/>
+          <a:blip r:embed="rId3"/>
           <a:stretch>
             <a:fillRect/>
           </a:stretch>
@@ -8230,6 +8200,36 @@
           <p:nvPr/>
         </p:nvPicPr>
         <p:blipFill>
+          <a:blip r:embed="rId4"/>
+          <a:stretch>
+            <a:fillRect/>
+          </a:stretch>
+        </p:blipFill>
+        <p:spPr>
+          <a:xfrm>
+            <a:off x="6046346" y="679106"/>
+            <a:ext cx="2137775" cy="4078422"/>
+          </a:xfrm>
+          <a:prstGeom prst="rect">
+            <a:avLst/>
+          </a:prstGeom>
+        </p:spPr>
+      </p:pic>
+      <p:pic>
+        <p:nvPicPr>
+          <p:cNvPr id="2" name="Рисунок 1">
+            <a:extLst>
+              <a:ext uri="{FF2B5EF4-FFF2-40B4-BE49-F238E27FC236}">
+                <a16:creationId xmlns:a16="http://schemas.microsoft.com/office/drawing/2014/main" id="{B10F0F3E-8341-4D2B-ACC4-8B69ACA9F4FC}"/>
+              </a:ext>
+            </a:extLst>
+          </p:cNvPr>
+          <p:cNvPicPr>
+            <a:picLocks noChangeAspect="1"/>
+          </p:cNvPicPr>
+          <p:nvPr/>
+        </p:nvPicPr>
+        <p:blipFill>
           <a:blip r:embed="rId5"/>
           <a:stretch>
             <a:fillRect/>
@@ -8237,8 +8237,8 @@
         </p:blipFill>
         <p:spPr>
           <a:xfrm>
-            <a:off x="6046346" y="679106"/>
-            <a:ext cx="2137775" cy="4078422"/>
+            <a:off x="470513" y="679106"/>
+            <a:ext cx="2426112" cy="4146697"/>
           </a:xfrm>
           <a:prstGeom prst="rect">
             <a:avLst/>
@@ -12861,7 +12861,7 @@
         </p:blipFill>
         <p:spPr>
           <a:xfrm>
-            <a:off x="191643" y="518724"/>
+            <a:off x="191643" y="871303"/>
             <a:ext cx="8760711" cy="3493311"/>
           </a:xfrm>
           <a:prstGeom prst="rect">
@@ -12869,155 +12869,6 @@
           </a:prstGeom>
         </p:spPr>
       </p:pic>
-      <p:sp>
-        <p:nvSpPr>
-          <p:cNvPr id="3" name="Прямоугольник 2">
-            <a:extLst>
-              <a:ext uri="{FF2B5EF4-FFF2-40B4-BE49-F238E27FC236}">
-                <a16:creationId xmlns:a16="http://schemas.microsoft.com/office/drawing/2014/main" id="{F3763473-F976-4149-934F-8AD55B8AFF58}"/>
-              </a:ext>
-            </a:extLst>
-          </p:cNvPr>
-          <p:cNvSpPr/>
-          <p:nvPr/>
-        </p:nvSpPr>
-        <p:spPr>
-          <a:xfrm>
-            <a:off x="1965685" y="3762216"/>
-            <a:ext cx="4631396" cy="312650"/>
-          </a:xfrm>
-          <a:prstGeom prst="rect">
-            <a:avLst/>
-          </a:prstGeom>
-        </p:spPr>
-        <p:txBody>
-          <a:bodyPr wrap="none">
-            <a:spAutoFit/>
-          </a:bodyPr>
-          <a:lstStyle/>
-          <a:p>
-            <a:pPr marL="457200" algn="ctr">
-              <a:lnSpc>
-                <a:spcPct val="107000"/>
-              </a:lnSpc>
-              <a:spcAft>
-                <a:spcPts val="800"/>
-              </a:spcAft>
-            </a:pPr>
-            <a:r>
-              <a:rPr lang="ru-RU" b="1" dirty="0">
-                <a:latin typeface="Calibri" panose="020F0502020204030204" pitchFamily="34" charset="0"/>
-                <a:ea typeface="Calibri" panose="020F0502020204030204" pitchFamily="34" charset="0"/>
-                <a:cs typeface="Times New Roman" panose="02020603050405020304" pitchFamily="18" charset="0"/>
-              </a:rPr>
-              <a:t>Инструмент для записи демонстрационного видео</a:t>
-            </a:r>
-            <a:endParaRPr lang="ru-RU" sz="1050" dirty="0">
-              <a:latin typeface="Calibri" panose="020F0502020204030204" pitchFamily="34" charset="0"/>
-              <a:ea typeface="Calibri" panose="020F0502020204030204" pitchFamily="34" charset="0"/>
-              <a:cs typeface="Times New Roman" panose="02020603050405020304" pitchFamily="18" charset="0"/>
-            </a:endParaRPr>
-          </a:p>
-        </p:txBody>
-      </p:sp>
-      <p:pic>
-        <p:nvPicPr>
-          <p:cNvPr id="1026" name="Picture 2" descr="ÐÐ°ÑÑÐ¸Ð½ÐºÐ¸ Ð¿Ð¾ Ð·Ð°Ð¿ÑÐ¾ÑÑ fraps">
-            <a:extLst>
-              <a:ext uri="{FF2B5EF4-FFF2-40B4-BE49-F238E27FC236}">
-                <a16:creationId xmlns:a16="http://schemas.microsoft.com/office/drawing/2014/main" id="{E6A98AA7-6B80-45AC-B6BC-0DA17428AB28}"/>
-              </a:ext>
-            </a:extLst>
-          </p:cNvPr>
-          <p:cNvPicPr>
-            <a:picLocks noChangeAspect="1" noChangeArrowheads="1"/>
-          </p:cNvPicPr>
-          <p:nvPr/>
-        </p:nvPicPr>
-        <p:blipFill>
-          <a:blip r:embed="rId4">
-            <a:extLst>
-              <a:ext uri="{28A0092B-C50C-407E-A947-70E740481C1C}">
-                <a14:useLocalDpi xmlns:a14="http://schemas.microsoft.com/office/drawing/2010/main" val="0"/>
-              </a:ext>
-            </a:extLst>
-          </a:blip>
-          <a:srcRect/>
-          <a:stretch>
-            <a:fillRect/>
-          </a:stretch>
-        </p:blipFill>
-        <p:spPr bwMode="auto">
-          <a:xfrm>
-            <a:off x="3988095" y="4162702"/>
-            <a:ext cx="924147" cy="924147"/>
-          </a:xfrm>
-          <a:prstGeom prst="rect">
-            <a:avLst/>
-          </a:prstGeom>
-          <a:noFill/>
-          <a:extLst>
-            <a:ext uri="{909E8E84-426E-40DD-AFC4-6F175D3DCCD1}">
-              <a14:hiddenFill xmlns:a14="http://schemas.microsoft.com/office/drawing/2010/main">
-                <a:solidFill>
-                  <a:srgbClr val="FFFFFF"/>
-                </a:solidFill>
-              </a14:hiddenFill>
-            </a:ext>
-          </a:extLst>
-        </p:spPr>
-      </p:pic>
-      <p:sp>
-        <p:nvSpPr>
-          <p:cNvPr id="7" name="Прямоугольник 6">
-            <a:extLst>
-              <a:ext uri="{FF2B5EF4-FFF2-40B4-BE49-F238E27FC236}">
-                <a16:creationId xmlns:a16="http://schemas.microsoft.com/office/drawing/2014/main" id="{E5D066B6-75DE-41E4-83FB-27B072A4C3CE}"/>
-              </a:ext>
-            </a:extLst>
-          </p:cNvPr>
-          <p:cNvSpPr/>
-          <p:nvPr/>
-        </p:nvSpPr>
-        <p:spPr>
-          <a:xfrm>
-            <a:off x="4281383" y="4765158"/>
-            <a:ext cx="949299" cy="257506"/>
-          </a:xfrm>
-          <a:prstGeom prst="rect">
-            <a:avLst/>
-          </a:prstGeom>
-        </p:spPr>
-        <p:txBody>
-          <a:bodyPr wrap="none">
-            <a:spAutoFit/>
-          </a:bodyPr>
-          <a:lstStyle/>
-          <a:p>
-            <a:pPr marL="457200" algn="ctr">
-              <a:lnSpc>
-                <a:spcPct val="107000"/>
-              </a:lnSpc>
-              <a:spcAft>
-                <a:spcPts val="800"/>
-              </a:spcAft>
-            </a:pPr>
-            <a:r>
-              <a:rPr lang="en-US" sz="1050" b="1" dirty="0">
-                <a:latin typeface="Calibri" panose="020F0502020204030204" pitchFamily="34" charset="0"/>
-                <a:ea typeface="Calibri" panose="020F0502020204030204" pitchFamily="34" charset="0"/>
-                <a:cs typeface="Times New Roman" panose="02020603050405020304" pitchFamily="18" charset="0"/>
-              </a:rPr>
-              <a:t>Fraps</a:t>
-            </a:r>
-            <a:endParaRPr lang="ru-RU" sz="1050" dirty="0">
-              <a:latin typeface="Calibri" panose="020F0502020204030204" pitchFamily="34" charset="0"/>
-              <a:ea typeface="Calibri" panose="020F0502020204030204" pitchFamily="34" charset="0"/>
-              <a:cs typeface="Times New Roman" panose="02020603050405020304" pitchFamily="18" charset="0"/>
-            </a:endParaRPr>
-          </a:p>
-        </p:txBody>
-      </p:sp>
     </p:spTree>
   </p:cSld>
   <p:clrMapOvr>
